--- a/lecture_ppts/Problem Set #2.pptx
+++ b/lecture_ppts/Problem Set #2.pptx
@@ -5,25 +5,20 @@
     <p:sldMasterId id="2147484736" r:id="rId1"/>
   </p:sldMasterIdLst>
   <p:notesMasterIdLst>
-    <p:notesMasterId r:id="rId15"/>
+    <p:notesMasterId r:id="rId10"/>
   </p:notesMasterIdLst>
   <p:handoutMasterIdLst>
-    <p:handoutMasterId r:id="rId16"/>
+    <p:handoutMasterId r:id="rId11"/>
   </p:handoutMasterIdLst>
   <p:sldIdLst>
     <p:sldId id="818" r:id="rId2"/>
     <p:sldId id="839" r:id="rId3"/>
     <p:sldId id="840" r:id="rId4"/>
     <p:sldId id="832" r:id="rId5"/>
-    <p:sldId id="829" r:id="rId6"/>
-    <p:sldId id="834" r:id="rId7"/>
-    <p:sldId id="833" r:id="rId8"/>
-    <p:sldId id="835" r:id="rId9"/>
-    <p:sldId id="836" r:id="rId10"/>
-    <p:sldId id="830" r:id="rId11"/>
-    <p:sldId id="831" r:id="rId12"/>
-    <p:sldId id="837" r:id="rId13"/>
-    <p:sldId id="838" r:id="rId14"/>
+    <p:sldId id="830" r:id="rId6"/>
+    <p:sldId id="831" r:id="rId7"/>
+    <p:sldId id="837" r:id="rId8"/>
+    <p:sldId id="838" r:id="rId9"/>
   </p:sldIdLst>
   <p:sldSz cx="9144000" cy="6858000" type="screen4x3"/>
   <p:notesSz cx="6858000" cy="9144000"/>
@@ -510,7 +505,7 @@
               <a:pPr>
                 <a:defRPr/>
               </a:pPr>
-              <a:t>8/11/2021</a:t>
+              <a:t>8/13/2021</a:t>
             </a:fld>
             <a:endParaRPr lang="en-US" altLang="ko-KR" dirty="0"/>
           </a:p>
@@ -931,418 +926,6 @@
 </p:notes>
 </file>
 
-<file path=ppt/notesSlides/notesSlide10.xml><?xml version="1.0" encoding="utf-8"?>
-<p:notes xmlns:a="http://schemas.openxmlformats.org/drawingml/2006/main" xmlns:r="http://schemas.openxmlformats.org/officeDocument/2006/relationships" xmlns:p="http://schemas.openxmlformats.org/presentationml/2006/main">
-  <p:cSld>
-    <p:spTree>
-      <p:nvGrpSpPr>
-        <p:cNvPr id="1" name=""/>
-        <p:cNvGrpSpPr/>
-        <p:nvPr/>
-      </p:nvGrpSpPr>
-      <p:grpSpPr>
-        <a:xfrm>
-          <a:off x="0" y="0"/>
-          <a:ext cx="0" cy="0"/>
-          <a:chOff x="0" y="0"/>
-          <a:chExt cx="0" cy="0"/>
-        </a:xfrm>
-      </p:grpSpPr>
-      <p:sp>
-        <p:nvSpPr>
-          <p:cNvPr id="60418" name="Rectangle 2"/>
-          <p:cNvSpPr>
-            <a:spLocks noGrp="1" noRot="1" noChangeAspect="1" noTextEdit="1"/>
-          </p:cNvSpPr>
-          <p:nvPr>
-            <p:ph type="sldImg"/>
-          </p:nvPr>
-        </p:nvSpPr>
-        <p:spPr bwMode="auto">
-          <a:noFill/>
-          <a:ln>
-            <a:solidFill>
-              <a:srgbClr val="000000"/>
-            </a:solidFill>
-            <a:miter lim="800000"/>
-            <a:headEnd/>
-            <a:tailEnd/>
-          </a:ln>
-          <a:extLst>
-            <a:ext uri="{909E8E84-426E-40DD-AFC4-6F175D3DCCD1}">
-              <a14:hiddenFill xmlns:a14="http://schemas.microsoft.com/office/drawing/2010/main">
-                <a:solidFill>
-                  <a:srgbClr val="FFFFFF"/>
-                </a:solidFill>
-              </a14:hiddenFill>
-            </a:ext>
-          </a:extLst>
-        </p:spPr>
-      </p:sp>
-      <p:sp>
-        <p:nvSpPr>
-          <p:cNvPr id="60419" name="Rectangle 3"/>
-          <p:cNvSpPr>
-            <a:spLocks noGrp="1"/>
-          </p:cNvSpPr>
-          <p:nvPr>
-            <p:ph type="body" idx="1"/>
-          </p:nvPr>
-        </p:nvSpPr>
-        <p:spPr bwMode="auto">
-          <a:noFill/>
-          <a:extLst>
-            <a:ext uri="{909E8E84-426E-40DD-AFC4-6F175D3DCCD1}">
-              <a14:hiddenFill xmlns:a14="http://schemas.microsoft.com/office/drawing/2010/main">
-                <a:solidFill>
-                  <a:srgbClr val="FFFFFF"/>
-                </a:solidFill>
-              </a14:hiddenFill>
-            </a:ext>
-            <a:ext uri="{91240B29-F687-4F45-9708-019B960494DF}">
-              <a14:hiddenLine xmlns:a14="http://schemas.microsoft.com/office/drawing/2010/main" w="9525">
-                <a:solidFill>
-                  <a:srgbClr val="000000"/>
-                </a:solidFill>
-                <a:miter lim="800000"/>
-                <a:headEnd/>
-                <a:tailEnd/>
-              </a14:hiddenLine>
-            </a:ext>
-          </a:extLst>
-        </p:spPr>
-        <p:txBody>
-          <a:bodyPr/>
-          <a:lstStyle/>
-          <a:p>
-            <a:endParaRPr lang="ko-KR" dirty="0" smtClean="0">
-              <a:ea typeface="ＭＳ Ｐゴシック" pitchFamily="34" charset="-128"/>
-            </a:endParaRPr>
-          </a:p>
-        </p:txBody>
-      </p:sp>
-    </p:spTree>
-    <p:extLst>
-      <p:ext uri="{BB962C8B-B14F-4D97-AF65-F5344CB8AC3E}">
-        <p14:creationId xmlns:p14="http://schemas.microsoft.com/office/powerpoint/2010/main" val="2399055960"/>
-      </p:ext>
-    </p:extLst>
-  </p:cSld>
-  <p:clrMapOvr>
-    <a:masterClrMapping/>
-  </p:clrMapOvr>
-</p:notes>
-</file>
-
-<file path=ppt/notesSlides/notesSlide11.xml><?xml version="1.0" encoding="utf-8"?>
-<p:notes xmlns:a="http://schemas.openxmlformats.org/drawingml/2006/main" xmlns:r="http://schemas.openxmlformats.org/officeDocument/2006/relationships" xmlns:p="http://schemas.openxmlformats.org/presentationml/2006/main">
-  <p:cSld>
-    <p:spTree>
-      <p:nvGrpSpPr>
-        <p:cNvPr id="1" name=""/>
-        <p:cNvGrpSpPr/>
-        <p:nvPr/>
-      </p:nvGrpSpPr>
-      <p:grpSpPr>
-        <a:xfrm>
-          <a:off x="0" y="0"/>
-          <a:ext cx="0" cy="0"/>
-          <a:chOff x="0" y="0"/>
-          <a:chExt cx="0" cy="0"/>
-        </a:xfrm>
-      </p:grpSpPr>
-      <p:sp>
-        <p:nvSpPr>
-          <p:cNvPr id="60418" name="Rectangle 2"/>
-          <p:cNvSpPr>
-            <a:spLocks noGrp="1" noRot="1" noChangeAspect="1" noTextEdit="1"/>
-          </p:cNvSpPr>
-          <p:nvPr>
-            <p:ph type="sldImg"/>
-          </p:nvPr>
-        </p:nvSpPr>
-        <p:spPr bwMode="auto">
-          <a:noFill/>
-          <a:ln>
-            <a:solidFill>
-              <a:srgbClr val="000000"/>
-            </a:solidFill>
-            <a:miter lim="800000"/>
-            <a:headEnd/>
-            <a:tailEnd/>
-          </a:ln>
-          <a:extLst>
-            <a:ext uri="{909E8E84-426E-40DD-AFC4-6F175D3DCCD1}">
-              <a14:hiddenFill xmlns:a14="http://schemas.microsoft.com/office/drawing/2010/main">
-                <a:solidFill>
-                  <a:srgbClr val="FFFFFF"/>
-                </a:solidFill>
-              </a14:hiddenFill>
-            </a:ext>
-          </a:extLst>
-        </p:spPr>
-      </p:sp>
-      <p:sp>
-        <p:nvSpPr>
-          <p:cNvPr id="60419" name="Rectangle 3"/>
-          <p:cNvSpPr>
-            <a:spLocks noGrp="1"/>
-          </p:cNvSpPr>
-          <p:nvPr>
-            <p:ph type="body" idx="1"/>
-          </p:nvPr>
-        </p:nvSpPr>
-        <p:spPr bwMode="auto">
-          <a:noFill/>
-          <a:extLst>
-            <a:ext uri="{909E8E84-426E-40DD-AFC4-6F175D3DCCD1}">
-              <a14:hiddenFill xmlns:a14="http://schemas.microsoft.com/office/drawing/2010/main">
-                <a:solidFill>
-                  <a:srgbClr val="FFFFFF"/>
-                </a:solidFill>
-              </a14:hiddenFill>
-            </a:ext>
-            <a:ext uri="{91240B29-F687-4F45-9708-019B960494DF}">
-              <a14:hiddenLine xmlns:a14="http://schemas.microsoft.com/office/drawing/2010/main" w="9525">
-                <a:solidFill>
-                  <a:srgbClr val="000000"/>
-                </a:solidFill>
-                <a:miter lim="800000"/>
-                <a:headEnd/>
-                <a:tailEnd/>
-              </a14:hiddenLine>
-            </a:ext>
-          </a:extLst>
-        </p:spPr>
-        <p:txBody>
-          <a:bodyPr/>
-          <a:lstStyle/>
-          <a:p>
-            <a:endParaRPr lang="ko-KR" dirty="0" smtClean="0">
-              <a:ea typeface="ＭＳ Ｐゴシック" pitchFamily="34" charset="-128"/>
-            </a:endParaRPr>
-          </a:p>
-        </p:txBody>
-      </p:sp>
-    </p:spTree>
-    <p:extLst>
-      <p:ext uri="{BB962C8B-B14F-4D97-AF65-F5344CB8AC3E}">
-        <p14:creationId xmlns:p14="http://schemas.microsoft.com/office/powerpoint/2010/main" val="772382778"/>
-      </p:ext>
-    </p:extLst>
-  </p:cSld>
-  <p:clrMapOvr>
-    <a:masterClrMapping/>
-  </p:clrMapOvr>
-</p:notes>
-</file>
-
-<file path=ppt/notesSlides/notesSlide12.xml><?xml version="1.0" encoding="utf-8"?>
-<p:notes xmlns:a="http://schemas.openxmlformats.org/drawingml/2006/main" xmlns:r="http://schemas.openxmlformats.org/officeDocument/2006/relationships" xmlns:p="http://schemas.openxmlformats.org/presentationml/2006/main">
-  <p:cSld>
-    <p:spTree>
-      <p:nvGrpSpPr>
-        <p:cNvPr id="1" name=""/>
-        <p:cNvGrpSpPr/>
-        <p:nvPr/>
-      </p:nvGrpSpPr>
-      <p:grpSpPr>
-        <a:xfrm>
-          <a:off x="0" y="0"/>
-          <a:ext cx="0" cy="0"/>
-          <a:chOff x="0" y="0"/>
-          <a:chExt cx="0" cy="0"/>
-        </a:xfrm>
-      </p:grpSpPr>
-      <p:sp>
-        <p:nvSpPr>
-          <p:cNvPr id="60418" name="Rectangle 2"/>
-          <p:cNvSpPr>
-            <a:spLocks noGrp="1" noRot="1" noChangeAspect="1" noTextEdit="1"/>
-          </p:cNvSpPr>
-          <p:nvPr>
-            <p:ph type="sldImg"/>
-          </p:nvPr>
-        </p:nvSpPr>
-        <p:spPr bwMode="auto">
-          <a:noFill/>
-          <a:ln>
-            <a:solidFill>
-              <a:srgbClr val="000000"/>
-            </a:solidFill>
-            <a:miter lim="800000"/>
-            <a:headEnd/>
-            <a:tailEnd/>
-          </a:ln>
-          <a:extLst>
-            <a:ext uri="{909E8E84-426E-40DD-AFC4-6F175D3DCCD1}">
-              <a14:hiddenFill xmlns:a14="http://schemas.microsoft.com/office/drawing/2010/main">
-                <a:solidFill>
-                  <a:srgbClr val="FFFFFF"/>
-                </a:solidFill>
-              </a14:hiddenFill>
-            </a:ext>
-          </a:extLst>
-        </p:spPr>
-      </p:sp>
-      <p:sp>
-        <p:nvSpPr>
-          <p:cNvPr id="60419" name="Rectangle 3"/>
-          <p:cNvSpPr>
-            <a:spLocks noGrp="1"/>
-          </p:cNvSpPr>
-          <p:nvPr>
-            <p:ph type="body" idx="1"/>
-          </p:nvPr>
-        </p:nvSpPr>
-        <p:spPr bwMode="auto">
-          <a:noFill/>
-          <a:extLst>
-            <a:ext uri="{909E8E84-426E-40DD-AFC4-6F175D3DCCD1}">
-              <a14:hiddenFill xmlns:a14="http://schemas.microsoft.com/office/drawing/2010/main">
-                <a:solidFill>
-                  <a:srgbClr val="FFFFFF"/>
-                </a:solidFill>
-              </a14:hiddenFill>
-            </a:ext>
-            <a:ext uri="{91240B29-F687-4F45-9708-019B960494DF}">
-              <a14:hiddenLine xmlns:a14="http://schemas.microsoft.com/office/drawing/2010/main" w="9525">
-                <a:solidFill>
-                  <a:srgbClr val="000000"/>
-                </a:solidFill>
-                <a:miter lim="800000"/>
-                <a:headEnd/>
-                <a:tailEnd/>
-              </a14:hiddenLine>
-            </a:ext>
-          </a:extLst>
-        </p:spPr>
-        <p:txBody>
-          <a:bodyPr/>
-          <a:lstStyle/>
-          <a:p>
-            <a:endParaRPr lang="ko-KR" dirty="0" smtClean="0">
-              <a:ea typeface="ＭＳ Ｐゴシック" pitchFamily="34" charset="-128"/>
-            </a:endParaRPr>
-          </a:p>
-        </p:txBody>
-      </p:sp>
-    </p:spTree>
-    <p:extLst>
-      <p:ext uri="{BB962C8B-B14F-4D97-AF65-F5344CB8AC3E}">
-        <p14:creationId xmlns:p14="http://schemas.microsoft.com/office/powerpoint/2010/main" val="869491466"/>
-      </p:ext>
-    </p:extLst>
-  </p:cSld>
-  <p:clrMapOvr>
-    <a:masterClrMapping/>
-  </p:clrMapOvr>
-</p:notes>
-</file>
-
-<file path=ppt/notesSlides/notesSlide13.xml><?xml version="1.0" encoding="utf-8"?>
-<p:notes xmlns:a="http://schemas.openxmlformats.org/drawingml/2006/main" xmlns:r="http://schemas.openxmlformats.org/officeDocument/2006/relationships" xmlns:p="http://schemas.openxmlformats.org/presentationml/2006/main">
-  <p:cSld>
-    <p:spTree>
-      <p:nvGrpSpPr>
-        <p:cNvPr id="1" name=""/>
-        <p:cNvGrpSpPr/>
-        <p:nvPr/>
-      </p:nvGrpSpPr>
-      <p:grpSpPr>
-        <a:xfrm>
-          <a:off x="0" y="0"/>
-          <a:ext cx="0" cy="0"/>
-          <a:chOff x="0" y="0"/>
-          <a:chExt cx="0" cy="0"/>
-        </a:xfrm>
-      </p:grpSpPr>
-      <p:sp>
-        <p:nvSpPr>
-          <p:cNvPr id="60418" name="Rectangle 2"/>
-          <p:cNvSpPr>
-            <a:spLocks noGrp="1" noRot="1" noChangeAspect="1" noTextEdit="1"/>
-          </p:cNvSpPr>
-          <p:nvPr>
-            <p:ph type="sldImg"/>
-          </p:nvPr>
-        </p:nvSpPr>
-        <p:spPr bwMode="auto">
-          <a:noFill/>
-          <a:ln>
-            <a:solidFill>
-              <a:srgbClr val="000000"/>
-            </a:solidFill>
-            <a:miter lim="800000"/>
-            <a:headEnd/>
-            <a:tailEnd/>
-          </a:ln>
-          <a:extLst>
-            <a:ext uri="{909E8E84-426E-40DD-AFC4-6F175D3DCCD1}">
-              <a14:hiddenFill xmlns:a14="http://schemas.microsoft.com/office/drawing/2010/main">
-                <a:solidFill>
-                  <a:srgbClr val="FFFFFF"/>
-                </a:solidFill>
-              </a14:hiddenFill>
-            </a:ext>
-          </a:extLst>
-        </p:spPr>
-      </p:sp>
-      <p:sp>
-        <p:nvSpPr>
-          <p:cNvPr id="60419" name="Rectangle 3"/>
-          <p:cNvSpPr>
-            <a:spLocks noGrp="1"/>
-          </p:cNvSpPr>
-          <p:nvPr>
-            <p:ph type="body" idx="1"/>
-          </p:nvPr>
-        </p:nvSpPr>
-        <p:spPr bwMode="auto">
-          <a:noFill/>
-          <a:extLst>
-            <a:ext uri="{909E8E84-426E-40DD-AFC4-6F175D3DCCD1}">
-              <a14:hiddenFill xmlns:a14="http://schemas.microsoft.com/office/drawing/2010/main">
-                <a:solidFill>
-                  <a:srgbClr val="FFFFFF"/>
-                </a:solidFill>
-              </a14:hiddenFill>
-            </a:ext>
-            <a:ext uri="{91240B29-F687-4F45-9708-019B960494DF}">
-              <a14:hiddenLine xmlns:a14="http://schemas.microsoft.com/office/drawing/2010/main" w="9525">
-                <a:solidFill>
-                  <a:srgbClr val="000000"/>
-                </a:solidFill>
-                <a:miter lim="800000"/>
-                <a:headEnd/>
-                <a:tailEnd/>
-              </a14:hiddenLine>
-            </a:ext>
-          </a:extLst>
-        </p:spPr>
-        <p:txBody>
-          <a:bodyPr/>
-          <a:lstStyle/>
-          <a:p>
-            <a:endParaRPr lang="ko-KR" dirty="0" smtClean="0">
-              <a:ea typeface="ＭＳ Ｐゴシック" pitchFamily="34" charset="-128"/>
-            </a:endParaRPr>
-          </a:p>
-        </p:txBody>
-      </p:sp>
-    </p:spTree>
-    <p:extLst>
-      <p:ext uri="{BB962C8B-B14F-4D97-AF65-F5344CB8AC3E}">
-        <p14:creationId xmlns:p14="http://schemas.microsoft.com/office/powerpoint/2010/main" val="2205761895"/>
-      </p:ext>
-    </p:extLst>
-  </p:cSld>
-  <p:clrMapOvr>
-    <a:masterClrMapping/>
-  </p:clrMapOvr>
-</p:notes>
-</file>
-
 <file path=ppt/notesSlides/notesSlide2.xml><?xml version="1.0" encoding="utf-8"?>
 <p:notes xmlns:a="http://schemas.openxmlformats.org/drawingml/2006/main" xmlns:r="http://schemas.openxmlformats.org/officeDocument/2006/relationships" xmlns:p="http://schemas.openxmlformats.org/presentationml/2006/main">
   <p:cSld>
@@ -1745,7 +1328,7 @@
     </p:spTree>
     <p:extLst>
       <p:ext uri="{BB962C8B-B14F-4D97-AF65-F5344CB8AC3E}">
-        <p14:creationId xmlns:p14="http://schemas.microsoft.com/office/powerpoint/2010/main" val="2341794703"/>
+        <p14:creationId xmlns:p14="http://schemas.microsoft.com/office/powerpoint/2010/main" val="2399055960"/>
       </p:ext>
     </p:extLst>
   </p:cSld>
@@ -1848,7 +1431,7 @@
     </p:spTree>
     <p:extLst>
       <p:ext uri="{BB962C8B-B14F-4D97-AF65-F5344CB8AC3E}">
-        <p14:creationId xmlns:p14="http://schemas.microsoft.com/office/powerpoint/2010/main" val="879781150"/>
+        <p14:creationId xmlns:p14="http://schemas.microsoft.com/office/powerpoint/2010/main" val="772382778"/>
       </p:ext>
     </p:extLst>
   </p:cSld>
@@ -1951,7 +1534,7 @@
     </p:spTree>
     <p:extLst>
       <p:ext uri="{BB962C8B-B14F-4D97-AF65-F5344CB8AC3E}">
-        <p14:creationId xmlns:p14="http://schemas.microsoft.com/office/powerpoint/2010/main" val="1425786140"/>
+        <p14:creationId xmlns:p14="http://schemas.microsoft.com/office/powerpoint/2010/main" val="869491466"/>
       </p:ext>
     </p:extLst>
   </p:cSld>
@@ -2054,110 +1637,7 @@
     </p:spTree>
     <p:extLst>
       <p:ext uri="{BB962C8B-B14F-4D97-AF65-F5344CB8AC3E}">
-        <p14:creationId xmlns:p14="http://schemas.microsoft.com/office/powerpoint/2010/main" val="493222023"/>
-      </p:ext>
-    </p:extLst>
-  </p:cSld>
-  <p:clrMapOvr>
-    <a:masterClrMapping/>
-  </p:clrMapOvr>
-</p:notes>
-</file>
-
-<file path=ppt/notesSlides/notesSlide9.xml><?xml version="1.0" encoding="utf-8"?>
-<p:notes xmlns:a="http://schemas.openxmlformats.org/drawingml/2006/main" xmlns:r="http://schemas.openxmlformats.org/officeDocument/2006/relationships" xmlns:p="http://schemas.openxmlformats.org/presentationml/2006/main">
-  <p:cSld>
-    <p:spTree>
-      <p:nvGrpSpPr>
-        <p:cNvPr id="1" name=""/>
-        <p:cNvGrpSpPr/>
-        <p:nvPr/>
-      </p:nvGrpSpPr>
-      <p:grpSpPr>
-        <a:xfrm>
-          <a:off x="0" y="0"/>
-          <a:ext cx="0" cy="0"/>
-          <a:chOff x="0" y="0"/>
-          <a:chExt cx="0" cy="0"/>
-        </a:xfrm>
-      </p:grpSpPr>
-      <p:sp>
-        <p:nvSpPr>
-          <p:cNvPr id="60418" name="Rectangle 2"/>
-          <p:cNvSpPr>
-            <a:spLocks noGrp="1" noRot="1" noChangeAspect="1" noTextEdit="1"/>
-          </p:cNvSpPr>
-          <p:nvPr>
-            <p:ph type="sldImg"/>
-          </p:nvPr>
-        </p:nvSpPr>
-        <p:spPr bwMode="auto">
-          <a:noFill/>
-          <a:ln>
-            <a:solidFill>
-              <a:srgbClr val="000000"/>
-            </a:solidFill>
-            <a:miter lim="800000"/>
-            <a:headEnd/>
-            <a:tailEnd/>
-          </a:ln>
-          <a:extLst>
-            <a:ext uri="{909E8E84-426E-40DD-AFC4-6F175D3DCCD1}">
-              <a14:hiddenFill xmlns:a14="http://schemas.microsoft.com/office/drawing/2010/main">
-                <a:solidFill>
-                  <a:srgbClr val="FFFFFF"/>
-                </a:solidFill>
-              </a14:hiddenFill>
-            </a:ext>
-          </a:extLst>
-        </p:spPr>
-      </p:sp>
-      <p:sp>
-        <p:nvSpPr>
-          <p:cNvPr id="60419" name="Rectangle 3"/>
-          <p:cNvSpPr>
-            <a:spLocks noGrp="1"/>
-          </p:cNvSpPr>
-          <p:nvPr>
-            <p:ph type="body" idx="1"/>
-          </p:nvPr>
-        </p:nvSpPr>
-        <p:spPr bwMode="auto">
-          <a:noFill/>
-          <a:extLst>
-            <a:ext uri="{909E8E84-426E-40DD-AFC4-6F175D3DCCD1}">
-              <a14:hiddenFill xmlns:a14="http://schemas.microsoft.com/office/drawing/2010/main">
-                <a:solidFill>
-                  <a:srgbClr val="FFFFFF"/>
-                </a:solidFill>
-              </a14:hiddenFill>
-            </a:ext>
-            <a:ext uri="{91240B29-F687-4F45-9708-019B960494DF}">
-              <a14:hiddenLine xmlns:a14="http://schemas.microsoft.com/office/drawing/2010/main" w="9525">
-                <a:solidFill>
-                  <a:srgbClr val="000000"/>
-                </a:solidFill>
-                <a:miter lim="800000"/>
-                <a:headEnd/>
-                <a:tailEnd/>
-              </a14:hiddenLine>
-            </a:ext>
-          </a:extLst>
-        </p:spPr>
-        <p:txBody>
-          <a:bodyPr/>
-          <a:lstStyle/>
-          <a:p>
-            <a:endParaRPr lang="ko-KR" dirty="0" smtClean="0">
-              <a:ea typeface="ＭＳ Ｐゴシック" pitchFamily="34" charset="-128"/>
-            </a:endParaRPr>
-          </a:p>
-        </p:txBody>
-      </p:sp>
-    </p:spTree>
-    <p:extLst>
-      <p:ext uri="{BB962C8B-B14F-4D97-AF65-F5344CB8AC3E}">
-        <p14:creationId xmlns:p14="http://schemas.microsoft.com/office/powerpoint/2010/main" val="2027224172"/>
+        <p14:creationId xmlns:p14="http://schemas.microsoft.com/office/powerpoint/2010/main" val="2205761895"/>
       </p:ext>
     </p:extLst>
   </p:cSld>
@@ -7250,2472 +6730,6 @@
 </p:sld>
 </file>
 
-<file path=ppt/slides/slide10.xml><?xml version="1.0" encoding="utf-8"?>
-<p:sld xmlns:a="http://schemas.openxmlformats.org/drawingml/2006/main" xmlns:r="http://schemas.openxmlformats.org/officeDocument/2006/relationships" xmlns:p="http://schemas.openxmlformats.org/presentationml/2006/main">
-  <p:cSld>
-    <p:spTree>
-      <p:nvGrpSpPr>
-        <p:cNvPr id="1" name=""/>
-        <p:cNvGrpSpPr/>
-        <p:nvPr/>
-      </p:nvGrpSpPr>
-      <p:grpSpPr>
-        <a:xfrm>
-          <a:off x="0" y="0"/>
-          <a:ext cx="0" cy="0"/>
-          <a:chOff x="0" y="0"/>
-          <a:chExt cx="0" cy="0"/>
-        </a:xfrm>
-      </p:grpSpPr>
-      <p:pic>
-        <p:nvPicPr>
-          <p:cNvPr id="3" name="그림 2"/>
-          <p:cNvPicPr>
-            <a:picLocks noChangeAspect="1"/>
-          </p:cNvPicPr>
-          <p:nvPr/>
-        </p:nvPicPr>
-        <p:blipFill>
-          <a:blip r:embed="rId3"/>
-          <a:stretch>
-            <a:fillRect/>
-          </a:stretch>
-        </p:blipFill>
-        <p:spPr>
-          <a:xfrm>
-            <a:off x="219425" y="2423431"/>
-            <a:ext cx="8503158" cy="2811666"/>
-          </a:xfrm>
-          <a:prstGeom prst="rect">
-            <a:avLst/>
-          </a:prstGeom>
-          <a:ln w="12700">
-            <a:solidFill>
-              <a:schemeClr val="accent1"/>
-            </a:solidFill>
-          </a:ln>
-        </p:spPr>
-      </p:pic>
-      <p:sp>
-        <p:nvSpPr>
-          <p:cNvPr id="15362" name="Rectangle 2"/>
-          <p:cNvSpPr>
-            <a:spLocks noGrp="1" noChangeArrowheads="1"/>
-          </p:cNvSpPr>
-          <p:nvPr>
-            <p:ph type="title" sz="quarter"/>
-          </p:nvPr>
-        </p:nvSpPr>
-        <p:spPr>
-          <a:xfrm>
-            <a:off x="0" y="0"/>
-            <a:ext cx="9144000" cy="971550"/>
-          </a:xfrm>
-        </p:spPr>
-        <p:txBody>
-          <a:bodyPr/>
-          <a:lstStyle/>
-          <a:p>
-            <a:pPr algn="ctr"/>
-            <a:r>
-              <a:rPr lang="en-US" altLang="ko-KR" sz="2800" b="1" dirty="0">
-                <a:latin typeface="Calibri" panose="020F0502020204030204" pitchFamily="34" charset="0"/>
-                <a:ea typeface="Verdana" pitchFamily="34" charset="0"/>
-                <a:cs typeface="Calibri" panose="020F0502020204030204" pitchFamily="34" charset="0"/>
-              </a:rPr>
-              <a:t>Problem Set #2</a:t>
-            </a:r>
-          </a:p>
-        </p:txBody>
-      </p:sp>
-      <p:sp>
-        <p:nvSpPr>
-          <p:cNvPr id="2" name="Slide Number Placeholder 1"/>
-          <p:cNvSpPr>
-            <a:spLocks noGrp="1"/>
-          </p:cNvSpPr>
-          <p:nvPr>
-            <p:ph type="sldNum" sz="quarter" idx="12"/>
-          </p:nvPr>
-        </p:nvSpPr>
-        <p:spPr>
-          <a:xfrm>
-            <a:off x="612775" y="6356350"/>
-            <a:ext cx="1981200" cy="366713"/>
-          </a:xfrm>
-        </p:spPr>
-        <p:txBody>
-          <a:bodyPr/>
-          <a:lstStyle/>
-          <a:p>
-            <a:pPr>
-              <a:defRPr/>
-            </a:pPr>
-            <a:fld id="{3850345A-1D96-42EE-B598-5ADBF25B71C7}" type="slidenum">
-              <a:rPr lang="en-US" altLang="ko-KR" smtClean="0"/>
-              <a:pPr>
-                <a:defRPr/>
-              </a:pPr>
-              <a:t>10</a:t>
-            </a:fld>
-            <a:endParaRPr lang="en-US" altLang="ko-KR" dirty="0"/>
-          </a:p>
-        </p:txBody>
-      </p:sp>
-      <p:sp>
-        <p:nvSpPr>
-          <p:cNvPr id="4" name="Content Placeholder 11"/>
-          <p:cNvSpPr>
-            <a:spLocks noGrp="1"/>
-          </p:cNvSpPr>
-          <p:nvPr>
-            <p:ph sz="quarter" idx="1"/>
-          </p:nvPr>
-        </p:nvSpPr>
-        <p:spPr>
-          <a:xfrm>
-            <a:off x="346169" y="1281924"/>
-            <a:ext cx="8249670" cy="5441139"/>
-          </a:xfrm>
-          <a:noFill/>
-          <a:ln>
-            <a:miter lim="800000"/>
-            <a:headEnd/>
-            <a:tailEnd/>
-          </a:ln>
-          <a:scene3d>
-            <a:camera prst="orthographicFront"/>
-            <a:lightRig rig="threePt" dir="t"/>
-          </a:scene3d>
-          <a:sp3d>
-            <a:bevelT w="114300" prst="hardEdge"/>
-          </a:sp3d>
-          <a:extLst/>
-        </p:spPr>
-        <p:txBody>
-          <a:bodyPr>
-            <a:normAutofit/>
-          </a:bodyPr>
-          <a:lstStyle>
-            <a:lvl1pPr marL="231775" indent="-231775" eaLnBrk="0" hangingPunct="0">
-              <a:defRPr sz="2400">
-                <a:solidFill>
-                  <a:schemeClr val="tx1"/>
-                </a:solidFill>
-                <a:latin typeface="Arial" pitchFamily="34" charset="0"/>
-                <a:ea typeface="ＭＳ Ｐゴシック" pitchFamily="34" charset="-128"/>
-              </a:defRPr>
-            </a:lvl1pPr>
-            <a:lvl2pPr marL="631825" indent="-231775" eaLnBrk="0" hangingPunct="0">
-              <a:defRPr sz="2400">
-                <a:solidFill>
-                  <a:schemeClr val="tx1"/>
-                </a:solidFill>
-                <a:latin typeface="Arial" pitchFamily="34" charset="0"/>
-                <a:ea typeface="ＭＳ Ｐゴシック" pitchFamily="34" charset="-128"/>
-              </a:defRPr>
-            </a:lvl2pPr>
-            <a:lvl3pPr marL="1143000" indent="-228600" eaLnBrk="0" hangingPunct="0">
-              <a:defRPr sz="2400">
-                <a:solidFill>
-                  <a:schemeClr val="tx1"/>
-                </a:solidFill>
-                <a:latin typeface="Arial" pitchFamily="34" charset="0"/>
-                <a:ea typeface="ＭＳ Ｐゴシック" pitchFamily="34" charset="-128"/>
-              </a:defRPr>
-            </a:lvl3pPr>
-            <a:lvl4pPr marL="1600200" indent="-228600" eaLnBrk="0" hangingPunct="0">
-              <a:defRPr sz="2400">
-                <a:solidFill>
-                  <a:schemeClr val="tx1"/>
-                </a:solidFill>
-                <a:latin typeface="Arial" pitchFamily="34" charset="0"/>
-                <a:ea typeface="ＭＳ Ｐゴシック" pitchFamily="34" charset="-128"/>
-              </a:defRPr>
-            </a:lvl4pPr>
-            <a:lvl5pPr marL="2057400" indent="-228600" eaLnBrk="0" hangingPunct="0">
-              <a:defRPr sz="2400">
-                <a:solidFill>
-                  <a:schemeClr val="tx1"/>
-                </a:solidFill>
-                <a:latin typeface="Arial" pitchFamily="34" charset="0"/>
-                <a:ea typeface="ＭＳ Ｐゴシック" pitchFamily="34" charset="-128"/>
-              </a:defRPr>
-            </a:lvl5pPr>
-            <a:lvl6pPr marL="2514600" indent="-228600" eaLnBrk="0" fontAlgn="base" hangingPunct="0">
-              <a:spcBef>
-                <a:spcPct val="0"/>
-              </a:spcBef>
-              <a:spcAft>
-                <a:spcPct val="0"/>
-              </a:spcAft>
-              <a:defRPr sz="2400">
-                <a:solidFill>
-                  <a:schemeClr val="tx1"/>
-                </a:solidFill>
-                <a:latin typeface="Arial" pitchFamily="34" charset="0"/>
-                <a:ea typeface="ＭＳ Ｐゴシック" pitchFamily="34" charset="-128"/>
-              </a:defRPr>
-            </a:lvl6pPr>
-            <a:lvl7pPr marL="2971800" indent="-228600" eaLnBrk="0" fontAlgn="base" hangingPunct="0">
-              <a:spcBef>
-                <a:spcPct val="0"/>
-              </a:spcBef>
-              <a:spcAft>
-                <a:spcPct val="0"/>
-              </a:spcAft>
-              <a:defRPr sz="2400">
-                <a:solidFill>
-                  <a:schemeClr val="tx1"/>
-                </a:solidFill>
-                <a:latin typeface="Arial" pitchFamily="34" charset="0"/>
-                <a:ea typeface="ＭＳ Ｐゴシック" pitchFamily="34" charset="-128"/>
-              </a:defRPr>
-            </a:lvl7pPr>
-            <a:lvl8pPr marL="3429000" indent="-228600" eaLnBrk="0" fontAlgn="base" hangingPunct="0">
-              <a:spcBef>
-                <a:spcPct val="0"/>
-              </a:spcBef>
-              <a:spcAft>
-                <a:spcPct val="0"/>
-              </a:spcAft>
-              <a:defRPr sz="2400">
-                <a:solidFill>
-                  <a:schemeClr val="tx1"/>
-                </a:solidFill>
-                <a:latin typeface="Arial" pitchFamily="34" charset="0"/>
-                <a:ea typeface="ＭＳ Ｐゴシック" pitchFamily="34" charset="-128"/>
-              </a:defRPr>
-            </a:lvl8pPr>
-            <a:lvl9pPr marL="3886200" indent="-228600" eaLnBrk="0" fontAlgn="base" hangingPunct="0">
-              <a:spcBef>
-                <a:spcPct val="0"/>
-              </a:spcBef>
-              <a:spcAft>
-                <a:spcPct val="0"/>
-              </a:spcAft>
-              <a:defRPr sz="2400">
-                <a:solidFill>
-                  <a:schemeClr val="tx1"/>
-                </a:solidFill>
-                <a:latin typeface="Arial" pitchFamily="34" charset="0"/>
-                <a:ea typeface="ＭＳ Ｐゴシック" pitchFamily="34" charset="-128"/>
-              </a:defRPr>
-            </a:lvl9pPr>
-          </a:lstStyle>
-          <a:p>
-            <a:pPr>
-              <a:lnSpc>
-                <a:spcPct val="90000"/>
-              </a:lnSpc>
-              <a:defRPr/>
-            </a:pPr>
-            <a:r>
-              <a:rPr lang="en-US" altLang="ko-KR" sz="2000" dirty="0" smtClean="0">
-                <a:latin typeface="Calibri" panose="020F0502020204030204" pitchFamily="34" charset="0"/>
-                <a:cs typeface="Calibri" panose="020F0502020204030204" pitchFamily="34" charset="0"/>
-              </a:rPr>
-              <a:t>Part(c) : Fill in the blanks of “Build and train Model” part</a:t>
-            </a:r>
-          </a:p>
-          <a:p>
-            <a:pPr lvl="1">
-              <a:lnSpc>
-                <a:spcPct val="90000"/>
-              </a:lnSpc>
-              <a:defRPr/>
-            </a:pPr>
-            <a:r>
-              <a:rPr lang="en-US" altLang="ko-KR" sz="2000" dirty="0" smtClean="0">
-                <a:latin typeface="Calibri" panose="020F0502020204030204" pitchFamily="34" charset="0"/>
-                <a:cs typeface="Calibri" panose="020F0502020204030204" pitchFamily="34" charset="0"/>
-              </a:rPr>
-              <a:t>Continue executing “homework5_zeo.ipynb”  till “Build and train model” part. Below is where you should fill in.</a:t>
-            </a:r>
-          </a:p>
-          <a:p>
-            <a:pPr>
-              <a:lnSpc>
-                <a:spcPct val="90000"/>
-              </a:lnSpc>
-              <a:defRPr/>
-            </a:pPr>
-            <a:endParaRPr lang="en-US" altLang="ko-KR" sz="2000" dirty="0">
-              <a:latin typeface="Calibri" panose="020F0502020204030204" pitchFamily="34" charset="0"/>
-              <a:cs typeface="Calibri" panose="020F0502020204030204" pitchFamily="34" charset="0"/>
-            </a:endParaRPr>
-          </a:p>
-          <a:p>
-            <a:pPr>
-              <a:lnSpc>
-                <a:spcPct val="90000"/>
-              </a:lnSpc>
-              <a:defRPr/>
-            </a:pPr>
-            <a:endParaRPr lang="en-US" altLang="ko-KR" sz="2000" dirty="0" smtClean="0">
-              <a:latin typeface="Calibri" panose="020F0502020204030204" pitchFamily="34" charset="0"/>
-              <a:cs typeface="Calibri" panose="020F0502020204030204" pitchFamily="34" charset="0"/>
-            </a:endParaRPr>
-          </a:p>
-          <a:p>
-            <a:pPr>
-              <a:lnSpc>
-                <a:spcPct val="90000"/>
-              </a:lnSpc>
-              <a:defRPr/>
-            </a:pPr>
-            <a:endParaRPr lang="en-US" altLang="ko-KR" sz="2000" dirty="0">
-              <a:latin typeface="Calibri" panose="020F0502020204030204" pitchFamily="34" charset="0"/>
-              <a:cs typeface="Calibri" panose="020F0502020204030204" pitchFamily="34" charset="0"/>
-            </a:endParaRPr>
-          </a:p>
-          <a:p>
-            <a:pPr>
-              <a:lnSpc>
-                <a:spcPct val="90000"/>
-              </a:lnSpc>
-              <a:defRPr/>
-            </a:pPr>
-            <a:endParaRPr lang="en-US" altLang="ko-KR" sz="2000" dirty="0" smtClean="0">
-              <a:latin typeface="Calibri" panose="020F0502020204030204" pitchFamily="34" charset="0"/>
-              <a:cs typeface="Calibri" panose="020F0502020204030204" pitchFamily="34" charset="0"/>
-            </a:endParaRPr>
-          </a:p>
-          <a:p>
-            <a:pPr>
-              <a:lnSpc>
-                <a:spcPct val="90000"/>
-              </a:lnSpc>
-              <a:defRPr/>
-            </a:pPr>
-            <a:endParaRPr lang="en-US" altLang="ko-KR" sz="2000" dirty="0">
-              <a:latin typeface="Calibri" panose="020F0502020204030204" pitchFamily="34" charset="0"/>
-              <a:cs typeface="Calibri" panose="020F0502020204030204" pitchFamily="34" charset="0"/>
-            </a:endParaRPr>
-          </a:p>
-          <a:p>
-            <a:pPr>
-              <a:lnSpc>
-                <a:spcPct val="90000"/>
-              </a:lnSpc>
-              <a:defRPr/>
-            </a:pPr>
-            <a:endParaRPr lang="en-US" altLang="ko-KR" sz="2000" dirty="0" smtClean="0">
-              <a:latin typeface="Calibri" panose="020F0502020204030204" pitchFamily="34" charset="0"/>
-              <a:cs typeface="Calibri" panose="020F0502020204030204" pitchFamily="34" charset="0"/>
-            </a:endParaRPr>
-          </a:p>
-          <a:p>
-            <a:pPr>
-              <a:lnSpc>
-                <a:spcPct val="90000"/>
-              </a:lnSpc>
-              <a:defRPr/>
-            </a:pPr>
-            <a:endParaRPr lang="en-US" altLang="ko-KR" sz="2000" dirty="0">
-              <a:latin typeface="Calibri" panose="020F0502020204030204" pitchFamily="34" charset="0"/>
-              <a:cs typeface="Calibri" panose="020F0502020204030204" pitchFamily="34" charset="0"/>
-            </a:endParaRPr>
-          </a:p>
-          <a:p>
-            <a:pPr>
-              <a:lnSpc>
-                <a:spcPct val="90000"/>
-              </a:lnSpc>
-              <a:defRPr/>
-            </a:pPr>
-            <a:endParaRPr lang="en-US" altLang="ko-KR" sz="2000" dirty="0" smtClean="0">
-              <a:latin typeface="Calibri" panose="020F0502020204030204" pitchFamily="34" charset="0"/>
-              <a:cs typeface="Calibri" panose="020F0502020204030204" pitchFamily="34" charset="0"/>
-            </a:endParaRPr>
-          </a:p>
-          <a:p>
-            <a:pPr>
-              <a:lnSpc>
-                <a:spcPct val="90000"/>
-              </a:lnSpc>
-              <a:defRPr/>
-            </a:pPr>
-            <a:endParaRPr lang="en-US" altLang="ko-KR" sz="2000" dirty="0">
-              <a:latin typeface="Calibri" panose="020F0502020204030204" pitchFamily="34" charset="0"/>
-              <a:cs typeface="Calibri" panose="020F0502020204030204" pitchFamily="34" charset="0"/>
-            </a:endParaRPr>
-          </a:p>
-          <a:p>
-            <a:pPr>
-              <a:lnSpc>
-                <a:spcPct val="90000"/>
-              </a:lnSpc>
-              <a:defRPr/>
-            </a:pPr>
-            <a:r>
-              <a:rPr lang="en-US" altLang="ko-KR" sz="2000" dirty="0" smtClean="0">
-                <a:latin typeface="Calibri" panose="020F0502020204030204" pitchFamily="34" charset="0"/>
-                <a:cs typeface="Calibri" panose="020F0502020204030204" pitchFamily="34" charset="0"/>
-              </a:rPr>
-              <a:t>Execute rest of the “homework5_zeo.ipynb”</a:t>
-            </a:r>
-            <a:br>
-              <a:rPr lang="en-US" altLang="ko-KR" sz="2000" dirty="0" smtClean="0">
-                <a:latin typeface="Calibri" panose="020F0502020204030204" pitchFamily="34" charset="0"/>
-                <a:cs typeface="Calibri" panose="020F0502020204030204" pitchFamily="34" charset="0"/>
-              </a:rPr>
-            </a:br>
-            <a:endParaRPr lang="en-US" altLang="ko-KR" sz="2000" dirty="0" smtClean="0">
-              <a:latin typeface="Calibri" panose="020F0502020204030204" pitchFamily="34" charset="0"/>
-              <a:cs typeface="Calibri" panose="020F0502020204030204" pitchFamily="34" charset="0"/>
-            </a:endParaRPr>
-          </a:p>
-        </p:txBody>
-      </p:sp>
-      <p:sp>
-        <p:nvSpPr>
-          <p:cNvPr id="17" name="모서리가 둥근 직사각형 16"/>
-          <p:cNvSpPr/>
-          <p:nvPr/>
-        </p:nvSpPr>
-        <p:spPr>
-          <a:xfrm>
-            <a:off x="972157" y="3515006"/>
-            <a:ext cx="3250708" cy="1471352"/>
-          </a:xfrm>
-          <a:prstGeom prst="roundRect">
-            <a:avLst>
-              <a:gd name="adj" fmla="val 3108"/>
-            </a:avLst>
-          </a:prstGeom>
-          <a:noFill/>
-          <a:ln w="25400">
-            <a:solidFill>
-              <a:srgbClr val="FF0000"/>
-            </a:solidFill>
-            <a:prstDash val="sysDot"/>
-          </a:ln>
-        </p:spPr>
-        <p:style>
-          <a:lnRef idx="2">
-            <a:schemeClr val="accent1">
-              <a:shade val="50000"/>
-            </a:schemeClr>
-          </a:lnRef>
-          <a:fillRef idx="1">
-            <a:schemeClr val="accent1"/>
-          </a:fillRef>
-          <a:effectRef idx="0">
-            <a:schemeClr val="accent1"/>
-          </a:effectRef>
-          <a:fontRef idx="minor">
-            <a:schemeClr val="lt1"/>
-          </a:fontRef>
-        </p:style>
-        <p:txBody>
-          <a:bodyPr rtlCol="0" anchor="ctr"/>
-          <a:lstStyle/>
-          <a:p>
-            <a:pPr algn="ctr"/>
-            <a:endParaRPr lang="ko-KR" altLang="en-US"/>
-          </a:p>
-        </p:txBody>
-      </p:sp>
-      <p:cxnSp>
-        <p:nvCxnSpPr>
-          <p:cNvPr id="19" name="직선 화살표 연결선 18"/>
-          <p:cNvCxnSpPr>
-            <a:endCxn id="20" idx="1"/>
-          </p:cNvCxnSpPr>
-          <p:nvPr/>
-        </p:nvCxnSpPr>
-        <p:spPr>
-          <a:xfrm flipV="1">
-            <a:off x="4222865" y="3515006"/>
-            <a:ext cx="404899" cy="566543"/>
-          </a:xfrm>
-          <a:prstGeom prst="straightConnector1">
-            <a:avLst/>
-          </a:prstGeom>
-          <a:ln w="25400">
-            <a:solidFill>
-              <a:srgbClr val="FF0000"/>
-            </a:solidFill>
-            <a:tailEnd type="triangle"/>
-          </a:ln>
-        </p:spPr>
-        <p:style>
-          <a:lnRef idx="1">
-            <a:schemeClr val="accent1"/>
-          </a:lnRef>
-          <a:fillRef idx="0">
-            <a:schemeClr val="accent1"/>
-          </a:fillRef>
-          <a:effectRef idx="0">
-            <a:schemeClr val="accent1"/>
-          </a:effectRef>
-          <a:fontRef idx="minor">
-            <a:schemeClr val="tx1"/>
-          </a:fontRef>
-        </p:style>
-      </p:cxnSp>
-      <p:sp>
-        <p:nvSpPr>
-          <p:cNvPr id="20" name="TextBox 19"/>
-          <p:cNvSpPr txBox="1"/>
-          <p:nvPr/>
-        </p:nvSpPr>
-        <p:spPr>
-          <a:xfrm>
-            <a:off x="4627764" y="2483954"/>
-            <a:ext cx="4158788" cy="2062103"/>
-          </a:xfrm>
-          <a:prstGeom prst="rect">
-            <a:avLst/>
-          </a:prstGeom>
-          <a:noFill/>
-        </p:spPr>
-        <p:txBody>
-          <a:bodyPr wrap="square" rtlCol="0">
-            <a:spAutoFit/>
-          </a:bodyPr>
-          <a:lstStyle/>
-          <a:p>
-            <a:r>
-              <a:rPr lang="en-US" altLang="ko-KR" sz="1600" dirty="0" smtClean="0">
-                <a:solidFill>
-                  <a:srgbClr val="FF0000"/>
-                </a:solidFill>
-                <a:latin typeface="Calibri" panose="020F0502020204030204" pitchFamily="34" charset="0"/>
-                <a:cs typeface="Calibri" panose="020F0502020204030204" pitchFamily="34" charset="0"/>
-              </a:rPr>
-              <a:t>Fill in.</a:t>
-            </a:r>
-          </a:p>
-          <a:p>
-            <a:r>
-              <a:rPr lang="en-US" altLang="ko-KR" sz="1600" dirty="0" smtClean="0">
-                <a:solidFill>
-                  <a:srgbClr val="FF0000"/>
-                </a:solidFill>
-                <a:latin typeface="Calibri" panose="020F0502020204030204" pitchFamily="34" charset="0"/>
-                <a:cs typeface="Calibri" panose="020F0502020204030204" pitchFamily="34" charset="0"/>
-              </a:rPr>
-              <a:t>A. Build 2 hidden layers (neuron 1000,256)</a:t>
-            </a:r>
-          </a:p>
-          <a:p>
-            <a:r>
-              <a:rPr lang="en-US" altLang="ko-KR" sz="1600" dirty="0" smtClean="0">
-                <a:solidFill>
-                  <a:srgbClr val="FF0000"/>
-                </a:solidFill>
-                <a:latin typeface="Calibri" panose="020F0502020204030204" pitchFamily="34" charset="0"/>
-                <a:cs typeface="Calibri" panose="020F0502020204030204" pitchFamily="34" charset="0"/>
-              </a:rPr>
-              <a:t>     and 1 output layer</a:t>
-            </a:r>
-          </a:p>
-          <a:p>
-            <a:r>
-              <a:rPr lang="en-US" altLang="ko-KR" sz="1600" dirty="0">
-                <a:solidFill>
-                  <a:srgbClr val="FF0000"/>
-                </a:solidFill>
-                <a:latin typeface="Calibri" panose="020F0502020204030204" pitchFamily="34" charset="0"/>
-                <a:cs typeface="Calibri" panose="020F0502020204030204" pitchFamily="34" charset="0"/>
-              </a:rPr>
-              <a:t> </a:t>
-            </a:r>
-            <a:r>
-              <a:rPr lang="en-US" altLang="ko-KR" sz="1600" dirty="0" smtClean="0">
-                <a:solidFill>
-                  <a:srgbClr val="FF0000"/>
-                </a:solidFill>
-                <a:latin typeface="Calibri" panose="020F0502020204030204" pitchFamily="34" charset="0"/>
-                <a:cs typeface="Calibri" panose="020F0502020204030204" pitchFamily="34" charset="0"/>
-              </a:rPr>
-              <a:t>    use </a:t>
-            </a:r>
-            <a:r>
-              <a:rPr lang="en-US" altLang="ko-KR" sz="1600" dirty="0">
-                <a:solidFill>
-                  <a:srgbClr val="FF0000"/>
-                </a:solidFill>
-                <a:latin typeface="Calibri" panose="020F0502020204030204" pitchFamily="34" charset="0"/>
-                <a:cs typeface="Calibri" panose="020F0502020204030204" pitchFamily="34" charset="0"/>
-              </a:rPr>
-              <a:t>the activation of </a:t>
-            </a:r>
-            <a:r>
-              <a:rPr lang="en-US" altLang="ko-KR" sz="1600" dirty="0" smtClean="0">
-                <a:solidFill>
-                  <a:srgbClr val="FF0000"/>
-                </a:solidFill>
-                <a:latin typeface="Calibri" panose="020F0502020204030204" pitchFamily="34" charset="0"/>
-                <a:cs typeface="Calibri" panose="020F0502020204030204" pitchFamily="34" charset="0"/>
-              </a:rPr>
-              <a:t>“</a:t>
-            </a:r>
-            <a:r>
-              <a:rPr lang="en-US" altLang="ko-KR" sz="1600" dirty="0" err="1" smtClean="0">
-                <a:solidFill>
-                  <a:srgbClr val="FF0000"/>
-                </a:solidFill>
-                <a:latin typeface="Calibri" panose="020F0502020204030204" pitchFamily="34" charset="0"/>
-                <a:cs typeface="Calibri" panose="020F0502020204030204" pitchFamily="34" charset="0"/>
-              </a:rPr>
-              <a:t>relu</a:t>
-            </a:r>
-            <a:r>
-              <a:rPr lang="en-US" altLang="ko-KR" sz="1600" dirty="0" smtClean="0">
-                <a:solidFill>
-                  <a:srgbClr val="FF0000"/>
-                </a:solidFill>
-                <a:latin typeface="Calibri" panose="020F0502020204030204" pitchFamily="34" charset="0"/>
-                <a:cs typeface="Calibri" panose="020F0502020204030204" pitchFamily="34" charset="0"/>
-              </a:rPr>
-              <a:t>” for all layers</a:t>
-            </a:r>
-          </a:p>
-          <a:p>
-            <a:r>
-              <a:rPr lang="en-US" altLang="ko-KR" sz="1600" dirty="0" smtClean="0">
-                <a:solidFill>
-                  <a:srgbClr val="FF0000"/>
-                </a:solidFill>
-                <a:latin typeface="Calibri" panose="020F0502020204030204" pitchFamily="34" charset="0"/>
-                <a:cs typeface="Calibri" panose="020F0502020204030204" pitchFamily="34" charset="0"/>
-              </a:rPr>
-              <a:t>B. Compile with optimizer= "</a:t>
-            </a:r>
-            <a:r>
-              <a:rPr lang="en-US" altLang="ko-KR" sz="1600" dirty="0" err="1" smtClean="0">
-                <a:solidFill>
-                  <a:srgbClr val="FF0000"/>
-                </a:solidFill>
-                <a:latin typeface="Calibri" panose="020F0502020204030204" pitchFamily="34" charset="0"/>
-                <a:cs typeface="Calibri" panose="020F0502020204030204" pitchFamily="34" charset="0"/>
-              </a:rPr>
-              <a:t>adam</a:t>
-            </a:r>
-            <a:r>
-              <a:rPr lang="en-US" altLang="ko-KR" sz="1600" dirty="0" smtClean="0">
-                <a:solidFill>
-                  <a:srgbClr val="FF0000"/>
-                </a:solidFill>
-                <a:latin typeface="Calibri" panose="020F0502020204030204" pitchFamily="34" charset="0"/>
-                <a:cs typeface="Calibri" panose="020F0502020204030204" pitchFamily="34" charset="0"/>
-              </a:rPr>
-              <a:t>”, loss = “</a:t>
-            </a:r>
-            <a:r>
-              <a:rPr lang="en-US" altLang="ko-KR" sz="1600" dirty="0" err="1" smtClean="0">
-                <a:solidFill>
-                  <a:srgbClr val="FF0000"/>
-                </a:solidFill>
-                <a:latin typeface="Calibri" panose="020F0502020204030204" pitchFamily="34" charset="0"/>
-                <a:cs typeface="Calibri" panose="020F0502020204030204" pitchFamily="34" charset="0"/>
-              </a:rPr>
-              <a:t>mse</a:t>
-            </a:r>
-            <a:r>
-              <a:rPr lang="en-US" altLang="ko-KR" sz="1600" dirty="0" smtClean="0">
-                <a:solidFill>
-                  <a:srgbClr val="FF0000"/>
-                </a:solidFill>
-                <a:latin typeface="Calibri" panose="020F0502020204030204" pitchFamily="34" charset="0"/>
-                <a:cs typeface="Calibri" panose="020F0502020204030204" pitchFamily="34" charset="0"/>
-              </a:rPr>
-              <a:t>”</a:t>
-            </a:r>
-          </a:p>
-          <a:p>
-            <a:r>
-              <a:rPr lang="en-US" altLang="ko-KR" sz="1600" dirty="0">
-                <a:solidFill>
-                  <a:srgbClr val="FF0000"/>
-                </a:solidFill>
-                <a:latin typeface="Calibri" panose="020F0502020204030204" pitchFamily="34" charset="0"/>
-                <a:cs typeface="Calibri" panose="020F0502020204030204" pitchFamily="34" charset="0"/>
-              </a:rPr>
-              <a:t> </a:t>
-            </a:r>
-            <a:r>
-              <a:rPr lang="en-US" altLang="ko-KR" sz="1600" dirty="0" smtClean="0">
-                <a:solidFill>
-                  <a:srgbClr val="FF0000"/>
-                </a:solidFill>
-                <a:latin typeface="Calibri" panose="020F0502020204030204" pitchFamily="34" charset="0"/>
-                <a:cs typeface="Calibri" panose="020F0502020204030204" pitchFamily="34" charset="0"/>
-              </a:rPr>
-              <a:t>    and learning rate = 0.0001</a:t>
-            </a:r>
-          </a:p>
-          <a:p>
-            <a:r>
-              <a:rPr lang="en-US" altLang="ko-KR" sz="1600" dirty="0" smtClean="0">
-                <a:solidFill>
-                  <a:srgbClr val="FF0000"/>
-                </a:solidFill>
-                <a:latin typeface="Calibri" panose="020F0502020204030204" pitchFamily="34" charset="0"/>
-                <a:cs typeface="Calibri" panose="020F0502020204030204" pitchFamily="34" charset="0"/>
-              </a:rPr>
-              <a:t>C. Train model with train dataset. </a:t>
-            </a:r>
-          </a:p>
-          <a:p>
-            <a:r>
-              <a:rPr lang="en-US" altLang="ko-KR" sz="1600" dirty="0">
-                <a:solidFill>
-                  <a:srgbClr val="FF0000"/>
-                </a:solidFill>
-                <a:latin typeface="Calibri" panose="020F0502020204030204" pitchFamily="34" charset="0"/>
-                <a:cs typeface="Calibri" panose="020F0502020204030204" pitchFamily="34" charset="0"/>
-              </a:rPr>
-              <a:t> </a:t>
-            </a:r>
-            <a:r>
-              <a:rPr lang="en-US" altLang="ko-KR" sz="1600" dirty="0" smtClean="0">
-                <a:solidFill>
-                  <a:srgbClr val="FF0000"/>
-                </a:solidFill>
-                <a:latin typeface="Calibri" panose="020F0502020204030204" pitchFamily="34" charset="0"/>
-                <a:cs typeface="Calibri" panose="020F0502020204030204" pitchFamily="34" charset="0"/>
-              </a:rPr>
-              <a:t>    Use batch size of 32 and epochs of 4</a:t>
-            </a:r>
-            <a:endParaRPr lang="ko-KR" altLang="en-US" sz="1600" dirty="0">
-              <a:solidFill>
-                <a:srgbClr val="FF0000"/>
-              </a:solidFill>
-              <a:latin typeface="Calibri" panose="020F0502020204030204" pitchFamily="34" charset="0"/>
-              <a:cs typeface="Calibri" panose="020F0502020204030204" pitchFamily="34" charset="0"/>
-            </a:endParaRPr>
-          </a:p>
-        </p:txBody>
-      </p:sp>
-    </p:spTree>
-    <p:extLst>
-      <p:ext uri="{BB962C8B-B14F-4D97-AF65-F5344CB8AC3E}">
-        <p14:creationId xmlns:p14="http://schemas.microsoft.com/office/powerpoint/2010/main" val="3088849991"/>
-      </p:ext>
-    </p:extLst>
-  </p:cSld>
-  <p:clrMapOvr>
-    <a:masterClrMapping/>
-  </p:clrMapOvr>
-  <p:timing>
-    <p:tnLst>
-      <p:par>
-        <p:cTn id="1" dur="indefinite" restart="never" nodeType="tmRoot"/>
-      </p:par>
-    </p:tnLst>
-  </p:timing>
-</p:sld>
-</file>
-
-<file path=ppt/slides/slide11.xml><?xml version="1.0" encoding="utf-8"?>
-<p:sld xmlns:a="http://schemas.openxmlformats.org/drawingml/2006/main" xmlns:r="http://schemas.openxmlformats.org/officeDocument/2006/relationships" xmlns:p="http://schemas.openxmlformats.org/presentationml/2006/main">
-  <p:cSld>
-    <p:spTree>
-      <p:nvGrpSpPr>
-        <p:cNvPr id="1" name=""/>
-        <p:cNvGrpSpPr/>
-        <p:nvPr/>
-      </p:nvGrpSpPr>
-      <p:grpSpPr>
-        <a:xfrm>
-          <a:off x="0" y="0"/>
-          <a:ext cx="0" cy="0"/>
-          <a:chOff x="0" y="0"/>
-          <a:chExt cx="0" cy="0"/>
-        </a:xfrm>
-      </p:grpSpPr>
-      <p:sp>
-        <p:nvSpPr>
-          <p:cNvPr id="15362" name="Rectangle 2"/>
-          <p:cNvSpPr>
-            <a:spLocks noGrp="1" noChangeArrowheads="1"/>
-          </p:cNvSpPr>
-          <p:nvPr>
-            <p:ph type="title" sz="quarter"/>
-          </p:nvPr>
-        </p:nvSpPr>
-        <p:spPr>
-          <a:xfrm>
-            <a:off x="0" y="0"/>
-            <a:ext cx="9144000" cy="971550"/>
-          </a:xfrm>
-        </p:spPr>
-        <p:txBody>
-          <a:bodyPr/>
-          <a:lstStyle/>
-          <a:p>
-            <a:pPr algn="ctr"/>
-            <a:r>
-              <a:rPr lang="en-US" altLang="ko-KR" sz="2800" b="1" dirty="0">
-                <a:latin typeface="Calibri" panose="020F0502020204030204" pitchFamily="34" charset="0"/>
-                <a:ea typeface="Verdana" pitchFamily="34" charset="0"/>
-                <a:cs typeface="Calibri" panose="020F0502020204030204" pitchFamily="34" charset="0"/>
-              </a:rPr>
-              <a:t>Problem Set #2</a:t>
-            </a:r>
-          </a:p>
-        </p:txBody>
-      </p:sp>
-      <p:sp>
-        <p:nvSpPr>
-          <p:cNvPr id="2" name="Slide Number Placeholder 1"/>
-          <p:cNvSpPr>
-            <a:spLocks noGrp="1"/>
-          </p:cNvSpPr>
-          <p:nvPr>
-            <p:ph type="sldNum" sz="quarter" idx="12"/>
-          </p:nvPr>
-        </p:nvSpPr>
-        <p:spPr>
-          <a:xfrm>
-            <a:off x="612775" y="6356350"/>
-            <a:ext cx="1981200" cy="366713"/>
-          </a:xfrm>
-        </p:spPr>
-        <p:txBody>
-          <a:bodyPr/>
-          <a:lstStyle/>
-          <a:p>
-            <a:pPr>
-              <a:defRPr/>
-            </a:pPr>
-            <a:fld id="{3850345A-1D96-42EE-B598-5ADBF25B71C7}" type="slidenum">
-              <a:rPr lang="en-US" altLang="ko-KR" smtClean="0"/>
-              <a:pPr>
-                <a:defRPr/>
-              </a:pPr>
-              <a:t>11</a:t>
-            </a:fld>
-            <a:endParaRPr lang="en-US" altLang="ko-KR" dirty="0"/>
-          </a:p>
-        </p:txBody>
-      </p:sp>
-      <p:sp>
-        <p:nvSpPr>
-          <p:cNvPr id="4" name="Content Placeholder 11"/>
-          <p:cNvSpPr>
-            <a:spLocks noGrp="1"/>
-          </p:cNvSpPr>
-          <p:nvPr>
-            <p:ph sz="quarter" idx="1"/>
-          </p:nvPr>
-        </p:nvSpPr>
-        <p:spPr>
-          <a:xfrm>
-            <a:off x="346169" y="1281924"/>
-            <a:ext cx="8249670" cy="5441139"/>
-          </a:xfrm>
-          <a:noFill/>
-          <a:ln>
-            <a:miter lim="800000"/>
-            <a:headEnd/>
-            <a:tailEnd/>
-          </a:ln>
-          <a:scene3d>
-            <a:camera prst="orthographicFront"/>
-            <a:lightRig rig="threePt" dir="t"/>
-          </a:scene3d>
-          <a:sp3d>
-            <a:bevelT w="114300" prst="hardEdge"/>
-          </a:sp3d>
-          <a:extLst/>
-        </p:spPr>
-        <p:txBody>
-          <a:bodyPr>
-            <a:normAutofit/>
-          </a:bodyPr>
-          <a:lstStyle>
-            <a:lvl1pPr marL="231775" indent="-231775" eaLnBrk="0" hangingPunct="0">
-              <a:defRPr sz="2400">
-                <a:solidFill>
-                  <a:schemeClr val="tx1"/>
-                </a:solidFill>
-                <a:latin typeface="Arial" pitchFamily="34" charset="0"/>
-                <a:ea typeface="ＭＳ Ｐゴシック" pitchFamily="34" charset="-128"/>
-              </a:defRPr>
-            </a:lvl1pPr>
-            <a:lvl2pPr marL="631825" indent="-231775" eaLnBrk="0" hangingPunct="0">
-              <a:defRPr sz="2400">
-                <a:solidFill>
-                  <a:schemeClr val="tx1"/>
-                </a:solidFill>
-                <a:latin typeface="Arial" pitchFamily="34" charset="0"/>
-                <a:ea typeface="ＭＳ Ｐゴシック" pitchFamily="34" charset="-128"/>
-              </a:defRPr>
-            </a:lvl2pPr>
-            <a:lvl3pPr marL="1143000" indent="-228600" eaLnBrk="0" hangingPunct="0">
-              <a:defRPr sz="2400">
-                <a:solidFill>
-                  <a:schemeClr val="tx1"/>
-                </a:solidFill>
-                <a:latin typeface="Arial" pitchFamily="34" charset="0"/>
-                <a:ea typeface="ＭＳ Ｐゴシック" pitchFamily="34" charset="-128"/>
-              </a:defRPr>
-            </a:lvl3pPr>
-            <a:lvl4pPr marL="1600200" indent="-228600" eaLnBrk="0" hangingPunct="0">
-              <a:defRPr sz="2400">
-                <a:solidFill>
-                  <a:schemeClr val="tx1"/>
-                </a:solidFill>
-                <a:latin typeface="Arial" pitchFamily="34" charset="0"/>
-                <a:ea typeface="ＭＳ Ｐゴシック" pitchFamily="34" charset="-128"/>
-              </a:defRPr>
-            </a:lvl4pPr>
-            <a:lvl5pPr marL="2057400" indent="-228600" eaLnBrk="0" hangingPunct="0">
-              <a:defRPr sz="2400">
-                <a:solidFill>
-                  <a:schemeClr val="tx1"/>
-                </a:solidFill>
-                <a:latin typeface="Arial" pitchFamily="34" charset="0"/>
-                <a:ea typeface="ＭＳ Ｐゴシック" pitchFamily="34" charset="-128"/>
-              </a:defRPr>
-            </a:lvl5pPr>
-            <a:lvl6pPr marL="2514600" indent="-228600" eaLnBrk="0" fontAlgn="base" hangingPunct="0">
-              <a:spcBef>
-                <a:spcPct val="0"/>
-              </a:spcBef>
-              <a:spcAft>
-                <a:spcPct val="0"/>
-              </a:spcAft>
-              <a:defRPr sz="2400">
-                <a:solidFill>
-                  <a:schemeClr val="tx1"/>
-                </a:solidFill>
-                <a:latin typeface="Arial" pitchFamily="34" charset="0"/>
-                <a:ea typeface="ＭＳ Ｐゴシック" pitchFamily="34" charset="-128"/>
-              </a:defRPr>
-            </a:lvl6pPr>
-            <a:lvl7pPr marL="2971800" indent="-228600" eaLnBrk="0" fontAlgn="base" hangingPunct="0">
-              <a:spcBef>
-                <a:spcPct val="0"/>
-              </a:spcBef>
-              <a:spcAft>
-                <a:spcPct val="0"/>
-              </a:spcAft>
-              <a:defRPr sz="2400">
-                <a:solidFill>
-                  <a:schemeClr val="tx1"/>
-                </a:solidFill>
-                <a:latin typeface="Arial" pitchFamily="34" charset="0"/>
-                <a:ea typeface="ＭＳ Ｐゴシック" pitchFamily="34" charset="-128"/>
-              </a:defRPr>
-            </a:lvl7pPr>
-            <a:lvl8pPr marL="3429000" indent="-228600" eaLnBrk="0" fontAlgn="base" hangingPunct="0">
-              <a:spcBef>
-                <a:spcPct val="0"/>
-              </a:spcBef>
-              <a:spcAft>
-                <a:spcPct val="0"/>
-              </a:spcAft>
-              <a:defRPr sz="2400">
-                <a:solidFill>
-                  <a:schemeClr val="tx1"/>
-                </a:solidFill>
-                <a:latin typeface="Arial" pitchFamily="34" charset="0"/>
-                <a:ea typeface="ＭＳ Ｐゴシック" pitchFamily="34" charset="-128"/>
-              </a:defRPr>
-            </a:lvl8pPr>
-            <a:lvl9pPr marL="3886200" indent="-228600" eaLnBrk="0" fontAlgn="base" hangingPunct="0">
-              <a:spcBef>
-                <a:spcPct val="0"/>
-              </a:spcBef>
-              <a:spcAft>
-                <a:spcPct val="0"/>
-              </a:spcAft>
-              <a:defRPr sz="2400">
-                <a:solidFill>
-                  <a:schemeClr val="tx1"/>
-                </a:solidFill>
-                <a:latin typeface="Arial" pitchFamily="34" charset="0"/>
-                <a:ea typeface="ＭＳ Ｐゴシック" pitchFamily="34" charset="-128"/>
-              </a:defRPr>
-            </a:lvl9pPr>
-          </a:lstStyle>
-          <a:p>
-            <a:pPr>
-              <a:lnSpc>
-                <a:spcPct val="90000"/>
-              </a:lnSpc>
-              <a:defRPr/>
-            </a:pPr>
-            <a:r>
-              <a:rPr lang="en-US" altLang="ko-KR" sz="2000" dirty="0" smtClean="0">
-                <a:latin typeface="Calibri" panose="020F0502020204030204" pitchFamily="34" charset="0"/>
-                <a:cs typeface="Calibri" panose="020F0502020204030204" pitchFamily="34" charset="0"/>
-              </a:rPr>
-              <a:t>If you got the picture below at the end </a:t>
-            </a:r>
-            <a:r>
-              <a:rPr lang="en-US" altLang="ko-KR" sz="2000" dirty="0">
-                <a:latin typeface="Calibri" panose="020F0502020204030204" pitchFamily="34" charset="0"/>
-                <a:cs typeface="Calibri" panose="020F0502020204030204" pitchFamily="34" charset="0"/>
-              </a:rPr>
-              <a:t>of “homework5_zeo.ipynb</a:t>
-            </a:r>
-            <a:r>
-              <a:rPr lang="en-US" altLang="ko-KR" sz="2000" dirty="0" smtClean="0">
-                <a:latin typeface="Calibri" panose="020F0502020204030204" pitchFamily="34" charset="0"/>
-                <a:cs typeface="Calibri" panose="020F0502020204030204" pitchFamily="34" charset="0"/>
-              </a:rPr>
-              <a:t>”,</a:t>
-            </a:r>
-            <a:endParaRPr lang="en-US" altLang="ko-KR" sz="2000" dirty="0">
-              <a:latin typeface="Calibri" panose="020F0502020204030204" pitchFamily="34" charset="0"/>
-              <a:cs typeface="Calibri" panose="020F0502020204030204" pitchFamily="34" charset="0"/>
-            </a:endParaRPr>
-          </a:p>
-          <a:p>
-            <a:pPr marL="0" indent="0">
-              <a:lnSpc>
-                <a:spcPct val="90000"/>
-              </a:lnSpc>
-              <a:buNone/>
-              <a:defRPr/>
-            </a:pPr>
-            <a:r>
-              <a:rPr lang="en-US" altLang="ko-KR" sz="2000" dirty="0" smtClean="0">
-                <a:latin typeface="Calibri" panose="020F0502020204030204" pitchFamily="34" charset="0"/>
-                <a:cs typeface="Calibri" panose="020F0502020204030204" pitchFamily="34" charset="0"/>
-              </a:rPr>
-              <a:t>    you succeeded for part (a) to (c)</a:t>
-            </a:r>
-          </a:p>
-          <a:p>
-            <a:pPr>
-              <a:lnSpc>
-                <a:spcPct val="90000"/>
-              </a:lnSpc>
-              <a:defRPr/>
-            </a:pPr>
-            <a:endParaRPr lang="en-US" altLang="ko-KR" sz="2000" dirty="0">
-              <a:latin typeface="Calibri" panose="020F0502020204030204" pitchFamily="34" charset="0"/>
-              <a:cs typeface="Calibri" panose="020F0502020204030204" pitchFamily="34" charset="0"/>
-            </a:endParaRPr>
-          </a:p>
-          <a:p>
-            <a:pPr>
-              <a:lnSpc>
-                <a:spcPct val="90000"/>
-              </a:lnSpc>
-              <a:defRPr/>
-            </a:pPr>
-            <a:endParaRPr lang="en-US" altLang="ko-KR" sz="2000" dirty="0" smtClean="0">
-              <a:latin typeface="Calibri" panose="020F0502020204030204" pitchFamily="34" charset="0"/>
-              <a:cs typeface="Calibri" panose="020F0502020204030204" pitchFamily="34" charset="0"/>
-            </a:endParaRPr>
-          </a:p>
-          <a:p>
-            <a:pPr>
-              <a:lnSpc>
-                <a:spcPct val="90000"/>
-              </a:lnSpc>
-              <a:defRPr/>
-            </a:pPr>
-            <a:endParaRPr lang="en-US" altLang="ko-KR" sz="2000" dirty="0">
-              <a:latin typeface="Calibri" panose="020F0502020204030204" pitchFamily="34" charset="0"/>
-              <a:cs typeface="Calibri" panose="020F0502020204030204" pitchFamily="34" charset="0"/>
-            </a:endParaRPr>
-          </a:p>
-          <a:p>
-            <a:pPr>
-              <a:lnSpc>
-                <a:spcPct val="90000"/>
-              </a:lnSpc>
-              <a:defRPr/>
-            </a:pPr>
-            <a:endParaRPr lang="en-US" altLang="ko-KR" sz="2000" dirty="0" smtClean="0">
-              <a:latin typeface="Calibri" panose="020F0502020204030204" pitchFamily="34" charset="0"/>
-              <a:cs typeface="Calibri" panose="020F0502020204030204" pitchFamily="34" charset="0"/>
-            </a:endParaRPr>
-          </a:p>
-          <a:p>
-            <a:pPr>
-              <a:lnSpc>
-                <a:spcPct val="90000"/>
-              </a:lnSpc>
-              <a:defRPr/>
-            </a:pPr>
-            <a:endParaRPr lang="en-US" altLang="ko-KR" sz="2000" dirty="0">
-              <a:latin typeface="Calibri" panose="020F0502020204030204" pitchFamily="34" charset="0"/>
-              <a:cs typeface="Calibri" panose="020F0502020204030204" pitchFamily="34" charset="0"/>
-            </a:endParaRPr>
-          </a:p>
-          <a:p>
-            <a:pPr>
-              <a:lnSpc>
-                <a:spcPct val="90000"/>
-              </a:lnSpc>
-              <a:defRPr/>
-            </a:pPr>
-            <a:endParaRPr lang="en-US" altLang="ko-KR" sz="2000" dirty="0" smtClean="0">
-              <a:latin typeface="Calibri" panose="020F0502020204030204" pitchFamily="34" charset="0"/>
-              <a:cs typeface="Calibri" panose="020F0502020204030204" pitchFamily="34" charset="0"/>
-            </a:endParaRPr>
-          </a:p>
-          <a:p>
-            <a:pPr>
-              <a:lnSpc>
-                <a:spcPct val="90000"/>
-              </a:lnSpc>
-              <a:defRPr/>
-            </a:pPr>
-            <a:endParaRPr lang="en-US" altLang="ko-KR" sz="2000" dirty="0">
-              <a:latin typeface="Calibri" panose="020F0502020204030204" pitchFamily="34" charset="0"/>
-              <a:cs typeface="Calibri" panose="020F0502020204030204" pitchFamily="34" charset="0"/>
-            </a:endParaRPr>
-          </a:p>
-          <a:p>
-            <a:pPr>
-              <a:lnSpc>
-                <a:spcPct val="90000"/>
-              </a:lnSpc>
-              <a:defRPr/>
-            </a:pPr>
-            <a:endParaRPr lang="en-US" altLang="ko-KR" sz="2000" dirty="0" smtClean="0">
-              <a:latin typeface="Calibri" panose="020F0502020204030204" pitchFamily="34" charset="0"/>
-              <a:cs typeface="Calibri" panose="020F0502020204030204" pitchFamily="34" charset="0"/>
-            </a:endParaRPr>
-          </a:p>
-          <a:p>
-            <a:pPr>
-              <a:lnSpc>
-                <a:spcPct val="90000"/>
-              </a:lnSpc>
-              <a:defRPr/>
-            </a:pPr>
-            <a:endParaRPr lang="en-US" altLang="ko-KR" sz="2000" dirty="0">
-              <a:latin typeface="Calibri" panose="020F0502020204030204" pitchFamily="34" charset="0"/>
-              <a:cs typeface="Calibri" panose="020F0502020204030204" pitchFamily="34" charset="0"/>
-            </a:endParaRPr>
-          </a:p>
-          <a:p>
-            <a:pPr marL="0" indent="0">
-              <a:lnSpc>
-                <a:spcPct val="90000"/>
-              </a:lnSpc>
-              <a:buNone/>
-              <a:defRPr/>
-            </a:pPr>
-            <a:r>
-              <a:rPr lang="en-US" altLang="ko-KR" sz="2000" dirty="0" smtClean="0">
-                <a:latin typeface="Calibri" panose="020F0502020204030204" pitchFamily="34" charset="0"/>
-                <a:cs typeface="Calibri" panose="020F0502020204030204" pitchFamily="34" charset="0"/>
-              </a:rPr>
-              <a:t/>
-            </a:r>
-            <a:br>
-              <a:rPr lang="en-US" altLang="ko-KR" sz="2000" dirty="0" smtClean="0">
-                <a:latin typeface="Calibri" panose="020F0502020204030204" pitchFamily="34" charset="0"/>
-                <a:cs typeface="Calibri" panose="020F0502020204030204" pitchFamily="34" charset="0"/>
-              </a:rPr>
-            </a:br>
-            <a:endParaRPr lang="en-US" altLang="ko-KR" sz="2000" dirty="0" smtClean="0">
-              <a:latin typeface="Calibri" panose="020F0502020204030204" pitchFamily="34" charset="0"/>
-              <a:cs typeface="Calibri" panose="020F0502020204030204" pitchFamily="34" charset="0"/>
-            </a:endParaRPr>
-          </a:p>
-        </p:txBody>
-      </p:sp>
-      <p:pic>
-        <p:nvPicPr>
-          <p:cNvPr id="5" name="그림 4"/>
-          <p:cNvPicPr>
-            <a:picLocks noChangeAspect="1"/>
-          </p:cNvPicPr>
-          <p:nvPr/>
-        </p:nvPicPr>
-        <p:blipFill>
-          <a:blip r:embed="rId3"/>
-          <a:stretch>
-            <a:fillRect/>
-          </a:stretch>
-        </p:blipFill>
-        <p:spPr>
-          <a:xfrm>
-            <a:off x="2122638" y="2198283"/>
-            <a:ext cx="4062031" cy="3769945"/>
-          </a:xfrm>
-          <a:prstGeom prst="rect">
-            <a:avLst/>
-          </a:prstGeom>
-        </p:spPr>
-      </p:pic>
-    </p:spTree>
-    <p:extLst>
-      <p:ext uri="{BB962C8B-B14F-4D97-AF65-F5344CB8AC3E}">
-        <p14:creationId xmlns:p14="http://schemas.microsoft.com/office/powerpoint/2010/main" val="2821279192"/>
-      </p:ext>
-    </p:extLst>
-  </p:cSld>
-  <p:clrMapOvr>
-    <a:masterClrMapping/>
-  </p:clrMapOvr>
-  <p:timing>
-    <p:tnLst>
-      <p:par>
-        <p:cTn id="1" dur="indefinite" restart="never" nodeType="tmRoot"/>
-      </p:par>
-    </p:tnLst>
-  </p:timing>
-</p:sld>
-</file>
-
-<file path=ppt/slides/slide12.xml><?xml version="1.0" encoding="utf-8"?>
-<p:sld xmlns:a="http://schemas.openxmlformats.org/drawingml/2006/main" xmlns:r="http://schemas.openxmlformats.org/officeDocument/2006/relationships" xmlns:p="http://schemas.openxmlformats.org/presentationml/2006/main">
-  <p:cSld>
-    <p:spTree>
-      <p:nvGrpSpPr>
-        <p:cNvPr id="1" name=""/>
-        <p:cNvGrpSpPr/>
-        <p:nvPr/>
-      </p:nvGrpSpPr>
-      <p:grpSpPr>
-        <a:xfrm>
-          <a:off x="0" y="0"/>
-          <a:ext cx="0" cy="0"/>
-          <a:chOff x="0" y="0"/>
-          <a:chExt cx="0" cy="0"/>
-        </a:xfrm>
-      </p:grpSpPr>
-      <p:sp>
-        <p:nvSpPr>
-          <p:cNvPr id="4" name="Content Placeholder 11"/>
-          <p:cNvSpPr>
-            <a:spLocks noGrp="1"/>
-          </p:cNvSpPr>
-          <p:nvPr>
-            <p:ph sz="quarter" idx="1"/>
-          </p:nvPr>
-        </p:nvSpPr>
-        <p:spPr>
-          <a:xfrm>
-            <a:off x="346169" y="1281924"/>
-            <a:ext cx="8733862" cy="5441139"/>
-          </a:xfrm>
-          <a:noFill/>
-          <a:ln>
-            <a:miter lim="800000"/>
-            <a:headEnd/>
-            <a:tailEnd/>
-          </a:ln>
-          <a:scene3d>
-            <a:camera prst="orthographicFront"/>
-            <a:lightRig rig="threePt" dir="t"/>
-          </a:scene3d>
-          <a:sp3d>
-            <a:bevelT w="114300" prst="hardEdge"/>
-          </a:sp3d>
-          <a:extLst/>
-        </p:spPr>
-        <p:txBody>
-          <a:bodyPr>
-            <a:normAutofit/>
-          </a:bodyPr>
-          <a:lstStyle>
-            <a:lvl1pPr marL="231775" indent="-231775" eaLnBrk="0" hangingPunct="0">
-              <a:defRPr sz="2400">
-                <a:solidFill>
-                  <a:schemeClr val="tx1"/>
-                </a:solidFill>
-                <a:latin typeface="Arial" pitchFamily="34" charset="0"/>
-                <a:ea typeface="ＭＳ Ｐゴシック" pitchFamily="34" charset="-128"/>
-              </a:defRPr>
-            </a:lvl1pPr>
-            <a:lvl2pPr marL="631825" indent="-231775" eaLnBrk="0" hangingPunct="0">
-              <a:defRPr sz="2400">
-                <a:solidFill>
-                  <a:schemeClr val="tx1"/>
-                </a:solidFill>
-                <a:latin typeface="Arial" pitchFamily="34" charset="0"/>
-                <a:ea typeface="ＭＳ Ｐゴシック" pitchFamily="34" charset="-128"/>
-              </a:defRPr>
-            </a:lvl2pPr>
-            <a:lvl3pPr marL="1143000" indent="-228600" eaLnBrk="0" hangingPunct="0">
-              <a:defRPr sz="2400">
-                <a:solidFill>
-                  <a:schemeClr val="tx1"/>
-                </a:solidFill>
-                <a:latin typeface="Arial" pitchFamily="34" charset="0"/>
-                <a:ea typeface="ＭＳ Ｐゴシック" pitchFamily="34" charset="-128"/>
-              </a:defRPr>
-            </a:lvl3pPr>
-            <a:lvl4pPr marL="1600200" indent="-228600" eaLnBrk="0" hangingPunct="0">
-              <a:defRPr sz="2400">
-                <a:solidFill>
-                  <a:schemeClr val="tx1"/>
-                </a:solidFill>
-                <a:latin typeface="Arial" pitchFamily="34" charset="0"/>
-                <a:ea typeface="ＭＳ Ｐゴシック" pitchFamily="34" charset="-128"/>
-              </a:defRPr>
-            </a:lvl4pPr>
-            <a:lvl5pPr marL="2057400" indent="-228600" eaLnBrk="0" hangingPunct="0">
-              <a:defRPr sz="2400">
-                <a:solidFill>
-                  <a:schemeClr val="tx1"/>
-                </a:solidFill>
-                <a:latin typeface="Arial" pitchFamily="34" charset="0"/>
-                <a:ea typeface="ＭＳ Ｐゴシック" pitchFamily="34" charset="-128"/>
-              </a:defRPr>
-            </a:lvl5pPr>
-            <a:lvl6pPr marL="2514600" indent="-228600" eaLnBrk="0" fontAlgn="base" hangingPunct="0">
-              <a:spcBef>
-                <a:spcPct val="0"/>
-              </a:spcBef>
-              <a:spcAft>
-                <a:spcPct val="0"/>
-              </a:spcAft>
-              <a:defRPr sz="2400">
-                <a:solidFill>
-                  <a:schemeClr val="tx1"/>
-                </a:solidFill>
-                <a:latin typeface="Arial" pitchFamily="34" charset="0"/>
-                <a:ea typeface="ＭＳ Ｐゴシック" pitchFamily="34" charset="-128"/>
-              </a:defRPr>
-            </a:lvl6pPr>
-            <a:lvl7pPr marL="2971800" indent="-228600" eaLnBrk="0" fontAlgn="base" hangingPunct="0">
-              <a:spcBef>
-                <a:spcPct val="0"/>
-              </a:spcBef>
-              <a:spcAft>
-                <a:spcPct val="0"/>
-              </a:spcAft>
-              <a:defRPr sz="2400">
-                <a:solidFill>
-                  <a:schemeClr val="tx1"/>
-                </a:solidFill>
-                <a:latin typeface="Arial" pitchFamily="34" charset="0"/>
-                <a:ea typeface="ＭＳ Ｐゴシック" pitchFamily="34" charset="-128"/>
-              </a:defRPr>
-            </a:lvl7pPr>
-            <a:lvl8pPr marL="3429000" indent="-228600" eaLnBrk="0" fontAlgn="base" hangingPunct="0">
-              <a:spcBef>
-                <a:spcPct val="0"/>
-              </a:spcBef>
-              <a:spcAft>
-                <a:spcPct val="0"/>
-              </a:spcAft>
-              <a:defRPr sz="2400">
-                <a:solidFill>
-                  <a:schemeClr val="tx1"/>
-                </a:solidFill>
-                <a:latin typeface="Arial" pitchFamily="34" charset="0"/>
-                <a:ea typeface="ＭＳ Ｐゴシック" pitchFamily="34" charset="-128"/>
-              </a:defRPr>
-            </a:lvl8pPr>
-            <a:lvl9pPr marL="3886200" indent="-228600" eaLnBrk="0" fontAlgn="base" hangingPunct="0">
-              <a:spcBef>
-                <a:spcPct val="0"/>
-              </a:spcBef>
-              <a:spcAft>
-                <a:spcPct val="0"/>
-              </a:spcAft>
-              <a:defRPr sz="2400">
-                <a:solidFill>
-                  <a:schemeClr val="tx1"/>
-                </a:solidFill>
-                <a:latin typeface="Arial" pitchFamily="34" charset="0"/>
-                <a:ea typeface="ＭＳ Ｐゴシック" pitchFamily="34" charset="-128"/>
-              </a:defRPr>
-            </a:lvl9pPr>
-          </a:lstStyle>
-          <a:p>
-            <a:pPr>
-              <a:lnSpc>
-                <a:spcPct val="90000"/>
-              </a:lnSpc>
-              <a:defRPr/>
-            </a:pPr>
-            <a:r>
-              <a:rPr lang="en-US" altLang="ko-KR" sz="2000" dirty="0" smtClean="0">
-                <a:latin typeface="Calibri" panose="020F0502020204030204" pitchFamily="34" charset="0"/>
-                <a:cs typeface="Calibri" panose="020F0502020204030204" pitchFamily="34" charset="0"/>
-              </a:rPr>
-              <a:t>Through Part(a) to (c), we predicted </a:t>
-            </a:r>
-            <a:r>
-              <a:rPr lang="en-US" altLang="ko-KR" sz="2000" dirty="0" smtClean="0">
-                <a:solidFill>
-                  <a:srgbClr val="FF0000"/>
-                </a:solidFill>
-                <a:latin typeface="Calibri" panose="020F0502020204030204" pitchFamily="34" charset="0"/>
-                <a:cs typeface="Calibri" panose="020F0502020204030204" pitchFamily="34" charset="0"/>
-              </a:rPr>
-              <a:t>WC</a:t>
-            </a:r>
-            <a:r>
-              <a:rPr lang="en-US" altLang="ko-KR" sz="2000" dirty="0" smtClean="0">
-                <a:latin typeface="Calibri" panose="020F0502020204030204" pitchFamily="34" charset="0"/>
-                <a:cs typeface="Calibri" panose="020F0502020204030204" pitchFamily="34" charset="0"/>
-              </a:rPr>
-              <a:t> of MOF with </a:t>
-            </a:r>
-            <a:r>
-              <a:rPr lang="en-US" altLang="ko-KR" sz="2000" dirty="0" err="1" smtClean="0">
-                <a:latin typeface="Calibri" panose="020F0502020204030204" pitchFamily="34" charset="0"/>
-                <a:cs typeface="Calibri" panose="020F0502020204030204" pitchFamily="34" charset="0"/>
-              </a:rPr>
-              <a:t>zeo</a:t>
-            </a:r>
-            <a:r>
-              <a:rPr lang="en-US" altLang="ko-KR" sz="2000" dirty="0" smtClean="0">
-                <a:latin typeface="Calibri" panose="020F0502020204030204" pitchFamily="34" charset="0"/>
-                <a:cs typeface="Calibri" panose="020F0502020204030204" pitchFamily="34" charset="0"/>
-              </a:rPr>
-              <a:t>++ data. </a:t>
-            </a:r>
-          </a:p>
-          <a:p>
-            <a:pPr>
-              <a:lnSpc>
-                <a:spcPct val="90000"/>
-              </a:lnSpc>
-              <a:defRPr/>
-            </a:pPr>
-            <a:r>
-              <a:rPr lang="en-US" altLang="ko-KR" sz="2000" dirty="0" smtClean="0">
-                <a:latin typeface="Calibri" panose="020F0502020204030204" pitchFamily="34" charset="0"/>
-                <a:cs typeface="Calibri" panose="020F0502020204030204" pitchFamily="34" charset="0"/>
-              </a:rPr>
-              <a:t>In Part(d), we will predict working capacity(CH4) of MOF with different representation method using “topology and constituents”</a:t>
-            </a:r>
-            <a:endParaRPr lang="en-US" altLang="ko-KR" sz="2000" dirty="0">
-              <a:latin typeface="Calibri" panose="020F0502020204030204" pitchFamily="34" charset="0"/>
-              <a:cs typeface="Calibri" panose="020F0502020204030204" pitchFamily="34" charset="0"/>
-            </a:endParaRPr>
-          </a:p>
-          <a:p>
-            <a:pPr>
-              <a:lnSpc>
-                <a:spcPct val="90000"/>
-              </a:lnSpc>
-              <a:defRPr/>
-            </a:pPr>
-            <a:r>
-              <a:rPr lang="en-US" altLang="ko-KR" sz="2000" dirty="0" smtClean="0">
-                <a:latin typeface="Calibri" panose="020F0502020204030204" pitchFamily="34" charset="0"/>
-                <a:cs typeface="Calibri" panose="020F0502020204030204" pitchFamily="34" charset="0"/>
-              </a:rPr>
-              <a:t>Download “MOF_wc_data.csv</a:t>
-            </a:r>
-            <a:r>
-              <a:rPr lang="en-US" altLang="ko-KR" sz="2000" dirty="0">
-                <a:latin typeface="Calibri" panose="020F0502020204030204" pitchFamily="34" charset="0"/>
-                <a:cs typeface="Calibri" panose="020F0502020204030204" pitchFamily="34" charset="0"/>
-              </a:rPr>
-              <a:t>” and “</a:t>
-            </a:r>
-            <a:r>
-              <a:rPr lang="en-US" altLang="ko-KR" sz="2000" dirty="0" smtClean="0">
-                <a:latin typeface="Calibri" panose="020F0502020204030204" pitchFamily="34" charset="0"/>
-                <a:cs typeface="Calibri" panose="020F0502020204030204" pitchFamily="34" charset="0"/>
-              </a:rPr>
-              <a:t>homework5_net.ipynb</a:t>
-            </a:r>
-            <a:r>
-              <a:rPr lang="en-US" altLang="ko-KR" sz="2000" dirty="0">
-                <a:latin typeface="Calibri" panose="020F0502020204030204" pitchFamily="34" charset="0"/>
-                <a:cs typeface="Calibri" panose="020F0502020204030204" pitchFamily="34" charset="0"/>
-              </a:rPr>
-              <a:t>” files uploaded at KLMS and put them in the same folder</a:t>
-            </a:r>
-            <a:r>
-              <a:rPr lang="en-US" altLang="ko-KR" sz="2000" dirty="0" smtClean="0">
-                <a:latin typeface="Calibri" panose="020F0502020204030204" pitchFamily="34" charset="0"/>
-                <a:cs typeface="Calibri" panose="020F0502020204030204" pitchFamily="34" charset="0"/>
-              </a:rPr>
-              <a:t>.</a:t>
-            </a:r>
-          </a:p>
-          <a:p>
-            <a:pPr>
-              <a:lnSpc>
-                <a:spcPct val="90000"/>
-              </a:lnSpc>
-              <a:defRPr/>
-            </a:pPr>
-            <a:r>
-              <a:rPr lang="en-US" altLang="ko-KR" sz="2000" dirty="0" smtClean="0">
-                <a:latin typeface="Calibri" panose="020F0502020204030204" pitchFamily="34" charset="0"/>
-                <a:cs typeface="Calibri" panose="020F0502020204030204" pitchFamily="34" charset="0"/>
-              </a:rPr>
-              <a:t>Execute till “Build and train Model” part</a:t>
-            </a:r>
-          </a:p>
-          <a:p>
-            <a:pPr>
-              <a:lnSpc>
-                <a:spcPct val="90000"/>
-              </a:lnSpc>
-              <a:defRPr/>
-            </a:pPr>
-            <a:r>
-              <a:rPr lang="en-US" altLang="ko-KR" sz="2000" dirty="0" smtClean="0">
-                <a:latin typeface="Calibri" panose="020F0502020204030204" pitchFamily="34" charset="0"/>
-                <a:cs typeface="Calibri" panose="020F0502020204030204" pitchFamily="34" charset="0"/>
-              </a:rPr>
-              <a:t>Part(d) </a:t>
-            </a:r>
-            <a:r>
-              <a:rPr lang="en-US" altLang="ko-KR" sz="2000" dirty="0">
-                <a:latin typeface="Calibri" panose="020F0502020204030204" pitchFamily="34" charset="0"/>
-                <a:cs typeface="Calibri" panose="020F0502020204030204" pitchFamily="34" charset="0"/>
-              </a:rPr>
-              <a:t>: Fill in the blanks of “Build </a:t>
-            </a:r>
-            <a:r>
-              <a:rPr lang="en-US" altLang="ko-KR" sz="2000" dirty="0" smtClean="0">
-                <a:latin typeface="Calibri" panose="020F0502020204030204" pitchFamily="34" charset="0"/>
-                <a:cs typeface="Calibri" panose="020F0502020204030204" pitchFamily="34" charset="0"/>
-              </a:rPr>
-              <a:t>and train Model” of “homework5_net.ipynb”</a:t>
-            </a:r>
-            <a:endParaRPr lang="en-US" altLang="ko-KR" sz="2000" dirty="0">
-              <a:latin typeface="Calibri" panose="020F0502020204030204" pitchFamily="34" charset="0"/>
-              <a:cs typeface="Calibri" panose="020F0502020204030204" pitchFamily="34" charset="0"/>
-            </a:endParaRPr>
-          </a:p>
-          <a:p>
-            <a:pPr lvl="1">
-              <a:lnSpc>
-                <a:spcPct val="90000"/>
-              </a:lnSpc>
-              <a:defRPr/>
-            </a:pPr>
-            <a:endParaRPr lang="en-US" altLang="ko-KR" sz="2000" dirty="0">
-              <a:latin typeface="Calibri" panose="020F0502020204030204" pitchFamily="34" charset="0"/>
-              <a:cs typeface="Calibri" panose="020F0502020204030204" pitchFamily="34" charset="0"/>
-            </a:endParaRPr>
-          </a:p>
-          <a:p>
-            <a:pPr marL="0" indent="0">
-              <a:lnSpc>
-                <a:spcPct val="90000"/>
-              </a:lnSpc>
-              <a:buNone/>
-              <a:defRPr/>
-            </a:pPr>
-            <a:r>
-              <a:rPr lang="en-US" altLang="ko-KR" sz="2000" dirty="0" smtClean="0">
-                <a:latin typeface="Calibri" panose="020F0502020204030204" pitchFamily="34" charset="0"/>
-                <a:cs typeface="Calibri" panose="020F0502020204030204" pitchFamily="34" charset="0"/>
-              </a:rPr>
-              <a:t/>
-            </a:r>
-            <a:br>
-              <a:rPr lang="en-US" altLang="ko-KR" sz="2000" dirty="0" smtClean="0">
-                <a:latin typeface="Calibri" panose="020F0502020204030204" pitchFamily="34" charset="0"/>
-                <a:cs typeface="Calibri" panose="020F0502020204030204" pitchFamily="34" charset="0"/>
-              </a:rPr>
-            </a:br>
-            <a:endParaRPr lang="en-US" altLang="ko-KR" sz="2000" dirty="0" smtClean="0">
-              <a:latin typeface="Calibri" panose="020F0502020204030204" pitchFamily="34" charset="0"/>
-              <a:cs typeface="Calibri" panose="020F0502020204030204" pitchFamily="34" charset="0"/>
-            </a:endParaRPr>
-          </a:p>
-        </p:txBody>
-      </p:sp>
-      <p:pic>
-        <p:nvPicPr>
-          <p:cNvPr id="5" name="그림 4"/>
-          <p:cNvPicPr>
-            <a:picLocks noChangeAspect="1"/>
-          </p:cNvPicPr>
-          <p:nvPr/>
-        </p:nvPicPr>
-        <p:blipFill>
-          <a:blip r:embed="rId3"/>
-          <a:stretch>
-            <a:fillRect/>
-          </a:stretch>
-        </p:blipFill>
-        <p:spPr>
-          <a:xfrm>
-            <a:off x="449291" y="3620918"/>
-            <a:ext cx="8205533" cy="2708776"/>
-          </a:xfrm>
-          <a:prstGeom prst="rect">
-            <a:avLst/>
-          </a:prstGeom>
-          <a:ln w="12700">
-            <a:solidFill>
-              <a:schemeClr val="accent1"/>
-            </a:solidFill>
-          </a:ln>
-        </p:spPr>
-      </p:pic>
-      <p:sp>
-        <p:nvSpPr>
-          <p:cNvPr id="15362" name="Rectangle 2"/>
-          <p:cNvSpPr>
-            <a:spLocks noGrp="1" noChangeArrowheads="1"/>
-          </p:cNvSpPr>
-          <p:nvPr>
-            <p:ph type="title" sz="quarter"/>
-          </p:nvPr>
-        </p:nvSpPr>
-        <p:spPr>
-          <a:xfrm>
-            <a:off x="0" y="0"/>
-            <a:ext cx="9144000" cy="971550"/>
-          </a:xfrm>
-        </p:spPr>
-        <p:txBody>
-          <a:bodyPr/>
-          <a:lstStyle/>
-          <a:p>
-            <a:pPr algn="ctr"/>
-            <a:r>
-              <a:rPr lang="en-US" altLang="ko-KR" sz="2800" b="1" dirty="0">
-                <a:latin typeface="Calibri" panose="020F0502020204030204" pitchFamily="34" charset="0"/>
-                <a:ea typeface="Verdana" pitchFamily="34" charset="0"/>
-                <a:cs typeface="Calibri" panose="020F0502020204030204" pitchFamily="34" charset="0"/>
-              </a:rPr>
-              <a:t>Problem Set #2</a:t>
-            </a:r>
-          </a:p>
-        </p:txBody>
-      </p:sp>
-      <p:sp>
-        <p:nvSpPr>
-          <p:cNvPr id="2" name="Slide Number Placeholder 1"/>
-          <p:cNvSpPr>
-            <a:spLocks noGrp="1"/>
-          </p:cNvSpPr>
-          <p:nvPr>
-            <p:ph type="sldNum" sz="quarter" idx="12"/>
-          </p:nvPr>
-        </p:nvSpPr>
-        <p:spPr>
-          <a:xfrm>
-            <a:off x="382071" y="6106968"/>
-            <a:ext cx="1981200" cy="366713"/>
-          </a:xfrm>
-        </p:spPr>
-        <p:txBody>
-          <a:bodyPr/>
-          <a:lstStyle/>
-          <a:p>
-            <a:pPr>
-              <a:defRPr/>
-            </a:pPr>
-            <a:fld id="{3850345A-1D96-42EE-B598-5ADBF25B71C7}" type="slidenum">
-              <a:rPr lang="en-US" altLang="ko-KR" smtClean="0"/>
-              <a:pPr>
-                <a:defRPr/>
-              </a:pPr>
-              <a:t>12</a:t>
-            </a:fld>
-            <a:endParaRPr lang="en-US" altLang="ko-KR" dirty="0"/>
-          </a:p>
-        </p:txBody>
-      </p:sp>
-      <p:sp>
-        <p:nvSpPr>
-          <p:cNvPr id="10" name="모서리가 둥근 직사각형 9"/>
-          <p:cNvSpPr/>
-          <p:nvPr/>
-        </p:nvSpPr>
-        <p:spPr>
-          <a:xfrm>
-            <a:off x="1662545" y="4753590"/>
-            <a:ext cx="2687064" cy="1471352"/>
-          </a:xfrm>
-          <a:prstGeom prst="roundRect">
-            <a:avLst>
-              <a:gd name="adj" fmla="val 3108"/>
-            </a:avLst>
-          </a:prstGeom>
-          <a:noFill/>
-          <a:ln w="25400">
-            <a:solidFill>
-              <a:srgbClr val="FF0000"/>
-            </a:solidFill>
-            <a:prstDash val="sysDot"/>
-          </a:ln>
-        </p:spPr>
-        <p:style>
-          <a:lnRef idx="2">
-            <a:schemeClr val="accent1">
-              <a:shade val="50000"/>
-            </a:schemeClr>
-          </a:lnRef>
-          <a:fillRef idx="1">
-            <a:schemeClr val="accent1"/>
-          </a:fillRef>
-          <a:effectRef idx="0">
-            <a:schemeClr val="accent1"/>
-          </a:effectRef>
-          <a:fontRef idx="minor">
-            <a:schemeClr val="lt1"/>
-          </a:fontRef>
-        </p:style>
-        <p:txBody>
-          <a:bodyPr rtlCol="0" anchor="ctr"/>
-          <a:lstStyle/>
-          <a:p>
-            <a:pPr algn="ctr"/>
-            <a:endParaRPr lang="ko-KR" altLang="en-US"/>
-          </a:p>
-        </p:txBody>
-      </p:sp>
-      <p:cxnSp>
-        <p:nvCxnSpPr>
-          <p:cNvPr id="11" name="직선 화살표 연결선 10"/>
-          <p:cNvCxnSpPr>
-            <a:stCxn id="10" idx="3"/>
-            <a:endCxn id="12" idx="1"/>
-          </p:cNvCxnSpPr>
-          <p:nvPr/>
-        </p:nvCxnSpPr>
-        <p:spPr>
-          <a:xfrm>
-            <a:off x="4349609" y="5489266"/>
-            <a:ext cx="607536" cy="4481"/>
-          </a:xfrm>
-          <a:prstGeom prst="straightConnector1">
-            <a:avLst/>
-          </a:prstGeom>
-          <a:ln w="25400">
-            <a:solidFill>
-              <a:srgbClr val="FF0000"/>
-            </a:solidFill>
-            <a:tailEnd type="triangle"/>
-          </a:ln>
-        </p:spPr>
-        <p:style>
-          <a:lnRef idx="1">
-            <a:schemeClr val="accent1"/>
-          </a:lnRef>
-          <a:fillRef idx="0">
-            <a:schemeClr val="accent1"/>
-          </a:fillRef>
-          <a:effectRef idx="0">
-            <a:schemeClr val="accent1"/>
-          </a:effectRef>
-          <a:fontRef idx="minor">
-            <a:schemeClr val="tx1"/>
-          </a:fontRef>
-        </p:style>
-      </p:cxnSp>
-      <p:sp>
-        <p:nvSpPr>
-          <p:cNvPr id="12" name="TextBox 11"/>
-          <p:cNvSpPr txBox="1"/>
-          <p:nvPr/>
-        </p:nvSpPr>
-        <p:spPr>
-          <a:xfrm>
-            <a:off x="4957145" y="4585806"/>
-            <a:ext cx="4158788" cy="1815882"/>
-          </a:xfrm>
-          <a:prstGeom prst="rect">
-            <a:avLst/>
-          </a:prstGeom>
-          <a:noFill/>
-        </p:spPr>
-        <p:txBody>
-          <a:bodyPr wrap="square" rtlCol="0">
-            <a:spAutoFit/>
-          </a:bodyPr>
-          <a:lstStyle/>
-          <a:p>
-            <a:r>
-              <a:rPr lang="en-US" altLang="ko-KR" sz="1600" dirty="0" smtClean="0">
-                <a:solidFill>
-                  <a:srgbClr val="FF0000"/>
-                </a:solidFill>
-                <a:latin typeface="Calibri" panose="020F0502020204030204" pitchFamily="34" charset="0"/>
-                <a:cs typeface="Calibri" panose="020F0502020204030204" pitchFamily="34" charset="0"/>
-              </a:rPr>
-              <a:t>Fill in.</a:t>
-            </a:r>
-          </a:p>
-          <a:p>
-            <a:r>
-              <a:rPr lang="en-US" altLang="ko-KR" sz="1600" dirty="0" smtClean="0">
-                <a:solidFill>
-                  <a:srgbClr val="FF0000"/>
-                </a:solidFill>
-                <a:latin typeface="Calibri" panose="020F0502020204030204" pitchFamily="34" charset="0"/>
-                <a:cs typeface="Calibri" panose="020F0502020204030204" pitchFamily="34" charset="0"/>
-              </a:rPr>
-              <a:t>A. Build 2 hidden layers (neuron 64, 32)</a:t>
-            </a:r>
-          </a:p>
-          <a:p>
-            <a:r>
-              <a:rPr lang="en-US" altLang="ko-KR" sz="1600" dirty="0" smtClean="0">
-                <a:solidFill>
-                  <a:srgbClr val="FF0000"/>
-                </a:solidFill>
-                <a:latin typeface="Calibri" panose="020F0502020204030204" pitchFamily="34" charset="0"/>
-                <a:cs typeface="Calibri" panose="020F0502020204030204" pitchFamily="34" charset="0"/>
-              </a:rPr>
-              <a:t>     and 1 output layer</a:t>
-            </a:r>
-          </a:p>
-          <a:p>
-            <a:r>
-              <a:rPr lang="en-US" altLang="ko-KR" sz="1600" dirty="0">
-                <a:solidFill>
-                  <a:srgbClr val="FF0000"/>
-                </a:solidFill>
-                <a:latin typeface="Calibri" panose="020F0502020204030204" pitchFamily="34" charset="0"/>
-                <a:cs typeface="Calibri" panose="020F0502020204030204" pitchFamily="34" charset="0"/>
-              </a:rPr>
-              <a:t> </a:t>
-            </a:r>
-            <a:r>
-              <a:rPr lang="en-US" altLang="ko-KR" sz="1600" dirty="0" smtClean="0">
-                <a:solidFill>
-                  <a:srgbClr val="FF0000"/>
-                </a:solidFill>
-                <a:latin typeface="Calibri" panose="020F0502020204030204" pitchFamily="34" charset="0"/>
-                <a:cs typeface="Calibri" panose="020F0502020204030204" pitchFamily="34" charset="0"/>
-              </a:rPr>
-              <a:t>    use </a:t>
-            </a:r>
-            <a:r>
-              <a:rPr lang="en-US" altLang="ko-KR" sz="1600" dirty="0">
-                <a:solidFill>
-                  <a:srgbClr val="FF0000"/>
-                </a:solidFill>
-                <a:latin typeface="Calibri" panose="020F0502020204030204" pitchFamily="34" charset="0"/>
-                <a:cs typeface="Calibri" panose="020F0502020204030204" pitchFamily="34" charset="0"/>
-              </a:rPr>
-              <a:t>the activation of </a:t>
-            </a:r>
-            <a:r>
-              <a:rPr lang="en-US" altLang="ko-KR" sz="1600" dirty="0" smtClean="0">
-                <a:solidFill>
-                  <a:srgbClr val="FF0000"/>
-                </a:solidFill>
-                <a:latin typeface="Calibri" panose="020F0502020204030204" pitchFamily="34" charset="0"/>
-                <a:cs typeface="Calibri" panose="020F0502020204030204" pitchFamily="34" charset="0"/>
-              </a:rPr>
-              <a:t>“</a:t>
-            </a:r>
-            <a:r>
-              <a:rPr lang="en-US" altLang="ko-KR" sz="1600" dirty="0" err="1" smtClean="0">
-                <a:solidFill>
-                  <a:srgbClr val="FF0000"/>
-                </a:solidFill>
-                <a:latin typeface="Calibri" panose="020F0502020204030204" pitchFamily="34" charset="0"/>
-                <a:cs typeface="Calibri" panose="020F0502020204030204" pitchFamily="34" charset="0"/>
-              </a:rPr>
-              <a:t>relu</a:t>
-            </a:r>
-            <a:r>
-              <a:rPr lang="en-US" altLang="ko-KR" sz="1600" dirty="0" smtClean="0">
-                <a:solidFill>
-                  <a:srgbClr val="FF0000"/>
-                </a:solidFill>
-                <a:latin typeface="Calibri" panose="020F0502020204030204" pitchFamily="34" charset="0"/>
-                <a:cs typeface="Calibri" panose="020F0502020204030204" pitchFamily="34" charset="0"/>
-              </a:rPr>
-              <a:t>” for all layers</a:t>
-            </a:r>
-          </a:p>
-          <a:p>
-            <a:r>
-              <a:rPr lang="en-US" altLang="ko-KR" sz="1600" dirty="0" smtClean="0">
-                <a:solidFill>
-                  <a:srgbClr val="FF0000"/>
-                </a:solidFill>
-                <a:latin typeface="Calibri" panose="020F0502020204030204" pitchFamily="34" charset="0"/>
-                <a:cs typeface="Calibri" panose="020F0502020204030204" pitchFamily="34" charset="0"/>
-              </a:rPr>
-              <a:t>B. Compile with optimizer= "</a:t>
-            </a:r>
-            <a:r>
-              <a:rPr lang="en-US" altLang="ko-KR" sz="1600" dirty="0" err="1" smtClean="0">
-                <a:solidFill>
-                  <a:srgbClr val="FF0000"/>
-                </a:solidFill>
-                <a:latin typeface="Calibri" panose="020F0502020204030204" pitchFamily="34" charset="0"/>
-                <a:cs typeface="Calibri" panose="020F0502020204030204" pitchFamily="34" charset="0"/>
-              </a:rPr>
-              <a:t>adam</a:t>
-            </a:r>
-            <a:r>
-              <a:rPr lang="en-US" altLang="ko-KR" sz="1600" dirty="0" smtClean="0">
-                <a:solidFill>
-                  <a:srgbClr val="FF0000"/>
-                </a:solidFill>
-                <a:latin typeface="Calibri" panose="020F0502020204030204" pitchFamily="34" charset="0"/>
-                <a:cs typeface="Calibri" panose="020F0502020204030204" pitchFamily="34" charset="0"/>
-              </a:rPr>
-              <a:t>”, loss = “</a:t>
-            </a:r>
-            <a:r>
-              <a:rPr lang="en-US" altLang="ko-KR" sz="1600" dirty="0" err="1" smtClean="0">
-                <a:solidFill>
-                  <a:srgbClr val="FF0000"/>
-                </a:solidFill>
-                <a:latin typeface="Calibri" panose="020F0502020204030204" pitchFamily="34" charset="0"/>
-                <a:cs typeface="Calibri" panose="020F0502020204030204" pitchFamily="34" charset="0"/>
-              </a:rPr>
-              <a:t>mse</a:t>
-            </a:r>
-            <a:r>
-              <a:rPr lang="en-US" altLang="ko-KR" sz="1600" dirty="0" smtClean="0">
-                <a:solidFill>
-                  <a:srgbClr val="FF0000"/>
-                </a:solidFill>
-                <a:latin typeface="Calibri" panose="020F0502020204030204" pitchFamily="34" charset="0"/>
-                <a:cs typeface="Calibri" panose="020F0502020204030204" pitchFamily="34" charset="0"/>
-              </a:rPr>
-              <a:t>”</a:t>
-            </a:r>
-          </a:p>
-          <a:p>
-            <a:r>
-              <a:rPr lang="en-US" altLang="ko-KR" sz="1600" dirty="0" smtClean="0">
-                <a:solidFill>
-                  <a:srgbClr val="FF0000"/>
-                </a:solidFill>
-                <a:latin typeface="Calibri" panose="020F0502020204030204" pitchFamily="34" charset="0"/>
-                <a:cs typeface="Calibri" panose="020F0502020204030204" pitchFamily="34" charset="0"/>
-              </a:rPr>
-              <a:t>C. Train model with train dataset. </a:t>
-            </a:r>
-          </a:p>
-          <a:p>
-            <a:r>
-              <a:rPr lang="en-US" altLang="ko-KR" sz="1600" dirty="0">
-                <a:solidFill>
-                  <a:srgbClr val="FF0000"/>
-                </a:solidFill>
-                <a:latin typeface="Calibri" panose="020F0502020204030204" pitchFamily="34" charset="0"/>
-                <a:cs typeface="Calibri" panose="020F0502020204030204" pitchFamily="34" charset="0"/>
-              </a:rPr>
-              <a:t> </a:t>
-            </a:r>
-            <a:r>
-              <a:rPr lang="en-US" altLang="ko-KR" sz="1600" dirty="0" smtClean="0">
-                <a:solidFill>
-                  <a:srgbClr val="FF0000"/>
-                </a:solidFill>
-                <a:latin typeface="Calibri" panose="020F0502020204030204" pitchFamily="34" charset="0"/>
-                <a:cs typeface="Calibri" panose="020F0502020204030204" pitchFamily="34" charset="0"/>
-              </a:rPr>
-              <a:t>    Use batch size of 32 and epochs of 4</a:t>
-            </a:r>
-            <a:endParaRPr lang="ko-KR" altLang="en-US" sz="1600" dirty="0">
-              <a:solidFill>
-                <a:srgbClr val="FF0000"/>
-              </a:solidFill>
-              <a:latin typeface="Calibri" panose="020F0502020204030204" pitchFamily="34" charset="0"/>
-              <a:cs typeface="Calibri" panose="020F0502020204030204" pitchFamily="34" charset="0"/>
-            </a:endParaRPr>
-          </a:p>
-        </p:txBody>
-      </p:sp>
-    </p:spTree>
-    <p:extLst>
-      <p:ext uri="{BB962C8B-B14F-4D97-AF65-F5344CB8AC3E}">
-        <p14:creationId xmlns:p14="http://schemas.microsoft.com/office/powerpoint/2010/main" val="739794400"/>
-      </p:ext>
-    </p:extLst>
-  </p:cSld>
-  <p:clrMapOvr>
-    <a:masterClrMapping/>
-  </p:clrMapOvr>
-  <p:timing>
-    <p:tnLst>
-      <p:par>
-        <p:cTn id="1" dur="indefinite" restart="never" nodeType="tmRoot"/>
-      </p:par>
-    </p:tnLst>
-  </p:timing>
-</p:sld>
-</file>
-
-<file path=ppt/slides/slide13.xml><?xml version="1.0" encoding="utf-8"?>
-<p:sld xmlns:a="http://schemas.openxmlformats.org/drawingml/2006/main" xmlns:r="http://schemas.openxmlformats.org/officeDocument/2006/relationships" xmlns:p="http://schemas.openxmlformats.org/presentationml/2006/main">
-  <p:cSld>
-    <p:spTree>
-      <p:nvGrpSpPr>
-        <p:cNvPr id="1" name=""/>
-        <p:cNvGrpSpPr/>
-        <p:nvPr/>
-      </p:nvGrpSpPr>
-      <p:grpSpPr>
-        <a:xfrm>
-          <a:off x="0" y="0"/>
-          <a:ext cx="0" cy="0"/>
-          <a:chOff x="0" y="0"/>
-          <a:chExt cx="0" cy="0"/>
-        </a:xfrm>
-      </p:grpSpPr>
-      <p:sp>
-        <p:nvSpPr>
-          <p:cNvPr id="15362" name="Rectangle 2"/>
-          <p:cNvSpPr>
-            <a:spLocks noGrp="1" noChangeArrowheads="1"/>
-          </p:cNvSpPr>
-          <p:nvPr>
-            <p:ph type="title" sz="quarter"/>
-          </p:nvPr>
-        </p:nvSpPr>
-        <p:spPr>
-          <a:xfrm>
-            <a:off x="0" y="0"/>
-            <a:ext cx="9144000" cy="971550"/>
-          </a:xfrm>
-        </p:spPr>
-        <p:txBody>
-          <a:bodyPr/>
-          <a:lstStyle/>
-          <a:p>
-            <a:pPr algn="ctr"/>
-            <a:r>
-              <a:rPr lang="en-US" altLang="ko-KR" sz="2800" b="1" dirty="0">
-                <a:latin typeface="Calibri" panose="020F0502020204030204" pitchFamily="34" charset="0"/>
-                <a:ea typeface="Verdana" pitchFamily="34" charset="0"/>
-                <a:cs typeface="Calibri" panose="020F0502020204030204" pitchFamily="34" charset="0"/>
-              </a:rPr>
-              <a:t>Problem Set #2</a:t>
-            </a:r>
-          </a:p>
-        </p:txBody>
-      </p:sp>
-      <p:sp>
-        <p:nvSpPr>
-          <p:cNvPr id="2" name="Slide Number Placeholder 1"/>
-          <p:cNvSpPr>
-            <a:spLocks noGrp="1"/>
-          </p:cNvSpPr>
-          <p:nvPr>
-            <p:ph type="sldNum" sz="quarter" idx="12"/>
-          </p:nvPr>
-        </p:nvSpPr>
-        <p:spPr>
-          <a:xfrm>
-            <a:off x="612775" y="6356350"/>
-            <a:ext cx="1981200" cy="366713"/>
-          </a:xfrm>
-        </p:spPr>
-        <p:txBody>
-          <a:bodyPr/>
-          <a:lstStyle/>
-          <a:p>
-            <a:pPr>
-              <a:defRPr/>
-            </a:pPr>
-            <a:fld id="{3850345A-1D96-42EE-B598-5ADBF25B71C7}" type="slidenum">
-              <a:rPr lang="en-US" altLang="ko-KR" smtClean="0"/>
-              <a:pPr>
-                <a:defRPr/>
-              </a:pPr>
-              <a:t>13</a:t>
-            </a:fld>
-            <a:endParaRPr lang="en-US" altLang="ko-KR" dirty="0"/>
-          </a:p>
-        </p:txBody>
-      </p:sp>
-      <p:sp>
-        <p:nvSpPr>
-          <p:cNvPr id="4" name="Content Placeholder 11"/>
-          <p:cNvSpPr>
-            <a:spLocks noGrp="1"/>
-          </p:cNvSpPr>
-          <p:nvPr>
-            <p:ph sz="quarter" idx="1"/>
-          </p:nvPr>
-        </p:nvSpPr>
-        <p:spPr>
-          <a:xfrm>
-            <a:off x="346169" y="1281924"/>
-            <a:ext cx="8249670" cy="5441139"/>
-          </a:xfrm>
-          <a:noFill/>
-          <a:ln>
-            <a:miter lim="800000"/>
-            <a:headEnd/>
-            <a:tailEnd/>
-          </a:ln>
-          <a:scene3d>
-            <a:camera prst="orthographicFront"/>
-            <a:lightRig rig="threePt" dir="t"/>
-          </a:scene3d>
-          <a:sp3d>
-            <a:bevelT w="114300" prst="hardEdge"/>
-          </a:sp3d>
-          <a:extLst/>
-        </p:spPr>
-        <p:txBody>
-          <a:bodyPr>
-            <a:normAutofit/>
-          </a:bodyPr>
-          <a:lstStyle>
-            <a:lvl1pPr marL="231775" indent="-231775" eaLnBrk="0" hangingPunct="0">
-              <a:defRPr sz="2400">
-                <a:solidFill>
-                  <a:schemeClr val="tx1"/>
-                </a:solidFill>
-                <a:latin typeface="Arial" pitchFamily="34" charset="0"/>
-                <a:ea typeface="ＭＳ Ｐゴシック" pitchFamily="34" charset="-128"/>
-              </a:defRPr>
-            </a:lvl1pPr>
-            <a:lvl2pPr marL="631825" indent="-231775" eaLnBrk="0" hangingPunct="0">
-              <a:defRPr sz="2400">
-                <a:solidFill>
-                  <a:schemeClr val="tx1"/>
-                </a:solidFill>
-                <a:latin typeface="Arial" pitchFamily="34" charset="0"/>
-                <a:ea typeface="ＭＳ Ｐゴシック" pitchFamily="34" charset="-128"/>
-              </a:defRPr>
-            </a:lvl2pPr>
-            <a:lvl3pPr marL="1143000" indent="-228600" eaLnBrk="0" hangingPunct="0">
-              <a:defRPr sz="2400">
-                <a:solidFill>
-                  <a:schemeClr val="tx1"/>
-                </a:solidFill>
-                <a:latin typeface="Arial" pitchFamily="34" charset="0"/>
-                <a:ea typeface="ＭＳ Ｐゴシック" pitchFamily="34" charset="-128"/>
-              </a:defRPr>
-            </a:lvl3pPr>
-            <a:lvl4pPr marL="1600200" indent="-228600" eaLnBrk="0" hangingPunct="0">
-              <a:defRPr sz="2400">
-                <a:solidFill>
-                  <a:schemeClr val="tx1"/>
-                </a:solidFill>
-                <a:latin typeface="Arial" pitchFamily="34" charset="0"/>
-                <a:ea typeface="ＭＳ Ｐゴシック" pitchFamily="34" charset="-128"/>
-              </a:defRPr>
-            </a:lvl4pPr>
-            <a:lvl5pPr marL="2057400" indent="-228600" eaLnBrk="0" hangingPunct="0">
-              <a:defRPr sz="2400">
-                <a:solidFill>
-                  <a:schemeClr val="tx1"/>
-                </a:solidFill>
-                <a:latin typeface="Arial" pitchFamily="34" charset="0"/>
-                <a:ea typeface="ＭＳ Ｐゴシック" pitchFamily="34" charset="-128"/>
-              </a:defRPr>
-            </a:lvl5pPr>
-            <a:lvl6pPr marL="2514600" indent="-228600" eaLnBrk="0" fontAlgn="base" hangingPunct="0">
-              <a:spcBef>
-                <a:spcPct val="0"/>
-              </a:spcBef>
-              <a:spcAft>
-                <a:spcPct val="0"/>
-              </a:spcAft>
-              <a:defRPr sz="2400">
-                <a:solidFill>
-                  <a:schemeClr val="tx1"/>
-                </a:solidFill>
-                <a:latin typeface="Arial" pitchFamily="34" charset="0"/>
-                <a:ea typeface="ＭＳ Ｐゴシック" pitchFamily="34" charset="-128"/>
-              </a:defRPr>
-            </a:lvl6pPr>
-            <a:lvl7pPr marL="2971800" indent="-228600" eaLnBrk="0" fontAlgn="base" hangingPunct="0">
-              <a:spcBef>
-                <a:spcPct val="0"/>
-              </a:spcBef>
-              <a:spcAft>
-                <a:spcPct val="0"/>
-              </a:spcAft>
-              <a:defRPr sz="2400">
-                <a:solidFill>
-                  <a:schemeClr val="tx1"/>
-                </a:solidFill>
-                <a:latin typeface="Arial" pitchFamily="34" charset="0"/>
-                <a:ea typeface="ＭＳ Ｐゴシック" pitchFamily="34" charset="-128"/>
-              </a:defRPr>
-            </a:lvl7pPr>
-            <a:lvl8pPr marL="3429000" indent="-228600" eaLnBrk="0" fontAlgn="base" hangingPunct="0">
-              <a:spcBef>
-                <a:spcPct val="0"/>
-              </a:spcBef>
-              <a:spcAft>
-                <a:spcPct val="0"/>
-              </a:spcAft>
-              <a:defRPr sz="2400">
-                <a:solidFill>
-                  <a:schemeClr val="tx1"/>
-                </a:solidFill>
-                <a:latin typeface="Arial" pitchFamily="34" charset="0"/>
-                <a:ea typeface="ＭＳ Ｐゴシック" pitchFamily="34" charset="-128"/>
-              </a:defRPr>
-            </a:lvl8pPr>
-            <a:lvl9pPr marL="3886200" indent="-228600" eaLnBrk="0" fontAlgn="base" hangingPunct="0">
-              <a:spcBef>
-                <a:spcPct val="0"/>
-              </a:spcBef>
-              <a:spcAft>
-                <a:spcPct val="0"/>
-              </a:spcAft>
-              <a:defRPr sz="2400">
-                <a:solidFill>
-                  <a:schemeClr val="tx1"/>
-                </a:solidFill>
-                <a:latin typeface="Arial" pitchFamily="34" charset="0"/>
-                <a:ea typeface="ＭＳ Ｐゴシック" pitchFamily="34" charset="-128"/>
-              </a:defRPr>
-            </a:lvl9pPr>
-          </a:lstStyle>
-          <a:p>
-            <a:pPr>
-              <a:lnSpc>
-                <a:spcPct val="90000"/>
-              </a:lnSpc>
-              <a:defRPr/>
-            </a:pPr>
-            <a:r>
-              <a:rPr lang="en-US" altLang="ko-KR" sz="2000" dirty="0" smtClean="0">
-                <a:latin typeface="Calibri" panose="020F0502020204030204" pitchFamily="34" charset="0"/>
-                <a:cs typeface="Calibri" panose="020F0502020204030204" pitchFamily="34" charset="0"/>
-              </a:rPr>
-              <a:t>If you got the picture below at the end </a:t>
-            </a:r>
-            <a:r>
-              <a:rPr lang="en-US" altLang="ko-KR" sz="2000" dirty="0">
-                <a:latin typeface="Calibri" panose="020F0502020204030204" pitchFamily="34" charset="0"/>
-                <a:cs typeface="Calibri" panose="020F0502020204030204" pitchFamily="34" charset="0"/>
-              </a:rPr>
-              <a:t>of “</a:t>
-            </a:r>
-            <a:r>
-              <a:rPr lang="en-US" altLang="ko-KR" sz="2000" dirty="0" smtClean="0">
-                <a:latin typeface="Calibri" panose="020F0502020204030204" pitchFamily="34" charset="0"/>
-                <a:cs typeface="Calibri" panose="020F0502020204030204" pitchFamily="34" charset="0"/>
-              </a:rPr>
-              <a:t>homework5_net.ipynb”,</a:t>
-            </a:r>
-            <a:endParaRPr lang="en-US" altLang="ko-KR" sz="2000" dirty="0">
-              <a:latin typeface="Calibri" panose="020F0502020204030204" pitchFamily="34" charset="0"/>
-              <a:cs typeface="Calibri" panose="020F0502020204030204" pitchFamily="34" charset="0"/>
-            </a:endParaRPr>
-          </a:p>
-          <a:p>
-            <a:pPr marL="0" indent="0">
-              <a:lnSpc>
-                <a:spcPct val="90000"/>
-              </a:lnSpc>
-              <a:buNone/>
-              <a:defRPr/>
-            </a:pPr>
-            <a:r>
-              <a:rPr lang="en-US" altLang="ko-KR" sz="2000" dirty="0" smtClean="0">
-                <a:latin typeface="Calibri" panose="020F0502020204030204" pitchFamily="34" charset="0"/>
-                <a:cs typeface="Calibri" panose="020F0502020204030204" pitchFamily="34" charset="0"/>
-              </a:rPr>
-              <a:t>    you succeeded for part (d)</a:t>
-            </a:r>
-          </a:p>
-          <a:p>
-            <a:pPr>
-              <a:lnSpc>
-                <a:spcPct val="90000"/>
-              </a:lnSpc>
-              <a:defRPr/>
-            </a:pPr>
-            <a:endParaRPr lang="en-US" altLang="ko-KR" sz="2000" dirty="0" smtClean="0">
-              <a:latin typeface="Calibri" panose="020F0502020204030204" pitchFamily="34" charset="0"/>
-              <a:cs typeface="Calibri" panose="020F0502020204030204" pitchFamily="34" charset="0"/>
-            </a:endParaRPr>
-          </a:p>
-          <a:p>
-            <a:pPr>
-              <a:lnSpc>
-                <a:spcPct val="90000"/>
-              </a:lnSpc>
-              <a:defRPr/>
-            </a:pPr>
-            <a:endParaRPr lang="en-US" altLang="ko-KR" sz="2000" dirty="0">
-              <a:latin typeface="Calibri" panose="020F0502020204030204" pitchFamily="34" charset="0"/>
-              <a:cs typeface="Calibri" panose="020F0502020204030204" pitchFamily="34" charset="0"/>
-            </a:endParaRPr>
-          </a:p>
-          <a:p>
-            <a:pPr>
-              <a:lnSpc>
-                <a:spcPct val="90000"/>
-              </a:lnSpc>
-              <a:defRPr/>
-            </a:pPr>
-            <a:endParaRPr lang="en-US" altLang="ko-KR" sz="2000" dirty="0" smtClean="0">
-              <a:latin typeface="Calibri" panose="020F0502020204030204" pitchFamily="34" charset="0"/>
-              <a:cs typeface="Calibri" panose="020F0502020204030204" pitchFamily="34" charset="0"/>
-            </a:endParaRPr>
-          </a:p>
-          <a:p>
-            <a:pPr>
-              <a:lnSpc>
-                <a:spcPct val="90000"/>
-              </a:lnSpc>
-              <a:defRPr/>
-            </a:pPr>
-            <a:endParaRPr lang="en-US" altLang="ko-KR" sz="2000" dirty="0">
-              <a:latin typeface="Calibri" panose="020F0502020204030204" pitchFamily="34" charset="0"/>
-              <a:cs typeface="Calibri" panose="020F0502020204030204" pitchFamily="34" charset="0"/>
-            </a:endParaRPr>
-          </a:p>
-          <a:p>
-            <a:pPr>
-              <a:lnSpc>
-                <a:spcPct val="90000"/>
-              </a:lnSpc>
-              <a:defRPr/>
-            </a:pPr>
-            <a:endParaRPr lang="en-US" altLang="ko-KR" sz="2000" dirty="0" smtClean="0">
-              <a:latin typeface="Calibri" panose="020F0502020204030204" pitchFamily="34" charset="0"/>
-              <a:cs typeface="Calibri" panose="020F0502020204030204" pitchFamily="34" charset="0"/>
-            </a:endParaRPr>
-          </a:p>
-          <a:p>
-            <a:pPr>
-              <a:lnSpc>
-                <a:spcPct val="90000"/>
-              </a:lnSpc>
-              <a:defRPr/>
-            </a:pPr>
-            <a:endParaRPr lang="en-US" altLang="ko-KR" sz="2000" dirty="0">
-              <a:latin typeface="Calibri" panose="020F0502020204030204" pitchFamily="34" charset="0"/>
-              <a:cs typeface="Calibri" panose="020F0502020204030204" pitchFamily="34" charset="0"/>
-            </a:endParaRPr>
-          </a:p>
-          <a:p>
-            <a:pPr>
-              <a:lnSpc>
-                <a:spcPct val="90000"/>
-              </a:lnSpc>
-              <a:defRPr/>
-            </a:pPr>
-            <a:endParaRPr lang="en-US" altLang="ko-KR" sz="2000" dirty="0" smtClean="0">
-              <a:latin typeface="Calibri" panose="020F0502020204030204" pitchFamily="34" charset="0"/>
-              <a:cs typeface="Calibri" panose="020F0502020204030204" pitchFamily="34" charset="0"/>
-            </a:endParaRPr>
-          </a:p>
-          <a:p>
-            <a:pPr>
-              <a:lnSpc>
-                <a:spcPct val="90000"/>
-              </a:lnSpc>
-              <a:defRPr/>
-            </a:pPr>
-            <a:endParaRPr lang="en-US" altLang="ko-KR" sz="2000" dirty="0">
-              <a:latin typeface="Calibri" panose="020F0502020204030204" pitchFamily="34" charset="0"/>
-              <a:cs typeface="Calibri" panose="020F0502020204030204" pitchFamily="34" charset="0"/>
-            </a:endParaRPr>
-          </a:p>
-          <a:p>
-            <a:pPr>
-              <a:lnSpc>
-                <a:spcPct val="90000"/>
-              </a:lnSpc>
-              <a:defRPr/>
-            </a:pPr>
-            <a:endParaRPr lang="en-US" altLang="ko-KR" sz="2000" dirty="0" smtClean="0">
-              <a:latin typeface="Calibri" panose="020F0502020204030204" pitchFamily="34" charset="0"/>
-              <a:cs typeface="Calibri" panose="020F0502020204030204" pitchFamily="34" charset="0"/>
-            </a:endParaRPr>
-          </a:p>
-          <a:p>
-            <a:pPr>
-              <a:lnSpc>
-                <a:spcPct val="90000"/>
-              </a:lnSpc>
-              <a:defRPr/>
-            </a:pPr>
-            <a:endParaRPr lang="en-US" altLang="ko-KR" sz="2000" dirty="0">
-              <a:latin typeface="Calibri" panose="020F0502020204030204" pitchFamily="34" charset="0"/>
-              <a:cs typeface="Calibri" panose="020F0502020204030204" pitchFamily="34" charset="0"/>
-            </a:endParaRPr>
-          </a:p>
-          <a:p>
-            <a:pPr>
-              <a:lnSpc>
-                <a:spcPct val="90000"/>
-              </a:lnSpc>
-              <a:defRPr/>
-            </a:pPr>
-            <a:r>
-              <a:rPr lang="en-US" altLang="ko-KR" sz="1800" dirty="0" smtClean="0">
-                <a:latin typeface="Calibri" panose="020F0502020204030204" pitchFamily="34" charset="0"/>
-                <a:cs typeface="Calibri" panose="020F0502020204030204" pitchFamily="34" charset="0"/>
-              </a:rPr>
-              <a:t>make “homework5_zeo.ipynb” and “homework5_net.ipynb” into one “zip” file</a:t>
-            </a:r>
-          </a:p>
-          <a:p>
-            <a:pPr>
-              <a:lnSpc>
-                <a:spcPct val="90000"/>
-              </a:lnSpc>
-              <a:defRPr/>
-            </a:pPr>
-            <a:r>
-              <a:rPr lang="en-US" altLang="ko-KR" sz="1800" dirty="0" smtClean="0">
-                <a:latin typeface="Calibri" panose="020F0502020204030204" pitchFamily="34" charset="0"/>
-                <a:cs typeface="Calibri" panose="020F0502020204030204" pitchFamily="34" charset="0"/>
-              </a:rPr>
-              <a:t>Zip file should be named as “hw5_studentID.zip” and hand in through KLMS.</a:t>
-            </a:r>
-          </a:p>
-          <a:p>
-            <a:pPr>
-              <a:lnSpc>
-                <a:spcPct val="90000"/>
-              </a:lnSpc>
-              <a:defRPr/>
-            </a:pPr>
-            <a:endParaRPr lang="en-US" altLang="ko-KR" sz="2000" dirty="0">
-              <a:latin typeface="Calibri" panose="020F0502020204030204" pitchFamily="34" charset="0"/>
-              <a:cs typeface="Calibri" panose="020F0502020204030204" pitchFamily="34" charset="0"/>
-            </a:endParaRPr>
-          </a:p>
-        </p:txBody>
-      </p:sp>
-      <p:pic>
-        <p:nvPicPr>
-          <p:cNvPr id="3" name="그림 2"/>
-          <p:cNvPicPr>
-            <a:picLocks noChangeAspect="1"/>
-          </p:cNvPicPr>
-          <p:nvPr/>
-        </p:nvPicPr>
-        <p:blipFill>
-          <a:blip r:embed="rId3"/>
-          <a:stretch>
-            <a:fillRect/>
-          </a:stretch>
-        </p:blipFill>
-        <p:spPr>
-          <a:xfrm>
-            <a:off x="2297941" y="2111838"/>
-            <a:ext cx="3756058" cy="3414598"/>
-          </a:xfrm>
-          <a:prstGeom prst="rect">
-            <a:avLst/>
-          </a:prstGeom>
-        </p:spPr>
-      </p:pic>
-    </p:spTree>
-    <p:extLst>
-      <p:ext uri="{BB962C8B-B14F-4D97-AF65-F5344CB8AC3E}">
-        <p14:creationId xmlns:p14="http://schemas.microsoft.com/office/powerpoint/2010/main" val="3842888729"/>
-      </p:ext>
-    </p:extLst>
-  </p:cSld>
-  <p:clrMapOvr>
-    <a:masterClrMapping/>
-  </p:clrMapOvr>
-  <p:timing>
-    <p:tnLst>
-      <p:par>
-        <p:cTn id="1" dur="indefinite" restart="never" nodeType="tmRoot"/>
-      </p:par>
-    </p:tnLst>
-  </p:timing>
-</p:sld>
-</file>
-
 <file path=ppt/slides/slide2.xml><?xml version="1.0" encoding="utf-8"?>
 <p:sld xmlns:a="http://schemas.openxmlformats.org/drawingml/2006/main" xmlns:r="http://schemas.openxmlformats.org/officeDocument/2006/relationships" xmlns:p="http://schemas.openxmlformats.org/presentationml/2006/main">
   <p:cSld>
@@ -9952,7 +6966,7 @@
                 <a:latin typeface="Calibri" panose="020F0502020204030204" pitchFamily="34" charset="0"/>
                 <a:cs typeface="Calibri" panose="020F0502020204030204" pitchFamily="34" charset="0"/>
               </a:rPr>
-              <a:t>In this homework we will predict methane working capacities for MOFs</a:t>
+              <a:t>In this problem set, we will predict methane working capacities for MOFs</a:t>
             </a:r>
           </a:p>
           <a:p>
@@ -9999,7 +7013,14 @@
                 <a:latin typeface="Calibri" panose="020F0502020204030204" pitchFamily="34" charset="0"/>
                 <a:cs typeface="Calibri" panose="020F0502020204030204" pitchFamily="34" charset="0"/>
               </a:rPr>
-              <a:t>Here are short explanations about the data given for the homework_5</a:t>
+              <a:t>Here are short explanations about the data given for the </a:t>
+            </a:r>
+            <a:r>
+              <a:rPr lang="en-US" altLang="ko-KR" sz="2000" dirty="0" smtClean="0">
+                <a:latin typeface="Calibri" panose="020F0502020204030204" pitchFamily="34" charset="0"/>
+                <a:cs typeface="Calibri" panose="020F0502020204030204" pitchFamily="34" charset="0"/>
+              </a:rPr>
+              <a:t>problem set#2</a:t>
             </a:r>
           </a:p>
           <a:p>
@@ -10043,7 +7064,14 @@
                 <a:latin typeface="Calibri" panose="020F0502020204030204" pitchFamily="34" charset="0"/>
                 <a:cs typeface="Calibri" panose="020F0502020204030204" pitchFamily="34" charset="0"/>
               </a:rPr>
-              <a:t>Ex) </a:t>
+              <a:t>Ex</a:t>
+            </a:r>
+            <a:r>
+              <a:rPr lang="en-US" altLang="ko-KR" sz="2000" dirty="0" smtClean="0">
+                <a:latin typeface="Calibri" panose="020F0502020204030204" pitchFamily="34" charset="0"/>
+                <a:cs typeface="Calibri" panose="020F0502020204030204" pitchFamily="34" charset="0"/>
+              </a:rPr>
+              <a:t>) </a:t>
             </a:r>
             <a:r>
               <a:rPr lang="en-US" altLang="ko-KR" sz="2000" dirty="0" smtClean="0"/>
@@ -10360,7 +7388,7 @@
                 <a:latin typeface="Calibri" panose="020F0502020204030204" pitchFamily="34" charset="0"/>
                 <a:cs typeface="Calibri" panose="020F0502020204030204" pitchFamily="34" charset="0"/>
               </a:rPr>
-              <a:t>In this homework we will use two different representation method for MOFs</a:t>
+              <a:t>In this problem set, we will use two different representation method for MOFs</a:t>
             </a:r>
           </a:p>
           <a:p>
@@ -10389,7 +7417,7 @@
                 <a:latin typeface="Calibri" panose="020F0502020204030204" pitchFamily="34" charset="0"/>
                 <a:cs typeface="Calibri" panose="020F0502020204030204" pitchFamily="34" charset="0"/>
               </a:rPr>
-              <a:t>++ data to represent MOF (part a to c)</a:t>
+              <a:t>++ data to represent MOF (part a)</a:t>
             </a:r>
           </a:p>
           <a:p>
@@ -10520,7 +7548,7 @@
                 <a:latin typeface="Calibri" panose="020F0502020204030204" pitchFamily="34" charset="0"/>
                 <a:cs typeface="Calibri" panose="020F0502020204030204" pitchFamily="34" charset="0"/>
               </a:rPr>
-              <a:t>Second, we will use constitution data itself to represent MOF (part d)</a:t>
+              <a:t>Second, we will use constitution data itself to represent MOF (part b)</a:t>
             </a:r>
           </a:p>
           <a:p>
@@ -11336,7 +8364,21 @@
                 <a:latin typeface="Calibri" panose="020F0502020204030204" pitchFamily="34" charset="0"/>
                 <a:cs typeface="Calibri" panose="020F0502020204030204" pitchFamily="34" charset="0"/>
               </a:rPr>
-              <a:t>First, download “zeo_gcmc_hw5.csv” and “homework5_zeo.ipynb” files uploaded at KLMS and put them in the same folder.</a:t>
+              <a:t>In the folder [Problem Set2], you can find out “Problem_set2_zeo++_</a:t>
+            </a:r>
+            <a:r>
+              <a:rPr lang="en-US" altLang="ko-KR" sz="2000" dirty="0" err="1" smtClean="0">
+                <a:latin typeface="Calibri" panose="020F0502020204030204" pitchFamily="34" charset="0"/>
+                <a:cs typeface="Calibri" panose="020F0502020204030204" pitchFamily="34" charset="0"/>
+              </a:rPr>
+              <a:t>representation.ipynb</a:t>
+            </a:r>
+            <a:r>
+              <a:rPr lang="en-US" altLang="ko-KR" sz="2000" dirty="0" smtClean="0">
+                <a:latin typeface="Calibri" panose="020F0502020204030204" pitchFamily="34" charset="0"/>
+                <a:cs typeface="Calibri" panose="020F0502020204030204" pitchFamily="34" charset="0"/>
+              </a:rPr>
+              <a:t>” and “Zeo_gcmc.csv”</a:t>
             </a:r>
           </a:p>
           <a:p>
@@ -11351,7 +8393,7 @@
                 <a:latin typeface="Calibri" panose="020F0502020204030204" pitchFamily="34" charset="0"/>
                 <a:cs typeface="Calibri" panose="020F0502020204030204" pitchFamily="34" charset="0"/>
               </a:rPr>
-              <a:t>"Zeo_gcmc_hw5.csv”</a:t>
+              <a:t>"Zeo_gcmc.csv”</a:t>
             </a:r>
           </a:p>
           <a:p>
@@ -11984,7 +9026,7 @@
       </p:grpSpPr>
       <p:pic>
         <p:nvPicPr>
-          <p:cNvPr id="28" name="그림 27"/>
+          <p:cNvPr id="3" name="그림 2"/>
           <p:cNvPicPr>
             <a:picLocks noChangeAspect="1"/>
           </p:cNvPicPr>
@@ -11998,8 +9040,8 @@
         </p:blipFill>
         <p:spPr>
           <a:xfrm>
-            <a:off x="1242364" y="4426364"/>
-            <a:ext cx="6447341" cy="1774799"/>
+            <a:off x="219425" y="2423431"/>
+            <a:ext cx="8503158" cy="2811666"/>
           </a:xfrm>
           <a:prstGeom prst="rect">
             <a:avLst/>
@@ -12089,8 +9131,8 @@
         </p:nvSpPr>
         <p:spPr>
           <a:xfrm>
-            <a:off x="354684" y="1281924"/>
-            <a:ext cx="8539934" cy="5441139"/>
+            <a:off x="346169" y="1281924"/>
+            <a:ext cx="8249670" cy="5441139"/>
           </a:xfrm>
           <a:noFill/>
           <a:ln>
@@ -12230,59 +9272,64 @@
                 <a:latin typeface="Calibri" panose="020F0502020204030204" pitchFamily="34" charset="0"/>
                 <a:cs typeface="Calibri" panose="020F0502020204030204" pitchFamily="34" charset="0"/>
               </a:rPr>
-              <a:t>Part(a) : you should fill in the missing </a:t>
+              <a:t>Part(a) : Fill in the blanks of “Build and train Model” part</a:t>
+            </a:r>
+          </a:p>
+          <a:p>
+            <a:pPr lvl="1">
+              <a:lnSpc>
+                <a:spcPct val="90000"/>
+              </a:lnSpc>
+              <a:defRPr/>
+            </a:pPr>
+            <a:r>
+              <a:rPr lang="en-US" altLang="ko-KR" sz="2000" dirty="0" smtClean="0">
+                <a:latin typeface="Calibri" panose="020F0502020204030204" pitchFamily="34" charset="0"/>
+                <a:cs typeface="Calibri" panose="020F0502020204030204" pitchFamily="34" charset="0"/>
+              </a:rPr>
+              <a:t>Continue executing “Problem_set2_zeo++_</a:t>
             </a:r>
             <a:r>
               <a:rPr lang="en-US" altLang="ko-KR" sz="2000" dirty="0" err="1" smtClean="0">
                 <a:latin typeface="Calibri" panose="020F0502020204030204" pitchFamily="34" charset="0"/>
                 <a:cs typeface="Calibri" panose="020F0502020204030204" pitchFamily="34" charset="0"/>
               </a:rPr>
-              <a:t>zeo</a:t>
+              <a:t>representation.ipynb</a:t>
             </a:r>
             <a:r>
               <a:rPr lang="en-US" altLang="ko-KR" sz="2000" dirty="0" smtClean="0">
                 <a:latin typeface="Calibri" panose="020F0502020204030204" pitchFamily="34" charset="0"/>
                 <a:cs typeface="Calibri" panose="020F0502020204030204" pitchFamily="34" charset="0"/>
               </a:rPr>
-              <a:t>++ data</a:t>
-            </a:r>
+              <a:t>”  till “Build and train model” part. Below is where you should fill in.</a:t>
+            </a:r>
+          </a:p>
+          <a:p>
+            <a:pPr>
+              <a:lnSpc>
+                <a:spcPct val="90000"/>
+              </a:lnSpc>
+              <a:defRPr/>
+            </a:pPr>
             <a:endParaRPr lang="en-US" altLang="ko-KR" sz="2000" dirty="0">
               <a:latin typeface="Calibri" panose="020F0502020204030204" pitchFamily="34" charset="0"/>
               <a:cs typeface="Calibri" panose="020F0502020204030204" pitchFamily="34" charset="0"/>
             </a:endParaRPr>
           </a:p>
           <a:p>
-            <a:pPr lvl="1">
+            <a:pPr>
               <a:lnSpc>
                 <a:spcPct val="90000"/>
               </a:lnSpc>
               <a:defRPr/>
             </a:pPr>
-            <a:r>
-              <a:rPr lang="en-US" altLang="ko-KR" sz="2000" dirty="0" smtClean="0">
-                <a:latin typeface="Calibri" panose="020F0502020204030204" pitchFamily="34" charset="0"/>
-                <a:cs typeface="Calibri" panose="020F0502020204030204" pitchFamily="34" charset="0"/>
-              </a:rPr>
-              <a:t>Execute “homework5_zeo.ipynb” until “Missing Data” part</a:t>
-            </a:r>
-          </a:p>
-          <a:p>
-            <a:pPr lvl="1">
-              <a:lnSpc>
-                <a:spcPct val="90000"/>
-              </a:lnSpc>
-              <a:defRPr/>
-            </a:pPr>
-            <a:r>
-              <a:rPr lang="en-US" altLang="ko-KR" sz="2000" dirty="0" smtClean="0">
-                <a:latin typeface="Calibri" panose="020F0502020204030204" pitchFamily="34" charset="0"/>
-                <a:cs typeface="Calibri" panose="020F0502020204030204" pitchFamily="34" charset="0"/>
-              </a:rPr>
-              <a:t>Unlike other structures, some of the data for below structures are missed</a:t>
-            </a:r>
-          </a:p>
-          <a:p>
-            <a:pPr lvl="1">
+            <a:endParaRPr lang="en-US" altLang="ko-KR" sz="2000" dirty="0" smtClean="0">
+              <a:latin typeface="Calibri" panose="020F0502020204030204" pitchFamily="34" charset="0"/>
+              <a:cs typeface="Calibri" panose="020F0502020204030204" pitchFamily="34" charset="0"/>
+            </a:endParaRPr>
+          </a:p>
+          <a:p>
+            <a:pPr>
               <a:lnSpc>
                 <a:spcPct val="90000"/>
               </a:lnSpc>
@@ -12294,7 +9341,7 @@
             </a:endParaRPr>
           </a:p>
           <a:p>
-            <a:pPr lvl="1">
+            <a:pPr>
               <a:lnSpc>
                 <a:spcPct val="90000"/>
               </a:lnSpc>
@@ -12306,7 +9353,7 @@
             </a:endParaRPr>
           </a:p>
           <a:p>
-            <a:pPr lvl="1">
+            <a:pPr>
               <a:lnSpc>
                 <a:spcPct val="90000"/>
               </a:lnSpc>
@@ -12318,11 +9365,22 @@
             </a:endParaRPr>
           </a:p>
           <a:p>
-            <a:pPr marL="400050" lvl="1" indent="0">
+            <a:pPr>
               <a:lnSpc>
                 <a:spcPct val="90000"/>
               </a:lnSpc>
-              <a:buNone/>
+              <a:defRPr/>
+            </a:pPr>
+            <a:endParaRPr lang="en-US" altLang="ko-KR" sz="2000" dirty="0" smtClean="0">
+              <a:latin typeface="Calibri" panose="020F0502020204030204" pitchFamily="34" charset="0"/>
+              <a:cs typeface="Calibri" panose="020F0502020204030204" pitchFamily="34" charset="0"/>
+            </a:endParaRPr>
+          </a:p>
+          <a:p>
+            <a:pPr>
+              <a:lnSpc>
+                <a:spcPct val="90000"/>
+              </a:lnSpc>
               <a:defRPr/>
             </a:pPr>
             <a:endParaRPr lang="en-US" altLang="ko-KR" sz="2000" dirty="0">
@@ -12331,25 +9389,24 @@
             </a:endParaRPr>
           </a:p>
           <a:p>
-            <a:pPr lvl="1">
+            <a:pPr>
               <a:lnSpc>
                 <a:spcPct val="90000"/>
               </a:lnSpc>
               <a:defRPr/>
             </a:pPr>
-            <a:r>
-              <a:rPr lang="en-US" altLang="ko-KR" sz="2000" dirty="0" smtClean="0">
-                <a:latin typeface="Calibri" panose="020F0502020204030204" pitchFamily="34" charset="0"/>
-                <a:cs typeface="Calibri" panose="020F0502020204030204" pitchFamily="34" charset="0"/>
-              </a:rPr>
-              <a:t>Missing features are as follows</a:t>
-            </a:r>
-            <a:br>
-              <a:rPr lang="en-US" altLang="ko-KR" sz="2000" dirty="0" smtClean="0">
-                <a:latin typeface="Calibri" panose="020F0502020204030204" pitchFamily="34" charset="0"/>
-                <a:cs typeface="Calibri" panose="020F0502020204030204" pitchFamily="34" charset="0"/>
-              </a:rPr>
-            </a:br>
+            <a:endParaRPr lang="en-US" altLang="ko-KR" sz="2000" dirty="0" smtClean="0">
+              <a:latin typeface="Calibri" panose="020F0502020204030204" pitchFamily="34" charset="0"/>
+              <a:cs typeface="Calibri" panose="020F0502020204030204" pitchFamily="34" charset="0"/>
+            </a:endParaRPr>
+          </a:p>
+          <a:p>
+            <a:pPr>
+              <a:lnSpc>
+                <a:spcPct val="90000"/>
+              </a:lnSpc>
+              <a:defRPr/>
+            </a:pPr>
             <a:endParaRPr lang="en-US" altLang="ko-KR" sz="2000" dirty="0">
               <a:latin typeface="Calibri" panose="020F0502020204030204" pitchFamily="34" charset="0"/>
               <a:cs typeface="Calibri" panose="020F0502020204030204" pitchFamily="34" charset="0"/>
@@ -12362,61 +9419,33 @@
               </a:lnSpc>
               <a:defRPr/>
             </a:pPr>
-            <a:endParaRPr lang="en-US" altLang="ko-KR" sz="2000" dirty="0" smtClean="0">
-              <a:latin typeface="Calibri" panose="020F0502020204030204" pitchFamily="34" charset="0"/>
-              <a:cs typeface="Calibri" panose="020F0502020204030204" pitchFamily="34" charset="0"/>
-            </a:endParaRPr>
-          </a:p>
-          <a:p>
-            <a:pPr>
-              <a:lnSpc>
-                <a:spcPct val="90000"/>
-              </a:lnSpc>
-              <a:defRPr/>
-            </a:pPr>
-            <a:endParaRPr lang="en-US" altLang="ko-KR" sz="2000" dirty="0">
-              <a:latin typeface="Calibri" panose="020F0502020204030204" pitchFamily="34" charset="0"/>
-              <a:cs typeface="Calibri" panose="020F0502020204030204" pitchFamily="34" charset="0"/>
-            </a:endParaRPr>
-          </a:p>
-          <a:p>
-            <a:pPr>
-              <a:lnSpc>
-                <a:spcPct val="90000"/>
-              </a:lnSpc>
-              <a:defRPr/>
-            </a:pPr>
-            <a:endParaRPr lang="en-US" altLang="ko-KR" sz="2000" dirty="0" smtClean="0">
-              <a:latin typeface="Calibri" panose="020F0502020204030204" pitchFamily="34" charset="0"/>
-              <a:cs typeface="Calibri" panose="020F0502020204030204" pitchFamily="34" charset="0"/>
-            </a:endParaRPr>
-          </a:p>
-          <a:p>
-            <a:pPr>
-              <a:lnSpc>
-                <a:spcPct val="90000"/>
-              </a:lnSpc>
-              <a:defRPr/>
-            </a:pPr>
-            <a:endParaRPr lang="en-US" altLang="ko-KR" sz="2000" dirty="0">
-              <a:latin typeface="Calibri" panose="020F0502020204030204" pitchFamily="34" charset="0"/>
-              <a:cs typeface="Calibri" panose="020F0502020204030204" pitchFamily="34" charset="0"/>
-            </a:endParaRPr>
-          </a:p>
-          <a:p>
-            <a:pPr marL="0" indent="0">
-              <a:lnSpc>
-                <a:spcPct val="90000"/>
-              </a:lnSpc>
-              <a:buNone/>
-              <a:defRPr/>
-            </a:pPr>
             <a:r>
               <a:rPr lang="en-US" altLang="ko-KR" sz="2000" dirty="0" smtClean="0">
                 <a:latin typeface="Calibri" panose="020F0502020204030204" pitchFamily="34" charset="0"/>
                 <a:cs typeface="Calibri" panose="020F0502020204030204" pitchFamily="34" charset="0"/>
               </a:rPr>
-              <a:t/>
+              <a:t>Execute rest of the .</a:t>
+            </a:r>
+            <a:r>
+              <a:rPr lang="en-US" altLang="ko-KR" sz="2000" dirty="0" err="1" smtClean="0">
+                <a:latin typeface="Calibri" panose="020F0502020204030204" pitchFamily="34" charset="0"/>
+                <a:cs typeface="Calibri" panose="020F0502020204030204" pitchFamily="34" charset="0"/>
+              </a:rPr>
+              <a:t>ipynb</a:t>
+            </a:r>
+            <a:r>
+              <a:rPr lang="en-US" altLang="ko-KR" sz="2000" dirty="0">
+                <a:latin typeface="Calibri" panose="020F0502020204030204" pitchFamily="34" charset="0"/>
+                <a:cs typeface="Calibri" panose="020F0502020204030204" pitchFamily="34" charset="0"/>
+              </a:rPr>
+              <a:t> </a:t>
+            </a:r>
+            <a:r>
+              <a:rPr lang="en-US" altLang="ko-KR" sz="2000" dirty="0" smtClean="0">
+                <a:latin typeface="Calibri" panose="020F0502020204030204" pitchFamily="34" charset="0"/>
+                <a:cs typeface="Calibri" panose="020F0502020204030204" pitchFamily="34" charset="0"/>
+              </a:rPr>
+              <a:t>file</a:t>
             </a:r>
             <a:br>
               <a:rPr lang="en-US" altLang="ko-KR" sz="2000" dirty="0" smtClean="0">
@@ -12429,194 +9458,6 @@
               <a:cs typeface="Calibri" panose="020F0502020204030204" pitchFamily="34" charset="0"/>
             </a:endParaRPr>
           </a:p>
-          <a:p>
-            <a:pPr>
-              <a:lnSpc>
-                <a:spcPct val="90000"/>
-              </a:lnSpc>
-              <a:defRPr/>
-            </a:pPr>
-            <a:endParaRPr lang="en-US" altLang="ko-KR" sz="2000" dirty="0">
-              <a:latin typeface="Calibri" panose="020F0502020204030204" pitchFamily="34" charset="0"/>
-              <a:cs typeface="Calibri" panose="020F0502020204030204" pitchFamily="34" charset="0"/>
-            </a:endParaRPr>
-          </a:p>
-          <a:p>
-            <a:pPr>
-              <a:lnSpc>
-                <a:spcPct val="90000"/>
-              </a:lnSpc>
-              <a:defRPr/>
-            </a:pPr>
-            <a:endParaRPr lang="en-US" altLang="ko-KR" sz="2000" dirty="0" smtClean="0">
-              <a:latin typeface="Calibri" panose="020F0502020204030204" pitchFamily="34" charset="0"/>
-              <a:cs typeface="Calibri" panose="020F0502020204030204" pitchFamily="34" charset="0"/>
-            </a:endParaRPr>
-          </a:p>
-        </p:txBody>
-      </p:sp>
-      <p:sp>
-        <p:nvSpPr>
-          <p:cNvPr id="6" name="TextBox 5"/>
-          <p:cNvSpPr txBox="1"/>
-          <p:nvPr/>
-        </p:nvSpPr>
-        <p:spPr>
-          <a:xfrm>
-            <a:off x="1187911" y="2290729"/>
-            <a:ext cx="2872902" cy="1323439"/>
-          </a:xfrm>
-          <a:prstGeom prst="rect">
-            <a:avLst/>
-          </a:prstGeom>
-          <a:noFill/>
-        </p:spPr>
-        <p:txBody>
-          <a:bodyPr wrap="none" rtlCol="0">
-            <a:spAutoFit/>
-          </a:bodyPr>
-          <a:lstStyle/>
-          <a:p>
-            <a:r>
-              <a:rPr lang="pt-BR" altLang="ko-KR" sz="1600" dirty="0" smtClean="0">
-                <a:solidFill>
-                  <a:srgbClr val="FF0000"/>
-                </a:solidFill>
-              </a:rPr>
-              <a:t>acs+N422+E45</a:t>
-            </a:r>
-          </a:p>
-          <a:p>
-            <a:r>
-              <a:rPr lang="pt-BR" altLang="ko-KR" sz="1600" dirty="0" smtClean="0">
-                <a:solidFill>
-                  <a:srgbClr val="FF0000"/>
-                </a:solidFill>
-              </a:rPr>
-              <a:t>bnn+N242+E19</a:t>
-            </a:r>
-          </a:p>
-          <a:p>
-            <a:r>
-              <a:rPr lang="pt-BR" altLang="ko-KR" sz="1600" dirty="0" smtClean="0">
-                <a:solidFill>
-                  <a:srgbClr val="FF0000"/>
-                </a:solidFill>
-              </a:rPr>
-              <a:t>hms+N495+N133+E16+E187</a:t>
-            </a:r>
-          </a:p>
-          <a:p>
-            <a:r>
-              <a:rPr lang="pt-BR" altLang="ko-KR" sz="1600" dirty="0" smtClean="0">
-                <a:solidFill>
-                  <a:srgbClr val="FF0000"/>
-                </a:solidFill>
-              </a:rPr>
-              <a:t>msw+N144+E38</a:t>
-            </a:r>
-          </a:p>
-          <a:p>
-            <a:r>
-              <a:rPr lang="pt-BR" altLang="ko-KR" sz="1600" dirty="0" smtClean="0">
-                <a:solidFill>
-                  <a:srgbClr val="FF0000"/>
-                </a:solidFill>
-              </a:rPr>
-              <a:t>pcu+N283+E27</a:t>
-            </a:r>
-            <a:endParaRPr lang="ko-KR" altLang="en-US" sz="1600" dirty="0">
-              <a:solidFill>
-                <a:srgbClr val="FF0000"/>
-              </a:solidFill>
-            </a:endParaRPr>
-          </a:p>
-        </p:txBody>
-      </p:sp>
-      <p:sp>
-        <p:nvSpPr>
-          <p:cNvPr id="16" name="TextBox 15"/>
-          <p:cNvSpPr txBox="1"/>
-          <p:nvPr/>
-        </p:nvSpPr>
-        <p:spPr>
-          <a:xfrm>
-            <a:off x="1204537" y="3991978"/>
-            <a:ext cx="6234720" cy="338554"/>
-          </a:xfrm>
-          <a:prstGeom prst="rect">
-            <a:avLst/>
-          </a:prstGeom>
-          <a:noFill/>
-        </p:spPr>
-        <p:txBody>
-          <a:bodyPr wrap="none" rtlCol="0">
-            <a:spAutoFit/>
-          </a:bodyPr>
-          <a:lstStyle/>
-          <a:p>
-            <a:r>
-              <a:rPr lang="en-US" altLang="ko-KR" sz="1600" dirty="0" err="1" smtClean="0">
-                <a:solidFill>
-                  <a:srgbClr val="FF0000"/>
-                </a:solidFill>
-              </a:rPr>
-              <a:t>gcmc_result</a:t>
-            </a:r>
-            <a:r>
-              <a:rPr lang="en-US" altLang="ko-KR" sz="1600" dirty="0" smtClean="0">
-                <a:solidFill>
-                  <a:srgbClr val="FF0000"/>
-                </a:solidFill>
-              </a:rPr>
-              <a:t>, Density, </a:t>
-            </a:r>
-            <a:r>
-              <a:rPr lang="en-US" altLang="ko-KR" sz="1600" dirty="0" err="1" smtClean="0">
-                <a:solidFill>
-                  <a:srgbClr val="FF0000"/>
-                </a:solidFill>
-              </a:rPr>
-              <a:t>AV_Volume_fraction</a:t>
-            </a:r>
-            <a:r>
-              <a:rPr lang="en-US" altLang="ko-KR" sz="1600" dirty="0" smtClean="0">
-                <a:solidFill>
-                  <a:srgbClr val="FF0000"/>
-                </a:solidFill>
-              </a:rPr>
-              <a:t>, AV_cm^3/g, Di, </a:t>
-            </a:r>
-            <a:r>
-              <a:rPr lang="en-US" altLang="ko-KR" sz="1600" dirty="0" err="1" smtClean="0">
-                <a:solidFill>
-                  <a:srgbClr val="FF0000"/>
-                </a:solidFill>
-              </a:rPr>
-              <a:t>Df</a:t>
-            </a:r>
-            <a:r>
-              <a:rPr lang="en-US" altLang="ko-KR" sz="1600" dirty="0" smtClean="0">
-                <a:solidFill>
-                  <a:srgbClr val="FF0000"/>
-                </a:solidFill>
-              </a:rPr>
-              <a:t>, </a:t>
-            </a:r>
-            <a:r>
-              <a:rPr lang="en-US" altLang="ko-KR" sz="1600" dirty="0" err="1" smtClean="0">
-                <a:solidFill>
-                  <a:srgbClr val="FF0000"/>
-                </a:solidFill>
-              </a:rPr>
-              <a:t>Dif</a:t>
-            </a:r>
-            <a:endParaRPr lang="en-US" altLang="ko-KR" sz="1800" dirty="0" smtClean="0">
-              <a:solidFill>
-                <a:srgbClr val="FF0000"/>
-              </a:solidFill>
-            </a:endParaRPr>
-          </a:p>
         </p:txBody>
       </p:sp>
       <p:sp>
@@ -12627,18 +9468,20 @@
         </p:nvSpPr>
         <p:spPr>
           <a:xfrm>
-            <a:off x="3308465" y="5380889"/>
-            <a:ext cx="1562793" cy="806790"/>
+            <a:off x="972157" y="3515006"/>
+            <a:ext cx="3250708" cy="1471352"/>
           </a:xfrm>
           <a:prstGeom prst="roundRect">
-            <a:avLst/>
+            <a:avLst>
+              <a:gd name="adj" fmla="val 3108"/>
+            </a:avLst>
           </a:prstGeom>
           <a:noFill/>
-          <a:ln w="19050">
+          <a:ln w="25400">
             <a:solidFill>
               <a:srgbClr val="FF0000"/>
             </a:solidFill>
-            <a:prstDash val="sysDash"/>
+            <a:prstDash val="sysDot"/>
           </a:ln>
         </p:spPr>
         <p:style>
@@ -12666,70 +9509,23 @@
           </a:p>
         </p:txBody>
       </p:sp>
-      <p:sp>
-        <p:nvSpPr>
-          <p:cNvPr id="19" name="모서리가 둥근 직사각형 18"/>
-          <p:cNvSpPr/>
-          <p:nvPr/>
-        </p:nvSpPr>
-        <p:spPr>
-          <a:xfrm>
-            <a:off x="7064527" y="5394373"/>
-            <a:ext cx="741842" cy="806790"/>
-          </a:xfrm>
-          <a:prstGeom prst="roundRect">
-            <a:avLst/>
-          </a:prstGeom>
-          <a:noFill/>
-          <a:ln w="19050">
-            <a:solidFill>
-              <a:srgbClr val="FF0000"/>
-            </a:solidFill>
-            <a:prstDash val="sysDash"/>
-          </a:ln>
-        </p:spPr>
-        <p:style>
-          <a:lnRef idx="2">
-            <a:schemeClr val="accent1">
-              <a:shade val="50000"/>
-            </a:schemeClr>
-          </a:lnRef>
-          <a:fillRef idx="1">
-            <a:schemeClr val="accent1"/>
-          </a:fillRef>
-          <a:effectRef idx="0">
-            <a:schemeClr val="accent1"/>
-          </a:effectRef>
-          <a:fontRef idx="minor">
-            <a:schemeClr val="lt1"/>
-          </a:fontRef>
-        </p:style>
-        <p:txBody>
-          <a:bodyPr rtlCol="0" anchor="ctr"/>
-          <a:lstStyle/>
-          <a:p>
-            <a:pPr algn="ctr"/>
-            <a:endParaRPr lang="ko-KR" altLang="en-US"/>
-          </a:p>
-        </p:txBody>
-      </p:sp>
       <p:cxnSp>
         <p:nvCxnSpPr>
-          <p:cNvPr id="20" name="직선 화살표 연결선 19"/>
+          <p:cNvPr id="19" name="직선 화살표 연결선 18"/>
           <p:cNvCxnSpPr>
-            <a:stCxn id="19" idx="0"/>
+            <a:endCxn id="20" idx="1"/>
           </p:cNvCxnSpPr>
           <p:nvPr/>
         </p:nvCxnSpPr>
         <p:spPr>
           <a:xfrm flipV="1">
-            <a:off x="7435448" y="4375403"/>
-            <a:ext cx="570331" cy="1018970"/>
+            <a:off x="4222865" y="3515006"/>
+            <a:ext cx="404899" cy="566543"/>
           </a:xfrm>
           <a:prstGeom prst="straightConnector1">
             <a:avLst/>
           </a:prstGeom>
-          <a:ln w="12700">
+          <a:ln w="25400">
             <a:solidFill>
               <a:srgbClr val="FF0000"/>
             </a:solidFill>
@@ -12751,54 +9547,16 @@
           </a:fontRef>
         </p:style>
       </p:cxnSp>
-      <p:cxnSp>
-        <p:nvCxnSpPr>
-          <p:cNvPr id="22" name="직선 화살표 연결선 21"/>
-          <p:cNvCxnSpPr>
-            <a:stCxn id="17" idx="0"/>
-          </p:cNvCxnSpPr>
-          <p:nvPr/>
-        </p:nvCxnSpPr>
-        <p:spPr>
-          <a:xfrm flipV="1">
-            <a:off x="4089862" y="4330533"/>
-            <a:ext cx="3823854" cy="1050356"/>
-          </a:xfrm>
-          <a:prstGeom prst="straightConnector1">
-            <a:avLst/>
-          </a:prstGeom>
-          <a:ln w="12700">
-            <a:solidFill>
-              <a:srgbClr val="FF0000"/>
-            </a:solidFill>
-            <a:tailEnd type="triangle"/>
-          </a:ln>
-        </p:spPr>
-        <p:style>
-          <a:lnRef idx="1">
-            <a:schemeClr val="accent1"/>
-          </a:lnRef>
-          <a:fillRef idx="0">
-            <a:schemeClr val="accent1"/>
-          </a:fillRef>
-          <a:effectRef idx="0">
-            <a:schemeClr val="accent1"/>
-          </a:effectRef>
-          <a:fontRef idx="minor">
-            <a:schemeClr val="tx1"/>
-          </a:fontRef>
-        </p:style>
-      </p:cxnSp>
-      <p:sp>
-        <p:nvSpPr>
-          <p:cNvPr id="25" name="TextBox 24"/>
+      <p:sp>
+        <p:nvSpPr>
+          <p:cNvPr id="20" name="TextBox 19"/>
           <p:cNvSpPr txBox="1"/>
           <p:nvPr/>
         </p:nvSpPr>
         <p:spPr>
           <a:xfrm>
-            <a:off x="7558996" y="4036849"/>
-            <a:ext cx="1335622" cy="338554"/>
+            <a:off x="4627764" y="2483954"/>
+            <a:ext cx="4158788" cy="2062103"/>
           </a:xfrm>
           <a:prstGeom prst="rect">
             <a:avLst/>
@@ -12806,7 +9564,7 @@
           <a:noFill/>
         </p:spPr>
         <p:txBody>
-          <a:bodyPr wrap="none" rtlCol="0">
+          <a:bodyPr wrap="square" rtlCol="0">
             <a:spAutoFit/>
           </a:bodyPr>
           <a:lstStyle/>
@@ -12816,13 +9574,211 @@
                 <a:solidFill>
                   <a:srgbClr val="FF0000"/>
                 </a:solidFill>
-              </a:rPr>
-              <a:t>Missing data</a:t>
+                <a:latin typeface="Calibri" panose="020F0502020204030204" pitchFamily="34" charset="0"/>
+                <a:cs typeface="Calibri" panose="020F0502020204030204" pitchFamily="34" charset="0"/>
+              </a:rPr>
+              <a:t>Fill in.</a:t>
+            </a:r>
+          </a:p>
+          <a:p>
+            <a:r>
+              <a:rPr lang="en-US" altLang="ko-KR" sz="1600" dirty="0" smtClean="0">
+                <a:solidFill>
+                  <a:srgbClr val="FF0000"/>
+                </a:solidFill>
+                <a:latin typeface="Calibri" panose="020F0502020204030204" pitchFamily="34" charset="0"/>
+                <a:cs typeface="Calibri" panose="020F0502020204030204" pitchFamily="34" charset="0"/>
+              </a:rPr>
+              <a:t>A. Build 2 hidden layers (neuron 1000,256)</a:t>
+            </a:r>
+          </a:p>
+          <a:p>
+            <a:r>
+              <a:rPr lang="en-US" altLang="ko-KR" sz="1600" dirty="0" smtClean="0">
+                <a:solidFill>
+                  <a:srgbClr val="FF0000"/>
+                </a:solidFill>
+                <a:latin typeface="Calibri" panose="020F0502020204030204" pitchFamily="34" charset="0"/>
+                <a:cs typeface="Calibri" panose="020F0502020204030204" pitchFamily="34" charset="0"/>
+              </a:rPr>
+              <a:t>     and 1 output layer</a:t>
+            </a:r>
+          </a:p>
+          <a:p>
+            <a:r>
+              <a:rPr lang="en-US" altLang="ko-KR" sz="1600" dirty="0">
+                <a:solidFill>
+                  <a:srgbClr val="FF0000"/>
+                </a:solidFill>
+                <a:latin typeface="Calibri" panose="020F0502020204030204" pitchFamily="34" charset="0"/>
+                <a:cs typeface="Calibri" panose="020F0502020204030204" pitchFamily="34" charset="0"/>
+              </a:rPr>
+              <a:t> </a:t>
+            </a:r>
+            <a:r>
+              <a:rPr lang="en-US" altLang="ko-KR" sz="1600" dirty="0" smtClean="0">
+                <a:solidFill>
+                  <a:srgbClr val="FF0000"/>
+                </a:solidFill>
+                <a:latin typeface="Calibri" panose="020F0502020204030204" pitchFamily="34" charset="0"/>
+                <a:cs typeface="Calibri" panose="020F0502020204030204" pitchFamily="34" charset="0"/>
+              </a:rPr>
+              <a:t>    use </a:t>
+            </a:r>
+            <a:r>
+              <a:rPr lang="en-US" altLang="ko-KR" sz="1600" dirty="0">
+                <a:solidFill>
+                  <a:srgbClr val="FF0000"/>
+                </a:solidFill>
+                <a:latin typeface="Calibri" panose="020F0502020204030204" pitchFamily="34" charset="0"/>
+                <a:cs typeface="Calibri" panose="020F0502020204030204" pitchFamily="34" charset="0"/>
+              </a:rPr>
+              <a:t>the activation of </a:t>
+            </a:r>
+            <a:r>
+              <a:rPr lang="en-US" altLang="ko-KR" sz="1600" dirty="0" smtClean="0">
+                <a:solidFill>
+                  <a:srgbClr val="FF0000"/>
+                </a:solidFill>
+                <a:latin typeface="Calibri" panose="020F0502020204030204" pitchFamily="34" charset="0"/>
+                <a:cs typeface="Calibri" panose="020F0502020204030204" pitchFamily="34" charset="0"/>
+              </a:rPr>
+              <a:t>“</a:t>
+            </a:r>
+            <a:r>
+              <a:rPr lang="en-US" altLang="ko-KR" sz="1600" dirty="0" err="1" smtClean="0">
+                <a:solidFill>
+                  <a:srgbClr val="FF0000"/>
+                </a:solidFill>
+                <a:latin typeface="Calibri" panose="020F0502020204030204" pitchFamily="34" charset="0"/>
+                <a:cs typeface="Calibri" panose="020F0502020204030204" pitchFamily="34" charset="0"/>
+              </a:rPr>
+              <a:t>relu</a:t>
+            </a:r>
+            <a:r>
+              <a:rPr lang="en-US" altLang="ko-KR" sz="1600" dirty="0" smtClean="0">
+                <a:solidFill>
+                  <a:srgbClr val="FF0000"/>
+                </a:solidFill>
+                <a:latin typeface="Calibri" panose="020F0502020204030204" pitchFamily="34" charset="0"/>
+                <a:cs typeface="Calibri" panose="020F0502020204030204" pitchFamily="34" charset="0"/>
+              </a:rPr>
+              <a:t>” for all layers</a:t>
+            </a:r>
+          </a:p>
+          <a:p>
+            <a:r>
+              <a:rPr lang="en-US" altLang="ko-KR" sz="1600" dirty="0" smtClean="0">
+                <a:solidFill>
+                  <a:srgbClr val="FF0000"/>
+                </a:solidFill>
+                <a:latin typeface="Calibri" panose="020F0502020204030204" pitchFamily="34" charset="0"/>
+                <a:cs typeface="Calibri" panose="020F0502020204030204" pitchFamily="34" charset="0"/>
+              </a:rPr>
+              <a:t>B. Compile with optimizer= "</a:t>
+            </a:r>
+            <a:r>
+              <a:rPr lang="en-US" altLang="ko-KR" sz="1600" dirty="0" err="1" smtClean="0">
+                <a:solidFill>
+                  <a:srgbClr val="FF0000"/>
+                </a:solidFill>
+                <a:latin typeface="Calibri" panose="020F0502020204030204" pitchFamily="34" charset="0"/>
+                <a:cs typeface="Calibri" panose="020F0502020204030204" pitchFamily="34" charset="0"/>
+              </a:rPr>
+              <a:t>adam</a:t>
+            </a:r>
+            <a:r>
+              <a:rPr lang="en-US" altLang="ko-KR" sz="1600" dirty="0" smtClean="0">
+                <a:solidFill>
+                  <a:srgbClr val="FF0000"/>
+                </a:solidFill>
+                <a:latin typeface="Calibri" panose="020F0502020204030204" pitchFamily="34" charset="0"/>
+                <a:cs typeface="Calibri" panose="020F0502020204030204" pitchFamily="34" charset="0"/>
+              </a:rPr>
+              <a:t>”, loss = “</a:t>
+            </a:r>
+            <a:r>
+              <a:rPr lang="en-US" altLang="ko-KR" sz="1600" dirty="0" err="1" smtClean="0">
+                <a:solidFill>
+                  <a:srgbClr val="FF0000"/>
+                </a:solidFill>
+                <a:latin typeface="Calibri" panose="020F0502020204030204" pitchFamily="34" charset="0"/>
+                <a:cs typeface="Calibri" panose="020F0502020204030204" pitchFamily="34" charset="0"/>
+              </a:rPr>
+              <a:t>mse</a:t>
+            </a:r>
+            <a:r>
+              <a:rPr lang="en-US" altLang="ko-KR" sz="1600" dirty="0" smtClean="0">
+                <a:solidFill>
+                  <a:srgbClr val="FF0000"/>
+                </a:solidFill>
+                <a:latin typeface="Calibri" panose="020F0502020204030204" pitchFamily="34" charset="0"/>
+                <a:cs typeface="Calibri" panose="020F0502020204030204" pitchFamily="34" charset="0"/>
+              </a:rPr>
+              <a:t>”</a:t>
+            </a:r>
+          </a:p>
+          <a:p>
+            <a:r>
+              <a:rPr lang="en-US" altLang="ko-KR" sz="1600" dirty="0">
+                <a:solidFill>
+                  <a:srgbClr val="FF0000"/>
+                </a:solidFill>
+                <a:latin typeface="Calibri" panose="020F0502020204030204" pitchFamily="34" charset="0"/>
+                <a:cs typeface="Calibri" panose="020F0502020204030204" pitchFamily="34" charset="0"/>
+              </a:rPr>
+              <a:t> </a:t>
+            </a:r>
+            <a:r>
+              <a:rPr lang="en-US" altLang="ko-KR" sz="1600" dirty="0" smtClean="0">
+                <a:solidFill>
+                  <a:srgbClr val="FF0000"/>
+                </a:solidFill>
+                <a:latin typeface="Calibri" panose="020F0502020204030204" pitchFamily="34" charset="0"/>
+                <a:cs typeface="Calibri" panose="020F0502020204030204" pitchFamily="34" charset="0"/>
+              </a:rPr>
+              <a:t>    and learning rate = 0.0001</a:t>
+            </a:r>
+          </a:p>
+          <a:p>
+            <a:r>
+              <a:rPr lang="en-US" altLang="ko-KR" sz="1600" dirty="0" smtClean="0">
+                <a:solidFill>
+                  <a:srgbClr val="FF0000"/>
+                </a:solidFill>
+                <a:latin typeface="Calibri" panose="020F0502020204030204" pitchFamily="34" charset="0"/>
+                <a:cs typeface="Calibri" panose="020F0502020204030204" pitchFamily="34" charset="0"/>
+              </a:rPr>
+              <a:t>C. Train model with train dataset. </a:t>
+            </a:r>
+          </a:p>
+          <a:p>
+            <a:r>
+              <a:rPr lang="en-US" altLang="ko-KR" sz="1600" dirty="0">
+                <a:solidFill>
+                  <a:srgbClr val="FF0000"/>
+                </a:solidFill>
+                <a:latin typeface="Calibri" panose="020F0502020204030204" pitchFamily="34" charset="0"/>
+                <a:cs typeface="Calibri" panose="020F0502020204030204" pitchFamily="34" charset="0"/>
+              </a:rPr>
+              <a:t> </a:t>
+            </a:r>
+            <a:r>
+              <a:rPr lang="en-US" altLang="ko-KR" sz="1600" dirty="0" smtClean="0">
+                <a:solidFill>
+                  <a:srgbClr val="FF0000"/>
+                </a:solidFill>
+                <a:latin typeface="Calibri" panose="020F0502020204030204" pitchFamily="34" charset="0"/>
+                <a:cs typeface="Calibri" panose="020F0502020204030204" pitchFamily="34" charset="0"/>
+              </a:rPr>
+              <a:t>    Use batch size of 32 and epochs of 4</a:t>
             </a:r>
             <a:endParaRPr lang="ko-KR" altLang="en-US" sz="1600" dirty="0">
               <a:solidFill>
                 <a:srgbClr val="FF0000"/>
               </a:solidFill>
+              <a:latin typeface="Calibri" panose="020F0502020204030204" pitchFamily="34" charset="0"/>
+              <a:cs typeface="Calibri" panose="020F0502020204030204" pitchFamily="34" charset="0"/>
             </a:endParaRPr>
           </a:p>
         </p:txBody>
@@ -12830,7 +9786,7 @@
     </p:spTree>
     <p:extLst>
       <p:ext uri="{BB962C8B-B14F-4D97-AF65-F5344CB8AC3E}">
-        <p14:creationId xmlns:p14="http://schemas.microsoft.com/office/powerpoint/2010/main" val="728577397"/>
+        <p14:creationId xmlns:p14="http://schemas.microsoft.com/office/powerpoint/2010/main" val="3088849991"/>
       </p:ext>
     </p:extLst>
   </p:cSld>
@@ -12942,8 +9898,8 @@
         </p:nvSpPr>
         <p:spPr>
           <a:xfrm>
-            <a:off x="354684" y="1281924"/>
-            <a:ext cx="8539934" cy="5441139"/>
+            <a:off x="346169" y="1281924"/>
+            <a:ext cx="8249670" cy="5441139"/>
           </a:xfrm>
           <a:noFill/>
           <a:ln>
@@ -13083,127 +10039,39 @@
                 <a:latin typeface="Calibri" panose="020F0502020204030204" pitchFamily="34" charset="0"/>
                 <a:cs typeface="Calibri" panose="020F0502020204030204" pitchFamily="34" charset="0"/>
               </a:rPr>
-              <a:t>Part(a) </a:t>
+              <a:t>If you got the picture below at the end </a:t>
             </a:r>
             <a:r>
               <a:rPr lang="en-US" altLang="ko-KR" sz="2000" dirty="0">
                 <a:latin typeface="Calibri" panose="020F0502020204030204" pitchFamily="34" charset="0"/>
                 <a:cs typeface="Calibri" panose="020F0502020204030204" pitchFamily="34" charset="0"/>
               </a:rPr>
-              <a:t>: you should fill in the missing </a:t>
-            </a:r>
-            <a:r>
-              <a:rPr lang="en-US" altLang="ko-KR" sz="2000" dirty="0" err="1">
+              <a:t>of </a:t>
+            </a:r>
+            <a:r>
+              <a:rPr lang="en-US" altLang="ko-KR" sz="2000" dirty="0" smtClean="0">
                 <a:latin typeface="Calibri" panose="020F0502020204030204" pitchFamily="34" charset="0"/>
                 <a:cs typeface="Calibri" panose="020F0502020204030204" pitchFamily="34" charset="0"/>
               </a:rPr>
-              <a:t>zeo</a:t>
-            </a:r>
-            <a:r>
-              <a:rPr lang="en-US" altLang="ko-KR" sz="2000" dirty="0">
+              <a:t>“Prolbem_set2_zeo++_</a:t>
+            </a:r>
+            <a:r>
+              <a:rPr lang="en-US" altLang="ko-KR" sz="2000" dirty="0" err="1" smtClean="0">
                 <a:latin typeface="Calibri" panose="020F0502020204030204" pitchFamily="34" charset="0"/>
                 <a:cs typeface="Calibri" panose="020F0502020204030204" pitchFamily="34" charset="0"/>
               </a:rPr>
-              <a:t>++ data</a:t>
-            </a:r>
-          </a:p>
-          <a:p>
-            <a:pPr lvl="1">
-              <a:lnSpc>
-                <a:spcPct val="90000"/>
-              </a:lnSpc>
-              <a:defRPr/>
-            </a:pPr>
+              <a:t>representation.ipynb</a:t>
+            </a:r>
             <a:r>
               <a:rPr lang="en-US" altLang="ko-KR" sz="2000" dirty="0" smtClean="0">
                 <a:latin typeface="Calibri" panose="020F0502020204030204" pitchFamily="34" charset="0"/>
                 <a:cs typeface="Calibri" panose="020F0502020204030204" pitchFamily="34" charset="0"/>
               </a:rPr>
-              <a:t>You should run “</a:t>
-            </a:r>
-            <a:r>
-              <a:rPr lang="en-US" altLang="ko-KR" sz="2000" dirty="0" err="1" smtClean="0">
-                <a:latin typeface="Calibri" panose="020F0502020204030204" pitchFamily="34" charset="0"/>
-                <a:cs typeface="Calibri" panose="020F0502020204030204" pitchFamily="34" charset="0"/>
-              </a:rPr>
-              <a:t>zeo</a:t>
-            </a:r>
-            <a:r>
-              <a:rPr lang="en-US" altLang="ko-KR" sz="2000" dirty="0" smtClean="0">
-                <a:latin typeface="Calibri" panose="020F0502020204030204" pitchFamily="34" charset="0"/>
-                <a:cs typeface="Calibri" panose="020F0502020204030204" pitchFamily="34" charset="0"/>
-              </a:rPr>
-              <a:t>++” code to get the missing data.</a:t>
-            </a:r>
-          </a:p>
-          <a:p>
-            <a:pPr lvl="1">
-              <a:lnSpc>
-                <a:spcPct val="90000"/>
-              </a:lnSpc>
-              <a:defRPr/>
-            </a:pPr>
-            <a:r>
-              <a:rPr lang="en-US" altLang="ko-KR" sz="2000" dirty="0" smtClean="0">
-                <a:latin typeface="Calibri" panose="020F0502020204030204" pitchFamily="34" charset="0"/>
-                <a:cs typeface="Calibri" panose="020F0502020204030204" pitchFamily="34" charset="0"/>
-              </a:rPr>
-              <a:t>Access putty and add below lines in your </a:t>
-            </a:r>
-            <a:r>
-              <a:rPr lang="en-US" altLang="ko-KR" sz="2000" dirty="0" smtClean="0">
-                <a:solidFill>
-                  <a:srgbClr val="FF0000"/>
-                </a:solidFill>
-                <a:latin typeface="Calibri" panose="020F0502020204030204" pitchFamily="34" charset="0"/>
-                <a:cs typeface="Calibri" panose="020F0502020204030204" pitchFamily="34" charset="0"/>
-              </a:rPr>
-              <a:t>.</a:t>
-            </a:r>
-            <a:r>
-              <a:rPr lang="en-US" altLang="ko-KR" sz="2000" dirty="0" err="1" smtClean="0">
-                <a:solidFill>
-                  <a:srgbClr val="FF0000"/>
-                </a:solidFill>
-                <a:latin typeface="Calibri" panose="020F0502020204030204" pitchFamily="34" charset="0"/>
-                <a:cs typeface="Calibri" panose="020F0502020204030204" pitchFamily="34" charset="0"/>
-              </a:rPr>
-              <a:t>bashrc</a:t>
-            </a:r>
-            <a:r>
-              <a:rPr lang="en-US" altLang="ko-KR" sz="2000" dirty="0" smtClean="0">
-                <a:solidFill>
-                  <a:srgbClr val="FF0000"/>
-                </a:solidFill>
-                <a:latin typeface="Calibri" panose="020F0502020204030204" pitchFamily="34" charset="0"/>
-                <a:cs typeface="Calibri" panose="020F0502020204030204" pitchFamily="34" charset="0"/>
-              </a:rPr>
-              <a:t> </a:t>
-            </a:r>
-            <a:r>
-              <a:rPr lang="en-US" altLang="ko-KR" sz="2000" dirty="0" smtClean="0">
-                <a:latin typeface="Calibri" panose="020F0502020204030204" pitchFamily="34" charset="0"/>
-                <a:cs typeface="Calibri" panose="020F0502020204030204" pitchFamily="34" charset="0"/>
-              </a:rPr>
-              <a:t>file (for use of “</a:t>
-            </a:r>
-            <a:r>
-              <a:rPr lang="en-US" altLang="ko-KR" sz="2000" dirty="0" err="1" smtClean="0">
-                <a:latin typeface="Calibri" panose="020F0502020204030204" pitchFamily="34" charset="0"/>
-                <a:cs typeface="Calibri" panose="020F0502020204030204" pitchFamily="34" charset="0"/>
-              </a:rPr>
-              <a:t>zeo</a:t>
-            </a:r>
-            <a:r>
-              <a:rPr lang="en-US" altLang="ko-KR" sz="2000" dirty="0" smtClean="0">
-                <a:latin typeface="Calibri" panose="020F0502020204030204" pitchFamily="34" charset="0"/>
-                <a:cs typeface="Calibri" panose="020F0502020204030204" pitchFamily="34" charset="0"/>
-              </a:rPr>
-              <a:t>++”)</a:t>
-            </a:r>
-          </a:p>
-          <a:p>
-            <a:pPr lvl="1">
+              <a:t>, you succeeded for part (a)</a:t>
+            </a:r>
+          </a:p>
+          <a:p>
+            <a:pPr>
               <a:lnSpc>
                 <a:spcPct val="90000"/>
               </a:lnSpc>
@@ -13215,7 +10083,7 @@
             </a:endParaRPr>
           </a:p>
           <a:p>
-            <a:pPr lvl="1">
+            <a:pPr>
               <a:lnSpc>
                 <a:spcPct val="90000"/>
               </a:lnSpc>
@@ -13227,7 +10095,7 @@
             </a:endParaRPr>
           </a:p>
           <a:p>
-            <a:pPr lvl="1">
+            <a:pPr>
               <a:lnSpc>
                 <a:spcPct val="90000"/>
               </a:lnSpc>
@@ -13239,7 +10107,7 @@
             </a:endParaRPr>
           </a:p>
           <a:p>
-            <a:pPr lvl="1">
+            <a:pPr>
               <a:lnSpc>
                 <a:spcPct val="90000"/>
               </a:lnSpc>
@@ -13251,7 +10119,7 @@
             </a:endParaRPr>
           </a:p>
           <a:p>
-            <a:pPr lvl="1">
+            <a:pPr>
               <a:lnSpc>
                 <a:spcPct val="90000"/>
               </a:lnSpc>
@@ -13263,36 +10131,19 @@
             </a:endParaRPr>
           </a:p>
           <a:p>
-            <a:pPr lvl="1">
+            <a:pPr>
               <a:lnSpc>
                 <a:spcPct val="90000"/>
               </a:lnSpc>
               <a:defRPr/>
             </a:pPr>
-            <a:r>
-              <a:rPr lang="en-US" altLang="ko-KR" sz="2000" dirty="0" smtClean="0">
-                <a:latin typeface="Calibri" panose="020F0502020204030204" pitchFamily="34" charset="0"/>
-                <a:cs typeface="Calibri" panose="020F0502020204030204" pitchFamily="34" charset="0"/>
-              </a:rPr>
-              <a:t>In each of your account, we have made a folder Homework5/</a:t>
-            </a:r>
-            <a:r>
-              <a:rPr lang="en-US" altLang="ko-KR" sz="2000" dirty="0" err="1" smtClean="0">
-                <a:latin typeface="Calibri" panose="020F0502020204030204" pitchFamily="34" charset="0"/>
-                <a:cs typeface="Calibri" panose="020F0502020204030204" pitchFamily="34" charset="0"/>
-              </a:rPr>
-              <a:t>zeo</a:t>
-            </a:r>
-            <a:r>
-              <a:rPr lang="en-US" altLang="ko-KR" sz="2000" dirty="0" smtClean="0">
-                <a:latin typeface="Calibri" panose="020F0502020204030204" pitchFamily="34" charset="0"/>
-                <a:cs typeface="Calibri" panose="020F0502020204030204" pitchFamily="34" charset="0"/>
-              </a:rPr>
-              <a:t>++</a:t>
-            </a:r>
-          </a:p>
-          <a:p>
-            <a:pPr lvl="1">
+            <a:endParaRPr lang="en-US" altLang="ko-KR" sz="2000" dirty="0" smtClean="0">
+              <a:latin typeface="Calibri" panose="020F0502020204030204" pitchFamily="34" charset="0"/>
+              <a:cs typeface="Calibri" panose="020F0502020204030204" pitchFamily="34" charset="0"/>
+            </a:endParaRPr>
+          </a:p>
+          <a:p>
+            <a:pPr>
               <a:lnSpc>
                 <a:spcPct val="90000"/>
               </a:lnSpc>
@@ -13304,7 +10155,7 @@
             </a:endParaRPr>
           </a:p>
           <a:p>
-            <a:pPr lvl="1">
+            <a:pPr>
               <a:lnSpc>
                 <a:spcPct val="90000"/>
               </a:lnSpc>
@@ -13316,19 +10167,12 @@
             </a:endParaRPr>
           </a:p>
           <a:p>
-            <a:pPr lvl="1">
+            <a:pPr>
               <a:lnSpc>
                 <a:spcPct val="90000"/>
               </a:lnSpc>
               <a:defRPr/>
             </a:pPr>
-            <a:r>
-              <a:rPr lang="en-US" altLang="ko-KR" sz="2000" dirty="0" smtClean="0">
-                <a:latin typeface="Calibri" panose="020F0502020204030204" pitchFamily="34" charset="0"/>
-                <a:cs typeface="Calibri" panose="020F0502020204030204" pitchFamily="34" charset="0"/>
-              </a:rPr>
-              <a:t>As an example I will do the case for “acs+N422+E45”</a:t>
-            </a:r>
             <a:endParaRPr lang="en-US" altLang="ko-KR" sz="2000" dirty="0">
               <a:latin typeface="Calibri" panose="020F0502020204030204" pitchFamily="34" charset="0"/>
               <a:cs typeface="Calibri" panose="020F0502020204030204" pitchFamily="34" charset="0"/>
@@ -13358,150 +10202,6 @@
             <a:endParaRPr lang="en-US" altLang="ko-KR" sz="2000" dirty="0" smtClean="0">
               <a:latin typeface="Calibri" panose="020F0502020204030204" pitchFamily="34" charset="0"/>
               <a:cs typeface="Calibri" panose="020F0502020204030204" pitchFamily="34" charset="0"/>
-            </a:endParaRPr>
-          </a:p>
-          <a:p>
-            <a:pPr>
-              <a:lnSpc>
-                <a:spcPct val="90000"/>
-              </a:lnSpc>
-              <a:defRPr/>
-            </a:pPr>
-            <a:endParaRPr lang="en-US" altLang="ko-KR" sz="2000" dirty="0" smtClean="0">
-              <a:latin typeface="Calibri" panose="020F0502020204030204" pitchFamily="34" charset="0"/>
-              <a:cs typeface="Calibri" panose="020F0502020204030204" pitchFamily="34" charset="0"/>
-            </a:endParaRPr>
-          </a:p>
-        </p:txBody>
-      </p:sp>
-      <p:sp>
-        <p:nvSpPr>
-          <p:cNvPr id="3" name="TextBox 2"/>
-          <p:cNvSpPr txBox="1"/>
-          <p:nvPr/>
-        </p:nvSpPr>
-        <p:spPr>
-          <a:xfrm>
-            <a:off x="1312430" y="2402055"/>
-            <a:ext cx="5922840" cy="1600438"/>
-          </a:xfrm>
-          <a:prstGeom prst="rect">
-            <a:avLst/>
-          </a:prstGeom>
-          <a:noFill/>
-          <a:ln w="12700">
-            <a:solidFill>
-              <a:schemeClr val="accent1"/>
-            </a:solidFill>
-          </a:ln>
-        </p:spPr>
-        <p:txBody>
-          <a:bodyPr wrap="none" rtlCol="0">
-            <a:spAutoFit/>
-          </a:bodyPr>
-          <a:lstStyle/>
-          <a:p>
-            <a:r>
-              <a:rPr lang="en-US" altLang="ko-KR" sz="1400" dirty="0">
-                <a:cs typeface="Arial" panose="020B0604020202020204" pitchFamily="34" charset="0"/>
-              </a:rPr>
-              <a:t># GCC</a:t>
-            </a:r>
-          </a:p>
-          <a:p>
-            <a:endParaRPr lang="en-US" altLang="ko-KR" sz="1400" dirty="0">
-              <a:cs typeface="Arial" panose="020B0604020202020204" pitchFamily="34" charset="0"/>
-            </a:endParaRPr>
-          </a:p>
-          <a:p>
-            <a:r>
-              <a:rPr lang="en-US" altLang="ko-KR" sz="1400" dirty="0">
-                <a:cs typeface="Arial" panose="020B0604020202020204" pitchFamily="34" charset="0"/>
-              </a:rPr>
-              <a:t>export GCC=/</a:t>
-            </a:r>
-            <a:r>
-              <a:rPr lang="en-US" altLang="ko-KR" sz="1400" dirty="0" err="1">
-                <a:cs typeface="Arial" panose="020B0604020202020204" pitchFamily="34" charset="0"/>
-              </a:rPr>
-              <a:t>appl</a:t>
-            </a:r>
-            <a:r>
-              <a:rPr lang="en-US" altLang="ko-KR" sz="1400" dirty="0">
-                <a:cs typeface="Arial" panose="020B0604020202020204" pitchFamily="34" charset="0"/>
-              </a:rPr>
-              <a:t>/</a:t>
-            </a:r>
-            <a:r>
-              <a:rPr lang="en-US" altLang="ko-KR" sz="1400" dirty="0" err="1">
-                <a:cs typeface="Arial" panose="020B0604020202020204" pitchFamily="34" charset="0"/>
-              </a:rPr>
-              <a:t>molsim-gcc</a:t>
-            </a:r>
-            <a:r>
-              <a:rPr lang="en-US" altLang="ko-KR" sz="1400" dirty="0">
-                <a:cs typeface="Arial" panose="020B0604020202020204" pitchFamily="34" charset="0"/>
-              </a:rPr>
-              <a:t>/build-5.3.0</a:t>
-            </a:r>
-          </a:p>
-          <a:p>
-            <a:r>
-              <a:rPr lang="en-US" altLang="ko-KR" sz="1400" dirty="0">
-                <a:cs typeface="Arial" panose="020B0604020202020204" pitchFamily="34" charset="0"/>
-              </a:rPr>
-              <a:t>export C_INCLUDE_PATH=$GCC/include/</a:t>
-            </a:r>
-            <a:r>
-              <a:rPr lang="en-US" altLang="ko-KR" sz="1400" dirty="0" err="1">
-                <a:cs typeface="Arial" panose="020B0604020202020204" pitchFamily="34" charset="0"/>
-              </a:rPr>
-              <a:t>c++</a:t>
-            </a:r>
-            <a:r>
-              <a:rPr lang="en-US" altLang="ko-KR" sz="1400" dirty="0">
-                <a:cs typeface="Arial" panose="020B0604020202020204" pitchFamily="34" charset="0"/>
-              </a:rPr>
-              <a:t>/5.3.0/</a:t>
-            </a:r>
-          </a:p>
-          <a:p>
-            <a:r>
-              <a:rPr lang="en-US" altLang="ko-KR" sz="1400" dirty="0">
-                <a:cs typeface="Arial" panose="020B0604020202020204" pitchFamily="34" charset="0"/>
-              </a:rPr>
-              <a:t>export CPLUS_INCLUDE_PATH=$GCC/include/</a:t>
-            </a:r>
-            <a:r>
-              <a:rPr lang="en-US" altLang="ko-KR" sz="1400" dirty="0" err="1">
-                <a:cs typeface="Arial" panose="020B0604020202020204" pitchFamily="34" charset="0"/>
-              </a:rPr>
-              <a:t>c++</a:t>
-            </a:r>
-            <a:r>
-              <a:rPr lang="en-US" altLang="ko-KR" sz="1400" dirty="0">
-                <a:cs typeface="Arial" panose="020B0604020202020204" pitchFamily="34" charset="0"/>
-              </a:rPr>
-              <a:t>/5.3.0/</a:t>
-            </a:r>
-          </a:p>
-          <a:p>
-            <a:r>
-              <a:rPr lang="en-US" altLang="ko-KR" sz="1400" dirty="0">
-                <a:cs typeface="Arial" panose="020B0604020202020204" pitchFamily="34" charset="0"/>
-              </a:rPr>
-              <a:t>export LD_LIBRARY_PATH=$GCC/lib64:$PPL/lib:$LD_LIBRARY_PATH</a:t>
-            </a:r>
-          </a:p>
-          <a:p>
-            <a:r>
-              <a:rPr lang="en-US" altLang="ko-KR" sz="1400" dirty="0">
-                <a:cs typeface="Arial" panose="020B0604020202020204" pitchFamily="34" charset="0"/>
-              </a:rPr>
-              <a:t>export PATH=$GCC/bin:$PATH</a:t>
-            </a:r>
-            <a:endParaRPr lang="ko-KR" altLang="en-US" sz="1400" dirty="0">
-              <a:cs typeface="Arial" panose="020B0604020202020204" pitchFamily="34" charset="0"/>
             </a:endParaRPr>
           </a:p>
         </p:txBody>
@@ -13522,174 +10222,18 @@
         </p:blipFill>
         <p:spPr>
           <a:xfrm>
-            <a:off x="876040" y="4389088"/>
-            <a:ext cx="7497221" cy="457264"/>
+            <a:off x="2122638" y="2198283"/>
+            <a:ext cx="4062031" cy="3769945"/>
           </a:xfrm>
           <a:prstGeom prst="rect">
             <a:avLst/>
           </a:prstGeom>
         </p:spPr>
       </p:pic>
-      <p:pic>
-        <p:nvPicPr>
-          <p:cNvPr id="7" name="그림 6"/>
-          <p:cNvPicPr>
-            <a:picLocks noChangeAspect="1"/>
-          </p:cNvPicPr>
-          <p:nvPr/>
-        </p:nvPicPr>
-        <p:blipFill>
-          <a:blip r:embed="rId4"/>
-          <a:stretch>
-            <a:fillRect/>
-          </a:stretch>
-        </p:blipFill>
-        <p:spPr>
-          <a:xfrm>
-            <a:off x="876039" y="5460812"/>
-            <a:ext cx="7497221" cy="647790"/>
-          </a:xfrm>
-          <a:prstGeom prst="rect">
-            <a:avLst/>
-          </a:prstGeom>
-        </p:spPr>
-      </p:pic>
-      <p:sp>
-        <p:nvSpPr>
-          <p:cNvPr id="6" name="모서리가 둥근 직사각형 5"/>
-          <p:cNvSpPr/>
-          <p:nvPr/>
-        </p:nvSpPr>
-        <p:spPr>
-          <a:xfrm>
-            <a:off x="2519160" y="5877098"/>
-            <a:ext cx="747741" cy="231504"/>
-          </a:xfrm>
-          <a:prstGeom prst="roundRect">
-            <a:avLst/>
-          </a:prstGeom>
-          <a:noFill/>
-          <a:ln w="25400">
-            <a:solidFill>
-              <a:srgbClr val="FF0000"/>
-            </a:solidFill>
-            <a:prstDash val="sysDash"/>
-          </a:ln>
-        </p:spPr>
-        <p:style>
-          <a:lnRef idx="2">
-            <a:schemeClr val="accent1">
-              <a:shade val="50000"/>
-            </a:schemeClr>
-          </a:lnRef>
-          <a:fillRef idx="1">
-            <a:schemeClr val="accent1"/>
-          </a:fillRef>
-          <a:effectRef idx="0">
-            <a:schemeClr val="accent1"/>
-          </a:effectRef>
-          <a:fontRef idx="minor">
-            <a:schemeClr val="lt1"/>
-          </a:fontRef>
-        </p:style>
-        <p:txBody>
-          <a:bodyPr rtlCol="0" anchor="ctr"/>
-          <a:lstStyle/>
-          <a:p>
-            <a:pPr algn="ctr"/>
-            <a:endParaRPr lang="ko-KR" altLang="en-US"/>
-          </a:p>
-        </p:txBody>
-      </p:sp>
-      <p:cxnSp>
-        <p:nvCxnSpPr>
-          <p:cNvPr id="9" name="직선 화살표 연결선 8"/>
-          <p:cNvCxnSpPr>
-            <a:stCxn id="6" idx="3"/>
-            <a:endCxn id="10" idx="1"/>
-          </p:cNvCxnSpPr>
-          <p:nvPr/>
-        </p:nvCxnSpPr>
-        <p:spPr>
-          <a:xfrm>
-            <a:off x="3266901" y="5992850"/>
-            <a:ext cx="1494015" cy="363500"/>
-          </a:xfrm>
-          <a:prstGeom prst="straightConnector1">
-            <a:avLst/>
-          </a:prstGeom>
-          <a:ln w="12700">
-            <a:solidFill>
-              <a:srgbClr val="FF0000"/>
-            </a:solidFill>
-            <a:tailEnd type="triangle"/>
-          </a:ln>
-        </p:spPr>
-        <p:style>
-          <a:lnRef idx="1">
-            <a:schemeClr val="accent1"/>
-          </a:lnRef>
-          <a:fillRef idx="0">
-            <a:schemeClr val="accent1"/>
-          </a:fillRef>
-          <a:effectRef idx="0">
-            <a:schemeClr val="accent1"/>
-          </a:effectRef>
-          <a:fontRef idx="minor">
-            <a:schemeClr val="tx1"/>
-          </a:fontRef>
-        </p:style>
-      </p:cxnSp>
-      <p:sp>
-        <p:nvSpPr>
-          <p:cNvPr id="10" name="TextBox 9"/>
-          <p:cNvSpPr txBox="1"/>
-          <p:nvPr/>
-        </p:nvSpPr>
-        <p:spPr>
-          <a:xfrm>
-            <a:off x="4760916" y="6187073"/>
-            <a:ext cx="2305439" cy="338554"/>
-          </a:xfrm>
-          <a:prstGeom prst="rect">
-            <a:avLst/>
-          </a:prstGeom>
-          <a:noFill/>
-        </p:spPr>
-        <p:txBody>
-          <a:bodyPr wrap="none" rtlCol="0">
-            <a:spAutoFit/>
-          </a:bodyPr>
-          <a:lstStyle/>
-          <a:p>
-            <a:r>
-              <a:rPr lang="en-US" altLang="ko-KR" sz="1600" dirty="0" err="1" smtClean="0">
-                <a:solidFill>
-                  <a:srgbClr val="FF0000"/>
-                </a:solidFill>
-              </a:rPr>
-              <a:t>zeo</a:t>
-            </a:r>
-            <a:r>
-              <a:rPr lang="en-US" altLang="ko-KR" sz="1600" dirty="0" smtClean="0">
-                <a:solidFill>
-                  <a:srgbClr val="FF0000"/>
-                </a:solidFill>
-              </a:rPr>
-              <a:t>++ executable code</a:t>
-            </a:r>
-            <a:endParaRPr lang="ko-KR" altLang="en-US" sz="1600" dirty="0">
-              <a:solidFill>
-                <a:srgbClr val="FF0000"/>
-              </a:solidFill>
-            </a:endParaRPr>
-          </a:p>
-        </p:txBody>
-      </p:sp>
     </p:spTree>
     <p:extLst>
       <p:ext uri="{BB962C8B-B14F-4D97-AF65-F5344CB8AC3E}">
-        <p14:creationId xmlns:p14="http://schemas.microsoft.com/office/powerpoint/2010/main" val="792651411"/>
+        <p14:creationId xmlns:p14="http://schemas.microsoft.com/office/powerpoint/2010/main" val="2821279192"/>
       </p:ext>
     </p:extLst>
   </p:cSld>
@@ -13725,72 +10269,6 @@
       </p:grpSpPr>
       <p:sp>
         <p:nvSpPr>
-          <p:cNvPr id="15362" name="Rectangle 2"/>
-          <p:cNvSpPr>
-            <a:spLocks noGrp="1" noChangeArrowheads="1"/>
-          </p:cNvSpPr>
-          <p:nvPr>
-            <p:ph type="title" sz="quarter"/>
-          </p:nvPr>
-        </p:nvSpPr>
-        <p:spPr>
-          <a:xfrm>
-            <a:off x="0" y="0"/>
-            <a:ext cx="9144000" cy="971550"/>
-          </a:xfrm>
-        </p:spPr>
-        <p:txBody>
-          <a:bodyPr/>
-          <a:lstStyle/>
-          <a:p>
-            <a:pPr algn="ctr"/>
-            <a:r>
-              <a:rPr lang="en-US" altLang="ko-KR" sz="2800" b="1" dirty="0">
-                <a:latin typeface="Calibri" panose="020F0502020204030204" pitchFamily="34" charset="0"/>
-                <a:ea typeface="Verdana" pitchFamily="34" charset="0"/>
-                <a:cs typeface="Calibri" panose="020F0502020204030204" pitchFamily="34" charset="0"/>
-              </a:rPr>
-              <a:t>Problem Set #2</a:t>
-            </a:r>
-          </a:p>
-        </p:txBody>
-      </p:sp>
-      <p:sp>
-        <p:nvSpPr>
-          <p:cNvPr id="2" name="Slide Number Placeholder 1"/>
-          <p:cNvSpPr>
-            <a:spLocks noGrp="1"/>
-          </p:cNvSpPr>
-          <p:nvPr>
-            <p:ph type="sldNum" sz="quarter" idx="12"/>
-          </p:nvPr>
-        </p:nvSpPr>
-        <p:spPr>
-          <a:xfrm>
-            <a:off x="612775" y="6356350"/>
-            <a:ext cx="1981200" cy="366713"/>
-          </a:xfrm>
-        </p:spPr>
-        <p:txBody>
-          <a:bodyPr/>
-          <a:lstStyle/>
-          <a:p>
-            <a:pPr>
-              <a:defRPr/>
-            </a:pPr>
-            <a:fld id="{3850345A-1D96-42EE-B598-5ADBF25B71C7}" type="slidenum">
-              <a:rPr lang="en-US" altLang="ko-KR" smtClean="0"/>
-              <a:pPr>
-                <a:defRPr/>
-              </a:pPr>
-              <a:t>7</a:t>
-            </a:fld>
-            <a:endParaRPr lang="en-US" altLang="ko-KR" dirty="0"/>
-          </a:p>
-        </p:txBody>
-      </p:sp>
-      <p:sp>
-        <p:nvSpPr>
           <p:cNvPr id="4" name="Content Placeholder 11"/>
           <p:cNvSpPr>
             <a:spLocks noGrp="1"/>
@@ -13801,8 +10279,8 @@
         </p:nvSpPr>
         <p:spPr>
           <a:xfrm>
-            <a:off x="354684" y="1281924"/>
-            <a:ext cx="8539934" cy="5441139"/>
+            <a:off x="346169" y="1281924"/>
+            <a:ext cx="8733862" cy="5441139"/>
           </a:xfrm>
           <a:noFill/>
           <a:ln>
@@ -13942,28 +10420,38 @@
                 <a:latin typeface="Calibri" panose="020F0502020204030204" pitchFamily="34" charset="0"/>
                 <a:cs typeface="Calibri" panose="020F0502020204030204" pitchFamily="34" charset="0"/>
               </a:rPr>
-              <a:t>Part(a) </a:t>
-            </a:r>
-            <a:r>
-              <a:rPr lang="en-US" altLang="ko-KR" sz="2000" dirty="0">
+              <a:t>In Part(a), we predicted </a:t>
+            </a:r>
+            <a:r>
+              <a:rPr lang="en-US" altLang="ko-KR" sz="2000" dirty="0" smtClean="0">
+                <a:solidFill>
+                  <a:srgbClr val="FF0000"/>
+                </a:solidFill>
                 <a:latin typeface="Calibri" panose="020F0502020204030204" pitchFamily="34" charset="0"/>
                 <a:cs typeface="Calibri" panose="020F0502020204030204" pitchFamily="34" charset="0"/>
               </a:rPr>
-              <a:t>: you should fill in the missing </a:t>
-            </a:r>
-            <a:r>
-              <a:rPr lang="en-US" altLang="ko-KR" sz="2000" dirty="0" err="1">
+              <a:t>WC</a:t>
+            </a:r>
+            <a:r>
+              <a:rPr lang="en-US" altLang="ko-KR" sz="2000" dirty="0" smtClean="0">
                 <a:latin typeface="Calibri" panose="020F0502020204030204" pitchFamily="34" charset="0"/>
                 <a:cs typeface="Calibri" panose="020F0502020204030204" pitchFamily="34" charset="0"/>
               </a:rPr>
+              <a:t> of MOF with </a:t>
+            </a:r>
+            <a:r>
+              <a:rPr lang="en-US" altLang="ko-KR" sz="2000" dirty="0" err="1" smtClean="0">
+                <a:latin typeface="Calibri" panose="020F0502020204030204" pitchFamily="34" charset="0"/>
+                <a:cs typeface="Calibri" panose="020F0502020204030204" pitchFamily="34" charset="0"/>
+              </a:rPr>
               <a:t>zeo</a:t>
             </a:r>
             <a:r>
-              <a:rPr lang="en-US" altLang="ko-KR" sz="2000" dirty="0">
+              <a:rPr lang="en-US" altLang="ko-KR" sz="2000" dirty="0" smtClean="0">
                 <a:latin typeface="Calibri" panose="020F0502020204030204" pitchFamily="34" charset="0"/>
                 <a:cs typeface="Calibri" panose="020F0502020204030204" pitchFamily="34" charset="0"/>
               </a:rPr>
-              <a:t>++ data</a:t>
+              <a:t>++ data. </a:t>
             </a:r>
           </a:p>
           <a:p>
@@ -13973,6 +10461,13 @@
               </a:lnSpc>
               <a:defRPr/>
             </a:pPr>
+            <a:r>
+              <a:rPr lang="en-US" altLang="ko-KR" sz="2000" dirty="0" smtClean="0">
+                <a:latin typeface="Calibri" panose="020F0502020204030204" pitchFamily="34" charset="0"/>
+                <a:cs typeface="Calibri" panose="020F0502020204030204" pitchFamily="34" charset="0"/>
+              </a:rPr>
+              <a:t>In Part(b), we will predict working capacity(CH4) of MOF with different representation method using “topology and constituents”</a:t>
+            </a:r>
             <a:endParaRPr lang="en-US" altLang="ko-KR" sz="2000" dirty="0">
               <a:latin typeface="Calibri" panose="020F0502020204030204" pitchFamily="34" charset="0"/>
               <a:cs typeface="Calibri" panose="020F0502020204030204" pitchFamily="34" charset="0"/>
@@ -13985,7 +10480,86 @@
               </a:lnSpc>
               <a:defRPr/>
             </a:pPr>
-            <a:endParaRPr lang="en-US" altLang="ko-KR" sz="2000" dirty="0" smtClean="0">
+            <a:r>
+              <a:rPr lang="en-US" altLang="ko-KR" sz="2000" dirty="0" smtClean="0">
+                <a:latin typeface="Calibri" panose="020F0502020204030204" pitchFamily="34" charset="0"/>
+                <a:cs typeface="Calibri" panose="020F0502020204030204" pitchFamily="34" charset="0"/>
+              </a:rPr>
+              <a:t>In folder [Problem set2], you can see “MOF_wc_data.csv</a:t>
+            </a:r>
+            <a:r>
+              <a:rPr lang="en-US" altLang="ko-KR" sz="2000" dirty="0">
+                <a:latin typeface="Calibri" panose="020F0502020204030204" pitchFamily="34" charset="0"/>
+                <a:cs typeface="Calibri" panose="020F0502020204030204" pitchFamily="34" charset="0"/>
+              </a:rPr>
+              <a:t>” and </a:t>
+            </a:r>
+            <a:r>
+              <a:rPr lang="en-US" altLang="ko-KR" sz="2000" dirty="0" smtClean="0">
+                <a:latin typeface="Calibri" panose="020F0502020204030204" pitchFamily="34" charset="0"/>
+                <a:cs typeface="Calibri" panose="020F0502020204030204" pitchFamily="34" charset="0"/>
+              </a:rPr>
+              <a:t>“Problem_set2_constitution_representation.ipynb” files</a:t>
+            </a:r>
+          </a:p>
+          <a:p>
+            <a:pPr>
+              <a:lnSpc>
+                <a:spcPct val="90000"/>
+              </a:lnSpc>
+              <a:defRPr/>
+            </a:pPr>
+            <a:r>
+              <a:rPr lang="en-US" altLang="ko-KR" sz="2000" dirty="0" smtClean="0">
+                <a:latin typeface="Calibri" panose="020F0502020204030204" pitchFamily="34" charset="0"/>
+                <a:cs typeface="Calibri" panose="020F0502020204030204" pitchFamily="34" charset="0"/>
+              </a:rPr>
+              <a:t>Execute till “Build and train Model” part</a:t>
+            </a:r>
+          </a:p>
+          <a:p>
+            <a:pPr>
+              <a:lnSpc>
+                <a:spcPct val="90000"/>
+              </a:lnSpc>
+              <a:defRPr/>
+            </a:pPr>
+            <a:r>
+              <a:rPr lang="en-US" altLang="ko-KR" sz="2000" dirty="0" smtClean="0">
+                <a:latin typeface="Calibri" panose="020F0502020204030204" pitchFamily="34" charset="0"/>
+                <a:cs typeface="Calibri" panose="020F0502020204030204" pitchFamily="34" charset="0"/>
+              </a:rPr>
+              <a:t>Part(b) </a:t>
+            </a:r>
+            <a:r>
+              <a:rPr lang="en-US" altLang="ko-KR" sz="2000" dirty="0">
+                <a:latin typeface="Calibri" panose="020F0502020204030204" pitchFamily="34" charset="0"/>
+                <a:cs typeface="Calibri" panose="020F0502020204030204" pitchFamily="34" charset="0"/>
+              </a:rPr>
+              <a:t>: Fill in the blanks of “Build </a:t>
+            </a:r>
+            <a:r>
+              <a:rPr lang="en-US" altLang="ko-KR" sz="2000" dirty="0" smtClean="0">
+                <a:latin typeface="Calibri" panose="020F0502020204030204" pitchFamily="34" charset="0"/>
+                <a:cs typeface="Calibri" panose="020F0502020204030204" pitchFamily="34" charset="0"/>
+              </a:rPr>
+              <a:t>and train Model” of the .</a:t>
+            </a:r>
+            <a:r>
+              <a:rPr lang="en-US" altLang="ko-KR" sz="2000" dirty="0" err="1" smtClean="0">
+                <a:latin typeface="Calibri" panose="020F0502020204030204" pitchFamily="34" charset="0"/>
+                <a:cs typeface="Calibri" panose="020F0502020204030204" pitchFamily="34" charset="0"/>
+              </a:rPr>
+              <a:t>ipynb</a:t>
+            </a:r>
+            <a:r>
+              <a:rPr lang="en-US" altLang="ko-KR" sz="2000" dirty="0" smtClean="0">
+                <a:latin typeface="Calibri" panose="020F0502020204030204" pitchFamily="34" charset="0"/>
+                <a:cs typeface="Calibri" panose="020F0502020204030204" pitchFamily="34" charset="0"/>
+              </a:rPr>
+              <a:t> file</a:t>
+            </a:r>
+            <a:endParaRPr lang="en-US" altLang="ko-KR" sz="2000" dirty="0">
               <a:latin typeface="Calibri" panose="020F0502020204030204" pitchFamily="34" charset="0"/>
               <a:cs typeface="Calibri" panose="020F0502020204030204" pitchFamily="34" charset="0"/>
             </a:endParaRPr>
@@ -13997,245 +10571,13 @@
               </a:lnSpc>
               <a:defRPr/>
             </a:pPr>
-            <a:r>
-              <a:rPr lang="en-US" altLang="ko-KR" sz="2000" dirty="0" smtClean="0">
-                <a:latin typeface="Calibri" panose="020F0502020204030204" pitchFamily="34" charset="0"/>
-                <a:cs typeface="Calibri" panose="020F0502020204030204" pitchFamily="34" charset="0"/>
-              </a:rPr>
-              <a:t>As you can see above I made a ".</a:t>
-            </a:r>
-            <a:r>
-              <a:rPr lang="en-US" altLang="ko-KR" sz="2000" dirty="0" err="1" smtClean="0">
-                <a:latin typeface="Calibri" panose="020F0502020204030204" pitchFamily="34" charset="0"/>
-                <a:cs typeface="Calibri" panose="020F0502020204030204" pitchFamily="34" charset="0"/>
-              </a:rPr>
-              <a:t>qsub</a:t>
-            </a:r>
-            <a:r>
-              <a:rPr lang="en-US" altLang="ko-KR" sz="2000" dirty="0" smtClean="0">
-                <a:latin typeface="Calibri" panose="020F0502020204030204" pitchFamily="34" charset="0"/>
-                <a:cs typeface="Calibri" panose="020F0502020204030204" pitchFamily="34" charset="0"/>
-              </a:rPr>
-              <a:t>” file and contents of it is as below</a:t>
-            </a:r>
-          </a:p>
-          <a:p>
-            <a:pPr lvl="1">
-              <a:lnSpc>
-                <a:spcPct val="90000"/>
-              </a:lnSpc>
-              <a:defRPr/>
-            </a:pPr>
             <a:endParaRPr lang="en-US" altLang="ko-KR" sz="2000" dirty="0">
               <a:latin typeface="Calibri" panose="020F0502020204030204" pitchFamily="34" charset="0"/>
               <a:cs typeface="Calibri" panose="020F0502020204030204" pitchFamily="34" charset="0"/>
             </a:endParaRPr>
           </a:p>
           <a:p>
-            <a:pPr lvl="1">
-              <a:lnSpc>
-                <a:spcPct val="90000"/>
-              </a:lnSpc>
-              <a:defRPr/>
-            </a:pPr>
-            <a:endParaRPr lang="en-US" altLang="ko-KR" sz="2000" dirty="0" smtClean="0">
-              <a:latin typeface="Calibri" panose="020F0502020204030204" pitchFamily="34" charset="0"/>
-              <a:cs typeface="Calibri" panose="020F0502020204030204" pitchFamily="34" charset="0"/>
-            </a:endParaRPr>
-          </a:p>
-          <a:p>
-            <a:pPr lvl="1">
-              <a:lnSpc>
-                <a:spcPct val="90000"/>
-              </a:lnSpc>
-              <a:defRPr/>
-            </a:pPr>
-            <a:endParaRPr lang="en-US" altLang="ko-KR" sz="2000" dirty="0">
-              <a:latin typeface="Calibri" panose="020F0502020204030204" pitchFamily="34" charset="0"/>
-              <a:cs typeface="Calibri" panose="020F0502020204030204" pitchFamily="34" charset="0"/>
-            </a:endParaRPr>
-          </a:p>
-          <a:p>
-            <a:pPr lvl="1">
-              <a:lnSpc>
-                <a:spcPct val="90000"/>
-              </a:lnSpc>
-              <a:defRPr/>
-            </a:pPr>
-            <a:endParaRPr lang="en-US" altLang="ko-KR" sz="2000" dirty="0" smtClean="0">
-              <a:latin typeface="Calibri" panose="020F0502020204030204" pitchFamily="34" charset="0"/>
-              <a:cs typeface="Calibri" panose="020F0502020204030204" pitchFamily="34" charset="0"/>
-            </a:endParaRPr>
-          </a:p>
-          <a:p>
-            <a:pPr lvl="1">
-              <a:lnSpc>
-                <a:spcPct val="90000"/>
-              </a:lnSpc>
-              <a:defRPr/>
-            </a:pPr>
-            <a:endParaRPr lang="en-US" altLang="ko-KR" sz="2000" dirty="0">
-              <a:latin typeface="Calibri" panose="020F0502020204030204" pitchFamily="34" charset="0"/>
-              <a:cs typeface="Calibri" panose="020F0502020204030204" pitchFamily="34" charset="0"/>
-            </a:endParaRPr>
-          </a:p>
-          <a:p>
-            <a:pPr lvl="1">
-              <a:lnSpc>
-                <a:spcPct val="90000"/>
-              </a:lnSpc>
-              <a:defRPr/>
-            </a:pPr>
-            <a:r>
-              <a:rPr lang="en-US" altLang="ko-KR" sz="2000" dirty="0" smtClean="0">
-                <a:latin typeface="Calibri" panose="020F0502020204030204" pitchFamily="34" charset="0"/>
-                <a:cs typeface="Calibri" panose="020F0502020204030204" pitchFamily="34" charset="0"/>
-              </a:rPr>
-              <a:t>Then submit your </a:t>
-            </a:r>
-            <a:r>
-              <a:rPr lang="en-US" altLang="ko-KR" sz="2000" dirty="0" err="1" smtClean="0">
-                <a:latin typeface="Calibri" panose="020F0502020204030204" pitchFamily="34" charset="0"/>
-                <a:cs typeface="Calibri" panose="020F0502020204030204" pitchFamily="34" charset="0"/>
-              </a:rPr>
-              <a:t>qsub</a:t>
-            </a:r>
-            <a:r>
-              <a:rPr lang="en-US" altLang="ko-KR" sz="2000" dirty="0" smtClean="0">
-                <a:latin typeface="Calibri" panose="020F0502020204030204" pitchFamily="34" charset="0"/>
-                <a:cs typeface="Calibri" panose="020F0502020204030204" pitchFamily="34" charset="0"/>
-              </a:rPr>
-              <a:t> file with command “</a:t>
-            </a:r>
-            <a:r>
-              <a:rPr lang="en-US" altLang="ko-KR" sz="2000" dirty="0" err="1" smtClean="0">
-                <a:latin typeface="Calibri" panose="020F0502020204030204" pitchFamily="34" charset="0"/>
-                <a:cs typeface="Calibri" panose="020F0502020204030204" pitchFamily="34" charset="0"/>
-              </a:rPr>
-              <a:t>qsub</a:t>
-            </a:r>
-            <a:r>
-              <a:rPr lang="en-US" altLang="ko-KR" sz="2000" dirty="0" smtClean="0">
-                <a:latin typeface="Calibri" panose="020F0502020204030204" pitchFamily="34" charset="0"/>
-                <a:cs typeface="Calibri" panose="020F0502020204030204" pitchFamily="34" charset="0"/>
-              </a:rPr>
-              <a:t> </a:t>
-            </a:r>
-            <a:r>
-              <a:rPr lang="en-US" altLang="ko-KR" sz="2000" dirty="0" err="1" smtClean="0">
-                <a:latin typeface="Calibri" panose="020F0502020204030204" pitchFamily="34" charset="0"/>
-                <a:cs typeface="Calibri" panose="020F0502020204030204" pitchFamily="34" charset="0"/>
-              </a:rPr>
-              <a:t>file_name.qsub</a:t>
-            </a:r>
-            <a:r>
-              <a:rPr lang="en-US" altLang="ko-KR" sz="2000" dirty="0" smtClean="0">
-                <a:latin typeface="Calibri" panose="020F0502020204030204" pitchFamily="34" charset="0"/>
-                <a:cs typeface="Calibri" panose="020F0502020204030204" pitchFamily="34" charset="0"/>
-              </a:rPr>
-              <a:t>”</a:t>
-            </a:r>
-          </a:p>
-          <a:p>
-            <a:pPr lvl="1">
-              <a:lnSpc>
-                <a:spcPct val="90000"/>
-              </a:lnSpc>
-              <a:defRPr/>
-            </a:pPr>
-            <a:endParaRPr lang="en-US" altLang="ko-KR" sz="2000" dirty="0">
-              <a:latin typeface="Calibri" panose="020F0502020204030204" pitchFamily="34" charset="0"/>
-              <a:cs typeface="Calibri" panose="020F0502020204030204" pitchFamily="34" charset="0"/>
-            </a:endParaRPr>
-          </a:p>
-          <a:p>
-            <a:pPr lvl="1">
-              <a:lnSpc>
-                <a:spcPct val="90000"/>
-              </a:lnSpc>
-              <a:defRPr/>
-            </a:pPr>
-            <a:endParaRPr lang="en-US" altLang="ko-KR" sz="2000" dirty="0" smtClean="0">
-              <a:latin typeface="Calibri" panose="020F0502020204030204" pitchFamily="34" charset="0"/>
-              <a:cs typeface="Calibri" panose="020F0502020204030204" pitchFamily="34" charset="0"/>
-            </a:endParaRPr>
-          </a:p>
-          <a:p>
-            <a:pPr lvl="1">
-              <a:lnSpc>
-                <a:spcPct val="90000"/>
-              </a:lnSpc>
-              <a:defRPr/>
-            </a:pPr>
-            <a:r>
-              <a:rPr lang="en-US" altLang="ko-KR" sz="2000" dirty="0" smtClean="0">
-                <a:latin typeface="Calibri" panose="020F0502020204030204" pitchFamily="34" charset="0"/>
-                <a:cs typeface="Calibri" panose="020F0502020204030204" pitchFamily="34" charset="0"/>
-              </a:rPr>
-              <a:t>Now, open “.</a:t>
-            </a:r>
-            <a:r>
-              <a:rPr lang="en-US" altLang="ko-KR" sz="2000" dirty="0" err="1" smtClean="0">
-                <a:latin typeface="Calibri" panose="020F0502020204030204" pitchFamily="34" charset="0"/>
-                <a:cs typeface="Calibri" panose="020F0502020204030204" pitchFamily="34" charset="0"/>
-              </a:rPr>
-              <a:t>vol</a:t>
-            </a:r>
-            <a:r>
-              <a:rPr lang="en-US" altLang="ko-KR" sz="2000" dirty="0" smtClean="0">
-                <a:latin typeface="Calibri" panose="020F0502020204030204" pitchFamily="34" charset="0"/>
-                <a:cs typeface="Calibri" panose="020F0502020204030204" pitchFamily="34" charset="0"/>
-              </a:rPr>
-              <a:t>” file to get </a:t>
-            </a:r>
-            <a:r>
-              <a:rPr lang="en-US" altLang="ko-KR" sz="1600" dirty="0" smtClean="0">
-                <a:solidFill>
-                  <a:srgbClr val="FF0000"/>
-                </a:solidFill>
-              </a:rPr>
-              <a:t>[Density</a:t>
-            </a:r>
-            <a:r>
-              <a:rPr lang="en-US" altLang="ko-KR" sz="1600" dirty="0">
-                <a:solidFill>
-                  <a:srgbClr val="FF0000"/>
-                </a:solidFill>
-              </a:rPr>
-              <a:t>, </a:t>
-            </a:r>
-            <a:r>
-              <a:rPr lang="en-US" altLang="ko-KR" sz="1600" dirty="0" err="1">
-                <a:solidFill>
-                  <a:srgbClr val="FF0000"/>
-                </a:solidFill>
-              </a:rPr>
-              <a:t>AV_Volume_fraction</a:t>
-            </a:r>
-            <a:r>
-              <a:rPr lang="en-US" altLang="ko-KR" sz="1600" dirty="0">
-                <a:solidFill>
-                  <a:srgbClr val="FF0000"/>
-                </a:solidFill>
-              </a:rPr>
-              <a:t>, </a:t>
-            </a:r>
-            <a:r>
-              <a:rPr lang="en-US" altLang="ko-KR" sz="1600" dirty="0" smtClean="0">
-                <a:solidFill>
-                  <a:srgbClr val="FF0000"/>
-                </a:solidFill>
-              </a:rPr>
-              <a:t>AV_cm^3/g]</a:t>
-            </a:r>
-            <a:endParaRPr lang="en-US" altLang="ko-KR" sz="2000" dirty="0" smtClean="0">
-              <a:solidFill>
-                <a:srgbClr val="FF0000"/>
-              </a:solidFill>
-            </a:endParaRPr>
-          </a:p>
-          <a:p>
-            <a:pPr marL="400050" lvl="1" indent="0">
+            <a:pPr marL="0" indent="0">
               <a:lnSpc>
                 <a:spcPct val="90000"/>
               </a:lnSpc>
@@ -14243,90 +10585,14 @@
               <a:defRPr/>
             </a:pPr>
             <a:r>
-              <a:rPr lang="en-US" altLang="ko-KR" sz="2000" dirty="0">
+              <a:rPr lang="en-US" altLang="ko-KR" sz="2000" dirty="0" smtClean="0">
                 <a:latin typeface="Calibri" panose="020F0502020204030204" pitchFamily="34" charset="0"/>
                 <a:cs typeface="Calibri" panose="020F0502020204030204" pitchFamily="34" charset="0"/>
               </a:rPr>
-              <a:t> </a:t>
-            </a:r>
-            <a:r>
+              <a:t/>
+            </a:r>
+            <a:br>
               <a:rPr lang="en-US" altLang="ko-KR" sz="2000" dirty="0" smtClean="0">
-                <a:latin typeface="Calibri" panose="020F0502020204030204" pitchFamily="34" charset="0"/>
-                <a:cs typeface="Calibri" panose="020F0502020204030204" pitchFamily="34" charset="0"/>
-              </a:rPr>
-              <a:t>   and open “.res” file to get </a:t>
-            </a:r>
-            <a:r>
-              <a:rPr lang="en-US" altLang="ko-KR" sz="1600" dirty="0" smtClean="0">
-                <a:solidFill>
-                  <a:srgbClr val="FF0000"/>
-                </a:solidFill>
-                <a:latin typeface="Calibri" panose="020F0502020204030204" pitchFamily="34" charset="0"/>
-                <a:cs typeface="Calibri" panose="020F0502020204030204" pitchFamily="34" charset="0"/>
-              </a:rPr>
-              <a:t>[</a:t>
-            </a:r>
-            <a:r>
-              <a:rPr lang="en-US" altLang="ko-KR" sz="1600" dirty="0" smtClean="0">
-                <a:solidFill>
-                  <a:srgbClr val="FF0000"/>
-                </a:solidFill>
-              </a:rPr>
-              <a:t>Di</a:t>
-            </a:r>
-            <a:r>
-              <a:rPr lang="en-US" altLang="ko-KR" sz="1600" dirty="0">
-                <a:solidFill>
-                  <a:srgbClr val="FF0000"/>
-                </a:solidFill>
-              </a:rPr>
-              <a:t>, </a:t>
-            </a:r>
-            <a:r>
-              <a:rPr lang="en-US" altLang="ko-KR" sz="1600" dirty="0" err="1">
-                <a:solidFill>
-                  <a:srgbClr val="FF0000"/>
-                </a:solidFill>
-              </a:rPr>
-              <a:t>Df</a:t>
-            </a:r>
-            <a:r>
-              <a:rPr lang="en-US" altLang="ko-KR" sz="1600" dirty="0">
-                <a:solidFill>
-                  <a:srgbClr val="FF0000"/>
-                </a:solidFill>
-              </a:rPr>
-              <a:t>, </a:t>
-            </a:r>
-            <a:r>
-              <a:rPr lang="en-US" altLang="ko-KR" sz="1600" dirty="0" err="1" smtClean="0">
-                <a:solidFill>
-                  <a:srgbClr val="FF0000"/>
-                </a:solidFill>
-              </a:rPr>
-              <a:t>Dif</a:t>
-            </a:r>
-            <a:r>
-              <a:rPr lang="en-US" altLang="ko-KR" sz="1600" dirty="0" smtClean="0">
-                <a:solidFill>
-                  <a:srgbClr val="FF0000"/>
-                </a:solidFill>
-              </a:rPr>
-              <a:t>] </a:t>
-            </a:r>
-            <a:r>
-              <a:rPr lang="en-US" altLang="ko-KR" sz="1600" dirty="0" smtClean="0"/>
-              <a:t>(they are in order)</a:t>
-            </a:r>
-            <a:r>
-              <a:rPr lang="en-US" altLang="ko-KR" sz="1600" dirty="0" smtClean="0">
-                <a:latin typeface="Calibri" panose="020F0502020204030204" pitchFamily="34" charset="0"/>
-                <a:cs typeface="Calibri" panose="020F0502020204030204" pitchFamily="34" charset="0"/>
-              </a:rPr>
-              <a:t/>
-            </a:r>
-            <a:br>
-              <a:rPr lang="en-US" altLang="ko-KR" sz="1600" dirty="0" smtClean="0">
                 <a:latin typeface="Calibri" panose="020F0502020204030204" pitchFamily="34" charset="0"/>
                 <a:cs typeface="Calibri" panose="020F0502020204030204" pitchFamily="34" charset="0"/>
               </a:rPr>
@@ -14336,144 +10602,409 @@
               <a:cs typeface="Calibri" panose="020F0502020204030204" pitchFamily="34" charset="0"/>
             </a:endParaRPr>
           </a:p>
-          <a:p>
-            <a:pPr>
-              <a:lnSpc>
-                <a:spcPct val="90000"/>
-              </a:lnSpc>
-              <a:defRPr/>
-            </a:pPr>
-            <a:endParaRPr lang="en-US" altLang="ko-KR" sz="2000" dirty="0" smtClean="0">
-              <a:latin typeface="Calibri" panose="020F0502020204030204" pitchFamily="34" charset="0"/>
-              <a:cs typeface="Calibri" panose="020F0502020204030204" pitchFamily="34" charset="0"/>
-            </a:endParaRPr>
-          </a:p>
-        </p:txBody>
-      </p:sp>
-      <p:sp>
-        <p:nvSpPr>
-          <p:cNvPr id="8" name="TextBox 7"/>
-          <p:cNvSpPr txBox="1"/>
-          <p:nvPr/>
-        </p:nvSpPr>
-        <p:spPr>
-          <a:xfrm>
-            <a:off x="1670857" y="2779983"/>
-            <a:ext cx="4806124" cy="1569660"/>
-          </a:xfrm>
-          <a:prstGeom prst="rect">
-            <a:avLst/>
-          </a:prstGeom>
-          <a:noFill/>
-          <a:ln w="12700">
-            <a:solidFill>
-              <a:schemeClr val="accent1"/>
-            </a:solidFill>
-          </a:ln>
-        </p:spPr>
-        <p:txBody>
-          <a:bodyPr wrap="none" rtlCol="0">
-            <a:spAutoFit/>
-          </a:bodyPr>
-          <a:lstStyle/>
-          <a:p>
-            <a:r>
-              <a:rPr lang="en-US" altLang="ko-KR" sz="1600" dirty="0" smtClean="0"/>
-              <a:t>#!/bin/bash</a:t>
-            </a:r>
-          </a:p>
-          <a:p>
-            <a:r>
-              <a:rPr lang="en-US" altLang="ko-KR" sz="1600" dirty="0" smtClean="0"/>
-              <a:t>#PBS -l nodes=1:batch</a:t>
-            </a:r>
-          </a:p>
-          <a:p>
-            <a:r>
-              <a:rPr lang="en-US" altLang="ko-KR" sz="1600" dirty="0" smtClean="0"/>
-              <a:t>#PBS -q batch</a:t>
-            </a:r>
-          </a:p>
-          <a:p>
-            <a:r>
-              <a:rPr lang="en-US" altLang="ko-KR" sz="1600" dirty="0" smtClean="0"/>
-              <a:t>cd $PBS_O_WORKDIR</a:t>
-            </a:r>
-          </a:p>
-          <a:p>
-            <a:r>
-              <a:rPr lang="en-US" altLang="ko-KR" sz="1600" dirty="0" smtClean="0"/>
-              <a:t>./network -ha -res acs+N422+E45.cif</a:t>
-            </a:r>
-          </a:p>
-          <a:p>
-            <a:r>
-              <a:rPr lang="en-US" altLang="ko-KR" sz="1600" dirty="0" smtClean="0"/>
-              <a:t>./network -ha -</a:t>
-            </a:r>
-            <a:r>
-              <a:rPr lang="en-US" altLang="ko-KR" sz="1600" dirty="0" err="1" smtClean="0"/>
-              <a:t>vol</a:t>
-            </a:r>
-            <a:r>
-              <a:rPr lang="en-US" altLang="ko-KR" sz="1600" dirty="0" smtClean="0"/>
-              <a:t> 1.5 1.5 50000 acs+N422+E45.cif</a:t>
-            </a:r>
-            <a:endParaRPr lang="en-US" altLang="ko-KR" sz="1600" dirty="0"/>
-          </a:p>
         </p:txBody>
       </p:sp>
       <p:pic>
         <p:nvPicPr>
-          <p:cNvPr id="10" name="그림 9"/>
-          <p:cNvPicPr>
-            <a:picLocks noChangeAspect="1"/>
-          </p:cNvPicPr>
-          <p:nvPr/>
-        </p:nvPicPr>
-        <p:blipFill rotWithShape="1">
-          <a:blip r:embed="rId3"/>
-          <a:srcRect t="-2371" r="15839"/>
-          <a:stretch/>
-        </p:blipFill>
-        <p:spPr>
-          <a:xfrm>
-            <a:off x="876040" y="1750604"/>
-            <a:ext cx="7497221" cy="448599"/>
-          </a:xfrm>
-          <a:prstGeom prst="rect">
-            <a:avLst/>
-          </a:prstGeom>
-        </p:spPr>
-      </p:pic>
-      <p:pic>
-        <p:nvPicPr>
-          <p:cNvPr id="11" name="그림 10"/>
+          <p:cNvPr id="5" name="그림 4"/>
           <p:cNvPicPr>
             <a:picLocks noChangeAspect="1"/>
           </p:cNvPicPr>
           <p:nvPr/>
         </p:nvPicPr>
         <p:blipFill>
-          <a:blip r:embed="rId4"/>
+          <a:blip r:embed="rId3"/>
           <a:stretch>
             <a:fillRect/>
           </a:stretch>
         </p:blipFill>
         <p:spPr>
           <a:xfrm>
-            <a:off x="876039" y="4800097"/>
-            <a:ext cx="7497221" cy="428685"/>
+            <a:off x="449291" y="3620918"/>
+            <a:ext cx="8205533" cy="2708776"/>
           </a:xfrm>
           <a:prstGeom prst="rect">
             <a:avLst/>
           </a:prstGeom>
+          <a:ln w="12700">
+            <a:solidFill>
+              <a:schemeClr val="accent1"/>
+            </a:solidFill>
+          </a:ln>
         </p:spPr>
       </p:pic>
+      <p:sp>
+        <p:nvSpPr>
+          <p:cNvPr id="15362" name="Rectangle 2"/>
+          <p:cNvSpPr>
+            <a:spLocks noGrp="1" noChangeArrowheads="1"/>
+          </p:cNvSpPr>
+          <p:nvPr>
+            <p:ph type="title" sz="quarter"/>
+          </p:nvPr>
+        </p:nvSpPr>
+        <p:spPr>
+          <a:xfrm>
+            <a:off x="0" y="0"/>
+            <a:ext cx="9144000" cy="971550"/>
+          </a:xfrm>
+        </p:spPr>
+        <p:txBody>
+          <a:bodyPr/>
+          <a:lstStyle/>
+          <a:p>
+            <a:pPr algn="ctr"/>
+            <a:r>
+              <a:rPr lang="en-US" altLang="ko-KR" sz="2800" b="1" dirty="0">
+                <a:latin typeface="Calibri" panose="020F0502020204030204" pitchFamily="34" charset="0"/>
+                <a:ea typeface="Verdana" pitchFamily="34" charset="0"/>
+                <a:cs typeface="Calibri" panose="020F0502020204030204" pitchFamily="34" charset="0"/>
+              </a:rPr>
+              <a:t>Problem Set #2</a:t>
+            </a:r>
+          </a:p>
+        </p:txBody>
+      </p:sp>
+      <p:sp>
+        <p:nvSpPr>
+          <p:cNvPr id="2" name="Slide Number Placeholder 1"/>
+          <p:cNvSpPr>
+            <a:spLocks noGrp="1"/>
+          </p:cNvSpPr>
+          <p:nvPr>
+            <p:ph type="sldNum" sz="quarter" idx="12"/>
+          </p:nvPr>
+        </p:nvSpPr>
+        <p:spPr>
+          <a:xfrm>
+            <a:off x="382071" y="6106968"/>
+            <a:ext cx="1981200" cy="366713"/>
+          </a:xfrm>
+        </p:spPr>
+        <p:txBody>
+          <a:bodyPr/>
+          <a:lstStyle/>
+          <a:p>
+            <a:pPr>
+              <a:defRPr/>
+            </a:pPr>
+            <a:fld id="{3850345A-1D96-42EE-B598-5ADBF25B71C7}" type="slidenum">
+              <a:rPr lang="en-US" altLang="ko-KR" smtClean="0"/>
+              <a:pPr>
+                <a:defRPr/>
+              </a:pPr>
+              <a:t>7</a:t>
+            </a:fld>
+            <a:endParaRPr lang="en-US" altLang="ko-KR" dirty="0"/>
+          </a:p>
+        </p:txBody>
+      </p:sp>
+      <p:sp>
+        <p:nvSpPr>
+          <p:cNvPr id="10" name="모서리가 둥근 직사각형 9"/>
+          <p:cNvSpPr/>
+          <p:nvPr/>
+        </p:nvSpPr>
+        <p:spPr>
+          <a:xfrm>
+            <a:off x="1662545" y="4753590"/>
+            <a:ext cx="2687064" cy="1471352"/>
+          </a:xfrm>
+          <a:prstGeom prst="roundRect">
+            <a:avLst>
+              <a:gd name="adj" fmla="val 3108"/>
+            </a:avLst>
+          </a:prstGeom>
+          <a:noFill/>
+          <a:ln w="25400">
+            <a:solidFill>
+              <a:srgbClr val="FF0000"/>
+            </a:solidFill>
+            <a:prstDash val="sysDot"/>
+          </a:ln>
+        </p:spPr>
+        <p:style>
+          <a:lnRef idx="2">
+            <a:schemeClr val="accent1">
+              <a:shade val="50000"/>
+            </a:schemeClr>
+          </a:lnRef>
+          <a:fillRef idx="1">
+            <a:schemeClr val="accent1"/>
+          </a:fillRef>
+          <a:effectRef idx="0">
+            <a:schemeClr val="accent1"/>
+          </a:effectRef>
+          <a:fontRef idx="minor">
+            <a:schemeClr val="lt1"/>
+          </a:fontRef>
+        </p:style>
+        <p:txBody>
+          <a:bodyPr rtlCol="0" anchor="ctr"/>
+          <a:lstStyle/>
+          <a:p>
+            <a:pPr algn="ctr"/>
+            <a:endParaRPr lang="ko-KR" altLang="en-US"/>
+          </a:p>
+        </p:txBody>
+      </p:sp>
+      <p:cxnSp>
+        <p:nvCxnSpPr>
+          <p:cNvPr id="11" name="직선 화살표 연결선 10"/>
+          <p:cNvCxnSpPr>
+            <a:stCxn id="10" idx="3"/>
+            <a:endCxn id="12" idx="1"/>
+          </p:cNvCxnSpPr>
+          <p:nvPr/>
+        </p:nvCxnSpPr>
+        <p:spPr>
+          <a:xfrm>
+            <a:off x="4349609" y="5489266"/>
+            <a:ext cx="607536" cy="4481"/>
+          </a:xfrm>
+          <a:prstGeom prst="straightConnector1">
+            <a:avLst/>
+          </a:prstGeom>
+          <a:ln w="25400">
+            <a:solidFill>
+              <a:srgbClr val="FF0000"/>
+            </a:solidFill>
+            <a:tailEnd type="triangle"/>
+          </a:ln>
+        </p:spPr>
+        <p:style>
+          <a:lnRef idx="1">
+            <a:schemeClr val="accent1"/>
+          </a:lnRef>
+          <a:fillRef idx="0">
+            <a:schemeClr val="accent1"/>
+          </a:fillRef>
+          <a:effectRef idx="0">
+            <a:schemeClr val="accent1"/>
+          </a:effectRef>
+          <a:fontRef idx="minor">
+            <a:schemeClr val="tx1"/>
+          </a:fontRef>
+        </p:style>
+      </p:cxnSp>
+      <p:sp>
+        <p:nvSpPr>
+          <p:cNvPr id="12" name="TextBox 11"/>
+          <p:cNvSpPr txBox="1"/>
+          <p:nvPr/>
+        </p:nvSpPr>
+        <p:spPr>
+          <a:xfrm>
+            <a:off x="4957145" y="4585806"/>
+            <a:ext cx="4158788" cy="1815882"/>
+          </a:xfrm>
+          <a:prstGeom prst="rect">
+            <a:avLst/>
+          </a:prstGeom>
+          <a:noFill/>
+        </p:spPr>
+        <p:txBody>
+          <a:bodyPr wrap="square" rtlCol="0">
+            <a:spAutoFit/>
+          </a:bodyPr>
+          <a:lstStyle/>
+          <a:p>
+            <a:r>
+              <a:rPr lang="en-US" altLang="ko-KR" sz="1600" dirty="0" smtClean="0">
+                <a:solidFill>
+                  <a:srgbClr val="FF0000"/>
+                </a:solidFill>
+                <a:latin typeface="Calibri" panose="020F0502020204030204" pitchFamily="34" charset="0"/>
+                <a:cs typeface="Calibri" panose="020F0502020204030204" pitchFamily="34" charset="0"/>
+              </a:rPr>
+              <a:t>Fill in.</a:t>
+            </a:r>
+          </a:p>
+          <a:p>
+            <a:r>
+              <a:rPr lang="en-US" altLang="ko-KR" sz="1600" dirty="0" smtClean="0">
+                <a:solidFill>
+                  <a:srgbClr val="FF0000"/>
+                </a:solidFill>
+                <a:latin typeface="Calibri" panose="020F0502020204030204" pitchFamily="34" charset="0"/>
+                <a:cs typeface="Calibri" panose="020F0502020204030204" pitchFamily="34" charset="0"/>
+              </a:rPr>
+              <a:t>A. Build 2 hidden layers (neuron 64, 32)</a:t>
+            </a:r>
+          </a:p>
+          <a:p>
+            <a:r>
+              <a:rPr lang="en-US" altLang="ko-KR" sz="1600" dirty="0" smtClean="0">
+                <a:solidFill>
+                  <a:srgbClr val="FF0000"/>
+                </a:solidFill>
+                <a:latin typeface="Calibri" panose="020F0502020204030204" pitchFamily="34" charset="0"/>
+                <a:cs typeface="Calibri" panose="020F0502020204030204" pitchFamily="34" charset="0"/>
+              </a:rPr>
+              <a:t>     and 1 output layer</a:t>
+            </a:r>
+          </a:p>
+          <a:p>
+            <a:r>
+              <a:rPr lang="en-US" altLang="ko-KR" sz="1600" dirty="0">
+                <a:solidFill>
+                  <a:srgbClr val="FF0000"/>
+                </a:solidFill>
+                <a:latin typeface="Calibri" panose="020F0502020204030204" pitchFamily="34" charset="0"/>
+                <a:cs typeface="Calibri" panose="020F0502020204030204" pitchFamily="34" charset="0"/>
+              </a:rPr>
+              <a:t> </a:t>
+            </a:r>
+            <a:r>
+              <a:rPr lang="en-US" altLang="ko-KR" sz="1600" dirty="0" smtClean="0">
+                <a:solidFill>
+                  <a:srgbClr val="FF0000"/>
+                </a:solidFill>
+                <a:latin typeface="Calibri" panose="020F0502020204030204" pitchFamily="34" charset="0"/>
+                <a:cs typeface="Calibri" panose="020F0502020204030204" pitchFamily="34" charset="0"/>
+              </a:rPr>
+              <a:t>    use </a:t>
+            </a:r>
+            <a:r>
+              <a:rPr lang="en-US" altLang="ko-KR" sz="1600" dirty="0">
+                <a:solidFill>
+                  <a:srgbClr val="FF0000"/>
+                </a:solidFill>
+                <a:latin typeface="Calibri" panose="020F0502020204030204" pitchFamily="34" charset="0"/>
+                <a:cs typeface="Calibri" panose="020F0502020204030204" pitchFamily="34" charset="0"/>
+              </a:rPr>
+              <a:t>the activation of </a:t>
+            </a:r>
+            <a:r>
+              <a:rPr lang="en-US" altLang="ko-KR" sz="1600" dirty="0" smtClean="0">
+                <a:solidFill>
+                  <a:srgbClr val="FF0000"/>
+                </a:solidFill>
+                <a:latin typeface="Calibri" panose="020F0502020204030204" pitchFamily="34" charset="0"/>
+                <a:cs typeface="Calibri" panose="020F0502020204030204" pitchFamily="34" charset="0"/>
+              </a:rPr>
+              <a:t>“</a:t>
+            </a:r>
+            <a:r>
+              <a:rPr lang="en-US" altLang="ko-KR" sz="1600" dirty="0" err="1" smtClean="0">
+                <a:solidFill>
+                  <a:srgbClr val="FF0000"/>
+                </a:solidFill>
+                <a:latin typeface="Calibri" panose="020F0502020204030204" pitchFamily="34" charset="0"/>
+                <a:cs typeface="Calibri" panose="020F0502020204030204" pitchFamily="34" charset="0"/>
+              </a:rPr>
+              <a:t>relu</a:t>
+            </a:r>
+            <a:r>
+              <a:rPr lang="en-US" altLang="ko-KR" sz="1600" dirty="0" smtClean="0">
+                <a:solidFill>
+                  <a:srgbClr val="FF0000"/>
+                </a:solidFill>
+                <a:latin typeface="Calibri" panose="020F0502020204030204" pitchFamily="34" charset="0"/>
+                <a:cs typeface="Calibri" panose="020F0502020204030204" pitchFamily="34" charset="0"/>
+              </a:rPr>
+              <a:t>” for all layers</a:t>
+            </a:r>
+          </a:p>
+          <a:p>
+            <a:r>
+              <a:rPr lang="en-US" altLang="ko-KR" sz="1600" dirty="0" smtClean="0">
+                <a:solidFill>
+                  <a:srgbClr val="FF0000"/>
+                </a:solidFill>
+                <a:latin typeface="Calibri" panose="020F0502020204030204" pitchFamily="34" charset="0"/>
+                <a:cs typeface="Calibri" panose="020F0502020204030204" pitchFamily="34" charset="0"/>
+              </a:rPr>
+              <a:t>B. Compile with optimizer= "</a:t>
+            </a:r>
+            <a:r>
+              <a:rPr lang="en-US" altLang="ko-KR" sz="1600" dirty="0" err="1" smtClean="0">
+                <a:solidFill>
+                  <a:srgbClr val="FF0000"/>
+                </a:solidFill>
+                <a:latin typeface="Calibri" panose="020F0502020204030204" pitchFamily="34" charset="0"/>
+                <a:cs typeface="Calibri" panose="020F0502020204030204" pitchFamily="34" charset="0"/>
+              </a:rPr>
+              <a:t>adam</a:t>
+            </a:r>
+            <a:r>
+              <a:rPr lang="en-US" altLang="ko-KR" sz="1600" dirty="0" smtClean="0">
+                <a:solidFill>
+                  <a:srgbClr val="FF0000"/>
+                </a:solidFill>
+                <a:latin typeface="Calibri" panose="020F0502020204030204" pitchFamily="34" charset="0"/>
+                <a:cs typeface="Calibri" panose="020F0502020204030204" pitchFamily="34" charset="0"/>
+              </a:rPr>
+              <a:t>”, loss = “</a:t>
+            </a:r>
+            <a:r>
+              <a:rPr lang="en-US" altLang="ko-KR" sz="1600" dirty="0" err="1" smtClean="0">
+                <a:solidFill>
+                  <a:srgbClr val="FF0000"/>
+                </a:solidFill>
+                <a:latin typeface="Calibri" panose="020F0502020204030204" pitchFamily="34" charset="0"/>
+                <a:cs typeface="Calibri" panose="020F0502020204030204" pitchFamily="34" charset="0"/>
+              </a:rPr>
+              <a:t>mse</a:t>
+            </a:r>
+            <a:r>
+              <a:rPr lang="en-US" altLang="ko-KR" sz="1600" dirty="0" smtClean="0">
+                <a:solidFill>
+                  <a:srgbClr val="FF0000"/>
+                </a:solidFill>
+                <a:latin typeface="Calibri" panose="020F0502020204030204" pitchFamily="34" charset="0"/>
+                <a:cs typeface="Calibri" panose="020F0502020204030204" pitchFamily="34" charset="0"/>
+              </a:rPr>
+              <a:t>”</a:t>
+            </a:r>
+          </a:p>
+          <a:p>
+            <a:r>
+              <a:rPr lang="en-US" altLang="ko-KR" sz="1600" dirty="0" smtClean="0">
+                <a:solidFill>
+                  <a:srgbClr val="FF0000"/>
+                </a:solidFill>
+                <a:latin typeface="Calibri" panose="020F0502020204030204" pitchFamily="34" charset="0"/>
+                <a:cs typeface="Calibri" panose="020F0502020204030204" pitchFamily="34" charset="0"/>
+              </a:rPr>
+              <a:t>C. Train model with train dataset. </a:t>
+            </a:r>
+          </a:p>
+          <a:p>
+            <a:r>
+              <a:rPr lang="en-US" altLang="ko-KR" sz="1600" dirty="0">
+                <a:solidFill>
+                  <a:srgbClr val="FF0000"/>
+                </a:solidFill>
+                <a:latin typeface="Calibri" panose="020F0502020204030204" pitchFamily="34" charset="0"/>
+                <a:cs typeface="Calibri" panose="020F0502020204030204" pitchFamily="34" charset="0"/>
+              </a:rPr>
+              <a:t> </a:t>
+            </a:r>
+            <a:r>
+              <a:rPr lang="en-US" altLang="ko-KR" sz="1600" dirty="0" smtClean="0">
+                <a:solidFill>
+                  <a:srgbClr val="FF0000"/>
+                </a:solidFill>
+                <a:latin typeface="Calibri" panose="020F0502020204030204" pitchFamily="34" charset="0"/>
+                <a:cs typeface="Calibri" panose="020F0502020204030204" pitchFamily="34" charset="0"/>
+              </a:rPr>
+              <a:t>    Use batch size of 32 and epochs of 4</a:t>
+            </a:r>
+            <a:endParaRPr lang="ko-KR" altLang="en-US" sz="1600" dirty="0">
+              <a:solidFill>
+                <a:srgbClr val="FF0000"/>
+              </a:solidFill>
+              <a:latin typeface="Calibri" panose="020F0502020204030204" pitchFamily="34" charset="0"/>
+              <a:cs typeface="Calibri" panose="020F0502020204030204" pitchFamily="34" charset="0"/>
+            </a:endParaRPr>
+          </a:p>
+        </p:txBody>
+      </p:sp>
     </p:spTree>
     <p:extLst>
       <p:ext uri="{BB962C8B-B14F-4D97-AF65-F5344CB8AC3E}">
-        <p14:creationId xmlns:p14="http://schemas.microsoft.com/office/powerpoint/2010/main" val="1795849929"/>
+        <p14:creationId xmlns:p14="http://schemas.microsoft.com/office/powerpoint/2010/main" val="739794400"/>
       </p:ext>
     </p:extLst>
   </p:cSld>
@@ -14585,8 +11116,8 @@
         </p:nvSpPr>
         <p:spPr>
           <a:xfrm>
-            <a:off x="354684" y="1281924"/>
-            <a:ext cx="8539934" cy="5441139"/>
+            <a:off x="346169" y="1281924"/>
+            <a:ext cx="8249670" cy="5441139"/>
           </a:xfrm>
           <a:noFill/>
           <a:ln>
@@ -14726,163 +11257,75 @@
                 <a:latin typeface="Calibri" panose="020F0502020204030204" pitchFamily="34" charset="0"/>
                 <a:cs typeface="Calibri" panose="020F0502020204030204" pitchFamily="34" charset="0"/>
               </a:rPr>
-              <a:t>Part(a) </a:t>
+              <a:t>If you got the picture below at the end </a:t>
             </a:r>
             <a:r>
               <a:rPr lang="en-US" altLang="ko-KR" sz="2000" dirty="0">
                 <a:latin typeface="Calibri" panose="020F0502020204030204" pitchFamily="34" charset="0"/>
                 <a:cs typeface="Calibri" panose="020F0502020204030204" pitchFamily="34" charset="0"/>
               </a:rPr>
-              <a:t>: you should fill in the missing </a:t>
-            </a:r>
-            <a:r>
-              <a:rPr lang="en-US" altLang="ko-KR" sz="2000" dirty="0" err="1">
+              <a:t>of </a:t>
+            </a:r>
+            <a:r>
+              <a:rPr lang="en-US" altLang="ko-KR" sz="2000" dirty="0" smtClean="0">
                 <a:latin typeface="Calibri" panose="020F0502020204030204" pitchFamily="34" charset="0"/>
                 <a:cs typeface="Calibri" panose="020F0502020204030204" pitchFamily="34" charset="0"/>
               </a:rPr>
-              <a:t>zeo</a:t>
-            </a:r>
-            <a:r>
-              <a:rPr lang="en-US" altLang="ko-KR" sz="2000" dirty="0">
+              <a:t>“</a:t>
+            </a:r>
+            <a:r>
+              <a:rPr lang="en-US" altLang="ko-KR" sz="2000" dirty="0" smtClean="0">
                 <a:latin typeface="Calibri" panose="020F0502020204030204" pitchFamily="34" charset="0"/>
                 <a:cs typeface="Calibri" panose="020F0502020204030204" pitchFamily="34" charset="0"/>
               </a:rPr>
-              <a:t>++ data</a:t>
-            </a:r>
-          </a:p>
-          <a:p>
-            <a:pPr lvl="1">
+              <a:t>Problem_set2_constitution_representation.ipynb”, </a:t>
+            </a:r>
+            <a:br>
+              <a:rPr lang="en-US" altLang="ko-KR" sz="2000" dirty="0" smtClean="0">
+                <a:latin typeface="Calibri" panose="020F0502020204030204" pitchFamily="34" charset="0"/>
+                <a:cs typeface="Calibri" panose="020F0502020204030204" pitchFamily="34" charset="0"/>
+              </a:rPr>
+            </a:br>
+            <a:r>
+              <a:rPr lang="en-US" altLang="ko-KR" sz="2000" dirty="0" smtClean="0">
+                <a:latin typeface="Calibri" panose="020F0502020204030204" pitchFamily="34" charset="0"/>
+                <a:cs typeface="Calibri" panose="020F0502020204030204" pitchFamily="34" charset="0"/>
+              </a:rPr>
+              <a:t>you </a:t>
+            </a:r>
+            <a:r>
+              <a:rPr lang="en-US" altLang="ko-KR" sz="2000" dirty="0" smtClean="0">
+                <a:latin typeface="Calibri" panose="020F0502020204030204" pitchFamily="34" charset="0"/>
+                <a:cs typeface="Calibri" panose="020F0502020204030204" pitchFamily="34" charset="0"/>
+              </a:rPr>
+              <a:t>succeeded for part </a:t>
+            </a:r>
+            <a:r>
+              <a:rPr lang="en-US" altLang="ko-KR" sz="2000" dirty="0" smtClean="0">
+                <a:latin typeface="Calibri" panose="020F0502020204030204" pitchFamily="34" charset="0"/>
+                <a:cs typeface="Calibri" panose="020F0502020204030204" pitchFamily="34" charset="0"/>
+              </a:rPr>
+              <a:t>(b)</a:t>
+            </a:r>
+            <a:endParaRPr lang="en-US" altLang="ko-KR" sz="2000" dirty="0" smtClean="0">
+              <a:latin typeface="Calibri" panose="020F0502020204030204" pitchFamily="34" charset="0"/>
+              <a:cs typeface="Calibri" panose="020F0502020204030204" pitchFamily="34" charset="0"/>
+            </a:endParaRPr>
+          </a:p>
+          <a:p>
+            <a:pPr>
               <a:lnSpc>
                 <a:spcPct val="90000"/>
               </a:lnSpc>
               <a:defRPr/>
             </a:pPr>
-            <a:r>
-              <a:rPr lang="en-US" altLang="ko-KR" sz="2000" dirty="0" smtClean="0">
-                <a:latin typeface="Calibri" panose="020F0502020204030204" pitchFamily="34" charset="0"/>
-                <a:cs typeface="Calibri" panose="020F0502020204030204" pitchFamily="34" charset="0"/>
-              </a:rPr>
-              <a:t>As a result I got</a:t>
-            </a:r>
-          </a:p>
-          <a:p>
-            <a:pPr marL="400050" lvl="1" indent="0">
-              <a:lnSpc>
-                <a:spcPct val="90000"/>
-              </a:lnSpc>
-              <a:buNone/>
-              <a:defRPr/>
-            </a:pPr>
-            <a:r>
-              <a:rPr lang="en-US" altLang="ko-KR" sz="1600" dirty="0">
-                <a:solidFill>
-                  <a:srgbClr val="FF0000"/>
-                </a:solidFill>
-              </a:rPr>
-              <a:t>[Density, </a:t>
-            </a:r>
-            <a:r>
-              <a:rPr lang="en-US" altLang="ko-KR" sz="1600" dirty="0" err="1">
-                <a:solidFill>
-                  <a:srgbClr val="FF0000"/>
-                </a:solidFill>
-              </a:rPr>
-              <a:t>AV_Volume_fraction</a:t>
-            </a:r>
-            <a:r>
-              <a:rPr lang="en-US" altLang="ko-KR" sz="1600" dirty="0">
-                <a:solidFill>
-                  <a:srgbClr val="FF0000"/>
-                </a:solidFill>
-              </a:rPr>
-              <a:t>, </a:t>
-            </a:r>
-            <a:r>
-              <a:rPr lang="en-US" altLang="ko-KR" sz="1600" dirty="0" smtClean="0">
-                <a:solidFill>
-                  <a:srgbClr val="FF0000"/>
-                </a:solidFill>
-              </a:rPr>
-              <a:t>AV_cm^3/g, Di, </a:t>
-            </a:r>
-            <a:r>
-              <a:rPr lang="en-US" altLang="ko-KR" sz="1600" dirty="0" err="1" smtClean="0">
-                <a:solidFill>
-                  <a:srgbClr val="FF0000"/>
-                </a:solidFill>
-              </a:rPr>
-              <a:t>Df</a:t>
-            </a:r>
-            <a:r>
-              <a:rPr lang="en-US" altLang="ko-KR" sz="1600" dirty="0" smtClean="0">
-                <a:solidFill>
-                  <a:srgbClr val="FF0000"/>
-                </a:solidFill>
-              </a:rPr>
-              <a:t>, </a:t>
-            </a:r>
-            <a:r>
-              <a:rPr lang="en-US" altLang="ko-KR" sz="1600" dirty="0" err="1" smtClean="0">
-                <a:solidFill>
-                  <a:srgbClr val="FF0000"/>
-                </a:solidFill>
-              </a:rPr>
-              <a:t>Dif</a:t>
-            </a:r>
-            <a:r>
-              <a:rPr lang="en-US" altLang="ko-KR" sz="1600" dirty="0" smtClean="0">
-                <a:solidFill>
-                  <a:srgbClr val="FF0000"/>
-                </a:solidFill>
-              </a:rPr>
-              <a:t>] </a:t>
-            </a:r>
-          </a:p>
-          <a:p>
-            <a:pPr marL="400050" lvl="1" indent="0">
-              <a:lnSpc>
-                <a:spcPct val="90000"/>
-              </a:lnSpc>
-              <a:buNone/>
-              <a:defRPr/>
-            </a:pPr>
-            <a:r>
-              <a:rPr lang="en-US" altLang="ko-KR" sz="1600" dirty="0" smtClean="0"/>
-              <a:t>= [0.649936, 0.45384, 0.698284, 12.37427, 10.62515, 12.37427]</a:t>
-            </a:r>
-            <a:endParaRPr lang="en-US" altLang="ko-KR" sz="1600" dirty="0"/>
-          </a:p>
-          <a:p>
-            <a:pPr lvl="1">
-              <a:lnSpc>
-                <a:spcPct val="90000"/>
-              </a:lnSpc>
-              <a:defRPr/>
-            </a:pPr>
-            <a:r>
-              <a:rPr lang="en-US" altLang="ko-KR" sz="2000" dirty="0" smtClean="0">
-                <a:latin typeface="Calibri" panose="020F0502020204030204" pitchFamily="34" charset="0"/>
-                <a:cs typeface="Calibri" panose="020F0502020204030204" pitchFamily="34" charset="0"/>
-              </a:rPr>
-              <a:t>Get back to your </a:t>
-            </a:r>
-            <a:r>
-              <a:rPr lang="en-US" altLang="ko-KR" sz="2000" dirty="0" err="1" smtClean="0">
-                <a:latin typeface="Calibri" panose="020F0502020204030204" pitchFamily="34" charset="0"/>
-                <a:cs typeface="Calibri" panose="020F0502020204030204" pitchFamily="34" charset="0"/>
-              </a:rPr>
-              <a:t>jupyter</a:t>
-            </a:r>
-            <a:r>
-              <a:rPr lang="en-US" altLang="ko-KR" sz="2000" dirty="0" smtClean="0">
-                <a:latin typeface="Calibri" panose="020F0502020204030204" pitchFamily="34" charset="0"/>
-                <a:cs typeface="Calibri" panose="020F0502020204030204" pitchFamily="34" charset="0"/>
-              </a:rPr>
-              <a:t>-notebook to fill in the data</a:t>
-            </a:r>
-          </a:p>
-          <a:p>
-            <a:pPr lvl="1">
+            <a:endParaRPr lang="en-US" altLang="ko-KR" sz="2000" dirty="0" smtClean="0">
+              <a:latin typeface="Calibri" panose="020F0502020204030204" pitchFamily="34" charset="0"/>
+              <a:cs typeface="Calibri" panose="020F0502020204030204" pitchFamily="34" charset="0"/>
+            </a:endParaRPr>
+          </a:p>
+          <a:p>
+            <a:pPr>
               <a:lnSpc>
                 <a:spcPct val="90000"/>
               </a:lnSpc>
@@ -14894,7 +11337,7 @@
             </a:endParaRPr>
           </a:p>
           <a:p>
-            <a:pPr lvl="1">
+            <a:pPr>
               <a:lnSpc>
                 <a:spcPct val="90000"/>
               </a:lnSpc>
@@ -14906,7 +11349,7 @@
             </a:endParaRPr>
           </a:p>
           <a:p>
-            <a:pPr lvl="1">
+            <a:pPr>
               <a:lnSpc>
                 <a:spcPct val="90000"/>
               </a:lnSpc>
@@ -14918,7 +11361,7 @@
             </a:endParaRPr>
           </a:p>
           <a:p>
-            <a:pPr lvl="1">
+            <a:pPr>
               <a:lnSpc>
                 <a:spcPct val="90000"/>
               </a:lnSpc>
@@ -14930,7 +11373,7 @@
             </a:endParaRPr>
           </a:p>
           <a:p>
-            <a:pPr lvl="1">
+            <a:pPr>
               <a:lnSpc>
                 <a:spcPct val="90000"/>
               </a:lnSpc>
@@ -14942,7 +11385,7 @@
             </a:endParaRPr>
           </a:p>
           <a:p>
-            <a:pPr lvl="1">
+            <a:pPr>
               <a:lnSpc>
                 <a:spcPct val="90000"/>
               </a:lnSpc>
@@ -14954,7 +11397,7 @@
             </a:endParaRPr>
           </a:p>
           <a:p>
-            <a:pPr lvl="1">
+            <a:pPr>
               <a:lnSpc>
                 <a:spcPct val="90000"/>
               </a:lnSpc>
@@ -14966,7 +11409,7 @@
             </a:endParaRPr>
           </a:p>
           <a:p>
-            <a:pPr lvl="1">
+            <a:pPr>
               <a:lnSpc>
                 <a:spcPct val="90000"/>
               </a:lnSpc>
@@ -14978,52 +11421,13 @@
             </a:endParaRPr>
           </a:p>
           <a:p>
-            <a:pPr lvl="1">
+            <a:pPr>
               <a:lnSpc>
                 <a:spcPct val="90000"/>
               </a:lnSpc>
               <a:defRPr/>
             </a:pPr>
-            <a:r>
-              <a:rPr lang="en-US" altLang="ko-KR" sz="2000" dirty="0" smtClean="0">
-                <a:latin typeface="Calibri" panose="020F0502020204030204" pitchFamily="34" charset="0"/>
-                <a:cs typeface="Calibri" panose="020F0502020204030204" pitchFamily="34" charset="0"/>
-              </a:rPr>
-              <a:t>For rest of the structures you should fill in by yourself.</a:t>
-            </a:r>
-          </a:p>
-          <a:p>
-            <a:pPr lvl="1">
-              <a:lnSpc>
-                <a:spcPct val="90000"/>
-              </a:lnSpc>
-              <a:defRPr/>
-            </a:pPr>
             <a:endParaRPr lang="en-US" altLang="ko-KR" sz="2000" dirty="0">
-              <a:latin typeface="Calibri" panose="020F0502020204030204" pitchFamily="34" charset="0"/>
-              <a:cs typeface="Calibri" panose="020F0502020204030204" pitchFamily="34" charset="0"/>
-            </a:endParaRPr>
-          </a:p>
-          <a:p>
-            <a:pPr lvl="1">
-              <a:lnSpc>
-                <a:spcPct val="90000"/>
-              </a:lnSpc>
-              <a:defRPr/>
-            </a:pPr>
-            <a:endParaRPr lang="en-US" altLang="ko-KR" sz="2000" dirty="0" smtClean="0">
-              <a:latin typeface="Calibri" panose="020F0502020204030204" pitchFamily="34" charset="0"/>
-              <a:cs typeface="Calibri" panose="020F0502020204030204" pitchFamily="34" charset="0"/>
-            </a:endParaRPr>
-          </a:p>
-          <a:p>
-            <a:pPr lvl="1">
-              <a:lnSpc>
-                <a:spcPct val="90000"/>
-              </a:lnSpc>
-              <a:defRPr/>
-            </a:pPr>
-            <a:endParaRPr lang="en-US" altLang="ko-KR" sz="2000" dirty="0" smtClean="0">
               <a:latin typeface="Calibri" panose="020F0502020204030204" pitchFamily="34" charset="0"/>
               <a:cs typeface="Calibri" panose="020F0502020204030204" pitchFamily="34" charset="0"/>
             </a:endParaRPr>
@@ -15036,7 +11440,7 @@
               <a:buNone/>
               <a:defRPr/>
             </a:pPr>
-            <a:endParaRPr lang="en-US" altLang="ko-KR" sz="2000" dirty="0" smtClean="0">
+            <a:endParaRPr lang="en-US" altLang="ko-KR" sz="2000" dirty="0">
               <a:latin typeface="Calibri" panose="020F0502020204030204" pitchFamily="34" charset="0"/>
               <a:cs typeface="Calibri" panose="020F0502020204030204" pitchFamily="34" charset="0"/>
             </a:endParaRPr>
@@ -15045,7 +11449,7 @@
       </p:sp>
       <p:pic>
         <p:nvPicPr>
-          <p:cNvPr id="6" name="그림 5"/>
+          <p:cNvPr id="3" name="그림 2"/>
           <p:cNvPicPr>
             <a:picLocks noChangeAspect="1"/>
           </p:cNvPicPr>
@@ -15059,687 +11463,18 @@
         </p:blipFill>
         <p:spPr>
           <a:xfrm>
-            <a:off x="807724" y="2889623"/>
-            <a:ext cx="7612158" cy="2663279"/>
+            <a:off x="2403044" y="2295194"/>
+            <a:ext cx="3756058" cy="3414598"/>
           </a:xfrm>
           <a:prstGeom prst="rect">
             <a:avLst/>
           </a:prstGeom>
-          <a:ln w="12700">
-            <a:solidFill>
-              <a:schemeClr val="accent1"/>
-            </a:solidFill>
-          </a:ln>
         </p:spPr>
       </p:pic>
     </p:spTree>
     <p:extLst>
       <p:ext uri="{BB962C8B-B14F-4D97-AF65-F5344CB8AC3E}">
-        <p14:creationId xmlns:p14="http://schemas.microsoft.com/office/powerpoint/2010/main" val="571475535"/>
-      </p:ext>
-    </p:extLst>
-  </p:cSld>
-  <p:clrMapOvr>
-    <a:masterClrMapping/>
-  </p:clrMapOvr>
-  <p:timing>
-    <p:tnLst>
-      <p:par>
-        <p:cTn id="1" dur="indefinite" restart="never" nodeType="tmRoot"/>
-      </p:par>
-    </p:tnLst>
-  </p:timing>
-</p:sld>
-</file>
-
-<file path=ppt/slides/slide9.xml><?xml version="1.0" encoding="utf-8"?>
-<p:sld xmlns:a="http://schemas.openxmlformats.org/drawingml/2006/main" xmlns:r="http://schemas.openxmlformats.org/officeDocument/2006/relationships" xmlns:p="http://schemas.openxmlformats.org/presentationml/2006/main">
-  <p:cSld>
-    <p:spTree>
-      <p:nvGrpSpPr>
-        <p:cNvPr id="1" name=""/>
-        <p:cNvGrpSpPr/>
-        <p:nvPr/>
-      </p:nvGrpSpPr>
-      <p:grpSpPr>
-        <a:xfrm>
-          <a:off x="0" y="0"/>
-          <a:ext cx="0" cy="0"/>
-          <a:chOff x="0" y="0"/>
-          <a:chExt cx="0" cy="0"/>
-        </a:xfrm>
-      </p:grpSpPr>
-      <p:sp>
-        <p:nvSpPr>
-          <p:cNvPr id="15362" name="Rectangle 2"/>
-          <p:cNvSpPr>
-            <a:spLocks noGrp="1" noChangeArrowheads="1"/>
-          </p:cNvSpPr>
-          <p:nvPr>
-            <p:ph type="title" sz="quarter"/>
-          </p:nvPr>
-        </p:nvSpPr>
-        <p:spPr>
-          <a:xfrm>
-            <a:off x="0" y="0"/>
-            <a:ext cx="9144000" cy="971550"/>
-          </a:xfrm>
-        </p:spPr>
-        <p:txBody>
-          <a:bodyPr/>
-          <a:lstStyle/>
-          <a:p>
-            <a:pPr algn="ctr"/>
-            <a:r>
-              <a:rPr lang="en-US" altLang="ko-KR" sz="2800" b="1" dirty="0">
-                <a:latin typeface="Calibri" panose="020F0502020204030204" pitchFamily="34" charset="0"/>
-                <a:ea typeface="Verdana" pitchFamily="34" charset="0"/>
-                <a:cs typeface="Calibri" panose="020F0502020204030204" pitchFamily="34" charset="0"/>
-              </a:rPr>
-              <a:t>Problem Set #2</a:t>
-            </a:r>
-          </a:p>
-        </p:txBody>
-      </p:sp>
-      <p:sp>
-        <p:nvSpPr>
-          <p:cNvPr id="2" name="Slide Number Placeholder 1"/>
-          <p:cNvSpPr>
-            <a:spLocks noGrp="1"/>
-          </p:cNvSpPr>
-          <p:nvPr>
-            <p:ph type="sldNum" sz="quarter" idx="12"/>
-          </p:nvPr>
-        </p:nvSpPr>
-        <p:spPr>
-          <a:xfrm>
-            <a:off x="612775" y="6356350"/>
-            <a:ext cx="1981200" cy="366713"/>
-          </a:xfrm>
-        </p:spPr>
-        <p:txBody>
-          <a:bodyPr/>
-          <a:lstStyle/>
-          <a:p>
-            <a:pPr>
-              <a:defRPr/>
-            </a:pPr>
-            <a:fld id="{3850345A-1D96-42EE-B598-5ADBF25B71C7}" type="slidenum">
-              <a:rPr lang="en-US" altLang="ko-KR" smtClean="0"/>
-              <a:pPr>
-                <a:defRPr/>
-              </a:pPr>
-              <a:t>9</a:t>
-            </a:fld>
-            <a:endParaRPr lang="en-US" altLang="ko-KR" dirty="0"/>
-          </a:p>
-        </p:txBody>
-      </p:sp>
-      <p:sp>
-        <p:nvSpPr>
-          <p:cNvPr id="4" name="Content Placeholder 11"/>
-          <p:cNvSpPr>
-            <a:spLocks noGrp="1"/>
-          </p:cNvSpPr>
-          <p:nvPr>
-            <p:ph sz="quarter" idx="1"/>
-          </p:nvPr>
-        </p:nvSpPr>
-        <p:spPr>
-          <a:xfrm>
-            <a:off x="354684" y="1281924"/>
-            <a:ext cx="8539934" cy="5441139"/>
-          </a:xfrm>
-          <a:noFill/>
-          <a:ln>
-            <a:miter lim="800000"/>
-            <a:headEnd/>
-            <a:tailEnd/>
-          </a:ln>
-          <a:scene3d>
-            <a:camera prst="orthographicFront"/>
-            <a:lightRig rig="threePt" dir="t"/>
-          </a:scene3d>
-          <a:sp3d>
-            <a:bevelT w="114300" prst="hardEdge"/>
-          </a:sp3d>
-          <a:extLst/>
-        </p:spPr>
-        <p:txBody>
-          <a:bodyPr>
-            <a:normAutofit/>
-          </a:bodyPr>
-          <a:lstStyle>
-            <a:lvl1pPr marL="231775" indent="-231775" eaLnBrk="0" hangingPunct="0">
-              <a:defRPr sz="2400">
-                <a:solidFill>
-                  <a:schemeClr val="tx1"/>
-                </a:solidFill>
-                <a:latin typeface="Arial" pitchFamily="34" charset="0"/>
-                <a:ea typeface="ＭＳ Ｐゴシック" pitchFamily="34" charset="-128"/>
-              </a:defRPr>
-            </a:lvl1pPr>
-            <a:lvl2pPr marL="631825" indent="-231775" eaLnBrk="0" hangingPunct="0">
-              <a:defRPr sz="2400">
-                <a:solidFill>
-                  <a:schemeClr val="tx1"/>
-                </a:solidFill>
-                <a:latin typeface="Arial" pitchFamily="34" charset="0"/>
-                <a:ea typeface="ＭＳ Ｐゴシック" pitchFamily="34" charset="-128"/>
-              </a:defRPr>
-            </a:lvl2pPr>
-            <a:lvl3pPr marL="1143000" indent="-228600" eaLnBrk="0" hangingPunct="0">
-              <a:defRPr sz="2400">
-                <a:solidFill>
-                  <a:schemeClr val="tx1"/>
-                </a:solidFill>
-                <a:latin typeface="Arial" pitchFamily="34" charset="0"/>
-                <a:ea typeface="ＭＳ Ｐゴシック" pitchFamily="34" charset="-128"/>
-              </a:defRPr>
-            </a:lvl3pPr>
-            <a:lvl4pPr marL="1600200" indent="-228600" eaLnBrk="0" hangingPunct="0">
-              <a:defRPr sz="2400">
-                <a:solidFill>
-                  <a:schemeClr val="tx1"/>
-                </a:solidFill>
-                <a:latin typeface="Arial" pitchFamily="34" charset="0"/>
-                <a:ea typeface="ＭＳ Ｐゴシック" pitchFamily="34" charset="-128"/>
-              </a:defRPr>
-            </a:lvl4pPr>
-            <a:lvl5pPr marL="2057400" indent="-228600" eaLnBrk="0" hangingPunct="0">
-              <a:defRPr sz="2400">
-                <a:solidFill>
-                  <a:schemeClr val="tx1"/>
-                </a:solidFill>
-                <a:latin typeface="Arial" pitchFamily="34" charset="0"/>
-                <a:ea typeface="ＭＳ Ｐゴシック" pitchFamily="34" charset="-128"/>
-              </a:defRPr>
-            </a:lvl5pPr>
-            <a:lvl6pPr marL="2514600" indent="-228600" eaLnBrk="0" fontAlgn="base" hangingPunct="0">
-              <a:spcBef>
-                <a:spcPct val="0"/>
-              </a:spcBef>
-              <a:spcAft>
-                <a:spcPct val="0"/>
-              </a:spcAft>
-              <a:defRPr sz="2400">
-                <a:solidFill>
-                  <a:schemeClr val="tx1"/>
-                </a:solidFill>
-                <a:latin typeface="Arial" pitchFamily="34" charset="0"/>
-                <a:ea typeface="ＭＳ Ｐゴシック" pitchFamily="34" charset="-128"/>
-              </a:defRPr>
-            </a:lvl6pPr>
-            <a:lvl7pPr marL="2971800" indent="-228600" eaLnBrk="0" fontAlgn="base" hangingPunct="0">
-              <a:spcBef>
-                <a:spcPct val="0"/>
-              </a:spcBef>
-              <a:spcAft>
-                <a:spcPct val="0"/>
-              </a:spcAft>
-              <a:defRPr sz="2400">
-                <a:solidFill>
-                  <a:schemeClr val="tx1"/>
-                </a:solidFill>
-                <a:latin typeface="Arial" pitchFamily="34" charset="0"/>
-                <a:ea typeface="ＭＳ Ｐゴシック" pitchFamily="34" charset="-128"/>
-              </a:defRPr>
-            </a:lvl7pPr>
-            <a:lvl8pPr marL="3429000" indent="-228600" eaLnBrk="0" fontAlgn="base" hangingPunct="0">
-              <a:spcBef>
-                <a:spcPct val="0"/>
-              </a:spcBef>
-              <a:spcAft>
-                <a:spcPct val="0"/>
-              </a:spcAft>
-              <a:defRPr sz="2400">
-                <a:solidFill>
-                  <a:schemeClr val="tx1"/>
-                </a:solidFill>
-                <a:latin typeface="Arial" pitchFamily="34" charset="0"/>
-                <a:ea typeface="ＭＳ Ｐゴシック" pitchFamily="34" charset="-128"/>
-              </a:defRPr>
-            </a:lvl8pPr>
-            <a:lvl9pPr marL="3886200" indent="-228600" eaLnBrk="0" fontAlgn="base" hangingPunct="0">
-              <a:spcBef>
-                <a:spcPct val="0"/>
-              </a:spcBef>
-              <a:spcAft>
-                <a:spcPct val="0"/>
-              </a:spcAft>
-              <a:defRPr sz="2400">
-                <a:solidFill>
-                  <a:schemeClr val="tx1"/>
-                </a:solidFill>
-                <a:latin typeface="Arial" pitchFamily="34" charset="0"/>
-                <a:ea typeface="ＭＳ Ｐゴシック" pitchFamily="34" charset="-128"/>
-              </a:defRPr>
-            </a:lvl9pPr>
-          </a:lstStyle>
-          <a:p>
-            <a:pPr>
-              <a:lnSpc>
-                <a:spcPct val="90000"/>
-              </a:lnSpc>
-              <a:defRPr/>
-            </a:pPr>
-            <a:r>
-              <a:rPr lang="en-US" altLang="ko-KR" sz="2000" dirty="0" smtClean="0">
-                <a:latin typeface="Calibri" panose="020F0502020204030204" pitchFamily="34" charset="0"/>
-                <a:cs typeface="Calibri" panose="020F0502020204030204" pitchFamily="34" charset="0"/>
-              </a:rPr>
-              <a:t>Part(b) </a:t>
-            </a:r>
-            <a:r>
-              <a:rPr lang="en-US" altLang="ko-KR" sz="2000" dirty="0">
-                <a:latin typeface="Calibri" panose="020F0502020204030204" pitchFamily="34" charset="0"/>
-                <a:cs typeface="Calibri" panose="020F0502020204030204" pitchFamily="34" charset="0"/>
-              </a:rPr>
-              <a:t>: you should fill in the missing </a:t>
-            </a:r>
-            <a:r>
-              <a:rPr lang="en-US" altLang="ko-KR" sz="2000" dirty="0" smtClean="0">
-                <a:latin typeface="Calibri" panose="020F0502020204030204" pitchFamily="34" charset="0"/>
-                <a:cs typeface="Calibri" panose="020F0502020204030204" pitchFamily="34" charset="0"/>
-              </a:rPr>
-              <a:t>working capacity data</a:t>
-            </a:r>
-            <a:endParaRPr lang="en-US" altLang="ko-KR" sz="2000" dirty="0">
-              <a:latin typeface="Calibri" panose="020F0502020204030204" pitchFamily="34" charset="0"/>
-              <a:cs typeface="Calibri" panose="020F0502020204030204" pitchFamily="34" charset="0"/>
-            </a:endParaRPr>
-          </a:p>
-          <a:p>
-            <a:pPr lvl="1">
-              <a:lnSpc>
-                <a:spcPct val="90000"/>
-              </a:lnSpc>
-              <a:defRPr/>
-            </a:pPr>
-            <a:r>
-              <a:rPr lang="en-US" altLang="ko-KR" sz="2000" dirty="0" smtClean="0">
-                <a:latin typeface="Calibri" panose="020F0502020204030204" pitchFamily="34" charset="0"/>
-                <a:cs typeface="Calibri" panose="020F0502020204030204" pitchFamily="34" charset="0"/>
-              </a:rPr>
-              <a:t>In previous result, we still miss “</a:t>
-            </a:r>
-            <a:r>
-              <a:rPr lang="en-US" altLang="ko-KR" sz="2000" dirty="0" err="1" smtClean="0">
-                <a:latin typeface="Calibri" panose="020F0502020204030204" pitchFamily="34" charset="0"/>
-                <a:cs typeface="Calibri" panose="020F0502020204030204" pitchFamily="34" charset="0"/>
-              </a:rPr>
-              <a:t>gcmc_result</a:t>
-            </a:r>
-            <a:r>
-              <a:rPr lang="en-US" altLang="ko-KR" sz="2000" dirty="0" smtClean="0">
-                <a:latin typeface="Calibri" panose="020F0502020204030204" pitchFamily="34" charset="0"/>
-                <a:cs typeface="Calibri" panose="020F0502020204030204" pitchFamily="34" charset="0"/>
-              </a:rPr>
-              <a:t>” for two structures</a:t>
-            </a:r>
-          </a:p>
-          <a:p>
-            <a:pPr lvl="1">
-              <a:lnSpc>
-                <a:spcPct val="90000"/>
-              </a:lnSpc>
-              <a:defRPr/>
-            </a:pPr>
-            <a:endParaRPr lang="en-US" altLang="ko-KR" sz="2000" dirty="0">
-              <a:latin typeface="Calibri" panose="020F0502020204030204" pitchFamily="34" charset="0"/>
-              <a:cs typeface="Calibri" panose="020F0502020204030204" pitchFamily="34" charset="0"/>
-            </a:endParaRPr>
-          </a:p>
-          <a:p>
-            <a:pPr lvl="1">
-              <a:lnSpc>
-                <a:spcPct val="90000"/>
-              </a:lnSpc>
-              <a:defRPr/>
-            </a:pPr>
-            <a:endParaRPr lang="en-US" altLang="ko-KR" sz="2000" dirty="0" smtClean="0">
-              <a:latin typeface="Calibri" panose="020F0502020204030204" pitchFamily="34" charset="0"/>
-              <a:cs typeface="Calibri" panose="020F0502020204030204" pitchFamily="34" charset="0"/>
-            </a:endParaRPr>
-          </a:p>
-          <a:p>
-            <a:pPr lvl="1">
-              <a:lnSpc>
-                <a:spcPct val="90000"/>
-              </a:lnSpc>
-              <a:defRPr/>
-            </a:pPr>
-            <a:endParaRPr lang="en-US" altLang="ko-KR" sz="2000" dirty="0">
-              <a:latin typeface="Calibri" panose="020F0502020204030204" pitchFamily="34" charset="0"/>
-              <a:cs typeface="Calibri" panose="020F0502020204030204" pitchFamily="34" charset="0"/>
-            </a:endParaRPr>
-          </a:p>
-          <a:p>
-            <a:pPr lvl="1">
-              <a:lnSpc>
-                <a:spcPct val="90000"/>
-              </a:lnSpc>
-              <a:defRPr/>
-            </a:pPr>
-            <a:endParaRPr lang="en-US" altLang="ko-KR" sz="2000" dirty="0" smtClean="0">
-              <a:latin typeface="Calibri" panose="020F0502020204030204" pitchFamily="34" charset="0"/>
-              <a:cs typeface="Calibri" panose="020F0502020204030204" pitchFamily="34" charset="0"/>
-            </a:endParaRPr>
-          </a:p>
-          <a:p>
-            <a:pPr lvl="1">
-              <a:lnSpc>
-                <a:spcPct val="90000"/>
-              </a:lnSpc>
-              <a:defRPr/>
-            </a:pPr>
-            <a:endParaRPr lang="en-US" altLang="ko-KR" sz="2000" dirty="0" smtClean="0">
-              <a:latin typeface="Calibri" panose="020F0502020204030204" pitchFamily="34" charset="0"/>
-              <a:cs typeface="Calibri" panose="020F0502020204030204" pitchFamily="34" charset="0"/>
-            </a:endParaRPr>
-          </a:p>
-          <a:p>
-            <a:pPr lvl="1">
-              <a:lnSpc>
-                <a:spcPct val="90000"/>
-              </a:lnSpc>
-              <a:defRPr/>
-            </a:pPr>
-            <a:endParaRPr lang="en-US" altLang="ko-KR" sz="2000" dirty="0">
-              <a:latin typeface="Calibri" panose="020F0502020204030204" pitchFamily="34" charset="0"/>
-              <a:cs typeface="Calibri" panose="020F0502020204030204" pitchFamily="34" charset="0"/>
-            </a:endParaRPr>
-          </a:p>
-          <a:p>
-            <a:pPr lvl="1">
-              <a:lnSpc>
-                <a:spcPct val="90000"/>
-              </a:lnSpc>
-              <a:defRPr/>
-            </a:pPr>
-            <a:endParaRPr lang="en-US" altLang="ko-KR" sz="2000" dirty="0" smtClean="0">
-              <a:latin typeface="Calibri" panose="020F0502020204030204" pitchFamily="34" charset="0"/>
-              <a:cs typeface="Calibri" panose="020F0502020204030204" pitchFamily="34" charset="0"/>
-            </a:endParaRPr>
-          </a:p>
-          <a:p>
-            <a:pPr lvl="1">
-              <a:lnSpc>
-                <a:spcPct val="90000"/>
-              </a:lnSpc>
-              <a:defRPr/>
-            </a:pPr>
-            <a:endParaRPr lang="en-US" altLang="ko-KR" sz="2000" dirty="0">
-              <a:latin typeface="Calibri" panose="020F0502020204030204" pitchFamily="34" charset="0"/>
-              <a:cs typeface="Calibri" panose="020F0502020204030204" pitchFamily="34" charset="0"/>
-            </a:endParaRPr>
-          </a:p>
-          <a:p>
-            <a:pPr lvl="1">
-              <a:lnSpc>
-                <a:spcPct val="90000"/>
-              </a:lnSpc>
-              <a:defRPr/>
-            </a:pPr>
-            <a:endParaRPr lang="en-US" altLang="ko-KR" sz="2000" dirty="0" smtClean="0">
-              <a:latin typeface="Calibri" panose="020F0502020204030204" pitchFamily="34" charset="0"/>
-              <a:cs typeface="Calibri" panose="020F0502020204030204" pitchFamily="34" charset="0"/>
-            </a:endParaRPr>
-          </a:p>
-          <a:p>
-            <a:pPr lvl="1">
-              <a:lnSpc>
-                <a:spcPct val="90000"/>
-              </a:lnSpc>
-              <a:defRPr/>
-            </a:pPr>
-            <a:r>
-              <a:rPr lang="en-US" altLang="ko-KR" sz="2000" dirty="0" smtClean="0">
-                <a:latin typeface="Calibri" panose="020F0502020204030204" pitchFamily="34" charset="0"/>
-                <a:cs typeface="Calibri" panose="020F0502020204030204" pitchFamily="34" charset="0"/>
-              </a:rPr>
-              <a:t>To get the values you should conduct RASPA simulation as we did before</a:t>
-            </a:r>
-          </a:p>
-          <a:p>
-            <a:pPr lvl="1">
-              <a:lnSpc>
-                <a:spcPct val="90000"/>
-              </a:lnSpc>
-              <a:defRPr/>
-            </a:pPr>
-            <a:r>
-              <a:rPr lang="en-US" altLang="ko-KR" sz="2000" dirty="0" smtClean="0">
-                <a:latin typeface="Calibri" panose="020F0502020204030204" pitchFamily="34" charset="0"/>
-                <a:cs typeface="Calibri" panose="020F0502020204030204" pitchFamily="34" charset="0"/>
-              </a:rPr>
-              <a:t>Working capacity(CH4) = </a:t>
-            </a:r>
-            <a:r>
-              <a:rPr lang="en-US" altLang="ko-KR" sz="2000" dirty="0" smtClean="0">
-                <a:solidFill>
-                  <a:srgbClr val="FF0000"/>
-                </a:solidFill>
-                <a:latin typeface="Calibri" panose="020F0502020204030204" pitchFamily="34" charset="0"/>
-                <a:cs typeface="Calibri" panose="020F0502020204030204" pitchFamily="34" charset="0"/>
-              </a:rPr>
-              <a:t>uptake</a:t>
-            </a:r>
-            <a:r>
-              <a:rPr lang="en-US" altLang="ko-KR" sz="2000" dirty="0" smtClean="0">
-                <a:latin typeface="Calibri" panose="020F0502020204030204" pitchFamily="34" charset="0"/>
-                <a:cs typeface="Calibri" panose="020F0502020204030204" pitchFamily="34" charset="0"/>
-              </a:rPr>
-              <a:t> at 65bar(CH4) – </a:t>
-            </a:r>
-            <a:r>
-              <a:rPr lang="en-US" altLang="ko-KR" sz="2000" dirty="0" smtClean="0">
-                <a:solidFill>
-                  <a:srgbClr val="FF0000"/>
-                </a:solidFill>
-                <a:latin typeface="Calibri" panose="020F0502020204030204" pitchFamily="34" charset="0"/>
-                <a:cs typeface="Calibri" panose="020F0502020204030204" pitchFamily="34" charset="0"/>
-              </a:rPr>
-              <a:t>uptake</a:t>
-            </a:r>
-            <a:r>
-              <a:rPr lang="en-US" altLang="ko-KR" sz="2000" dirty="0" smtClean="0">
-                <a:latin typeface="Calibri" panose="020F0502020204030204" pitchFamily="34" charset="0"/>
-                <a:cs typeface="Calibri" panose="020F0502020204030204" pitchFamily="34" charset="0"/>
-              </a:rPr>
-              <a:t> at 5.8bar(CH4)</a:t>
-            </a:r>
-          </a:p>
-          <a:p>
-            <a:pPr lvl="1">
-              <a:lnSpc>
-                <a:spcPct val="90000"/>
-              </a:lnSpc>
-              <a:defRPr/>
-            </a:pPr>
-            <a:r>
-              <a:rPr lang="en-US" altLang="ko-KR" sz="2000" dirty="0" smtClean="0">
-                <a:latin typeface="Calibri" panose="020F0502020204030204" pitchFamily="34" charset="0"/>
-                <a:cs typeface="Calibri" panose="020F0502020204030204" pitchFamily="34" charset="0"/>
-              </a:rPr>
-              <a:t>See lecture 8 for the details of RASPA simulation </a:t>
-            </a:r>
-          </a:p>
-          <a:p>
-            <a:pPr lvl="1">
-              <a:lnSpc>
-                <a:spcPct val="90000"/>
-              </a:lnSpc>
-              <a:defRPr/>
-            </a:pPr>
-            <a:r>
-              <a:rPr lang="en-US" altLang="ko-KR" sz="2000" dirty="0" smtClean="0">
-                <a:latin typeface="Calibri" panose="020F0502020204030204" pitchFamily="34" charset="0"/>
-                <a:cs typeface="Calibri" panose="020F0502020204030204" pitchFamily="34" charset="0"/>
-              </a:rPr>
-              <a:t>(for getting </a:t>
-            </a:r>
-            <a:r>
-              <a:rPr lang="en-US" altLang="ko-KR" sz="2000" dirty="0" smtClean="0">
-                <a:solidFill>
-                  <a:srgbClr val="FF0000"/>
-                </a:solidFill>
-                <a:latin typeface="Calibri" panose="020F0502020204030204" pitchFamily="34" charset="0"/>
-                <a:cs typeface="Calibri" panose="020F0502020204030204" pitchFamily="34" charset="0"/>
-              </a:rPr>
-              <a:t>uptake</a:t>
-            </a:r>
-            <a:r>
-              <a:rPr lang="en-US" altLang="ko-KR" sz="2000" dirty="0" smtClean="0">
-                <a:latin typeface="Calibri" panose="020F0502020204030204" pitchFamily="34" charset="0"/>
-                <a:cs typeface="Calibri" panose="020F0502020204030204" pitchFamily="34" charset="0"/>
-              </a:rPr>
-              <a:t> values from output, see slide 30 in lecture 8)</a:t>
-            </a:r>
-          </a:p>
-          <a:p>
-            <a:pPr lvl="1">
-              <a:lnSpc>
-                <a:spcPct val="90000"/>
-              </a:lnSpc>
-              <a:defRPr/>
-            </a:pPr>
-            <a:endParaRPr lang="en-US" altLang="ko-KR" sz="2000" dirty="0" smtClean="0">
-              <a:latin typeface="Calibri" panose="020F0502020204030204" pitchFamily="34" charset="0"/>
-              <a:cs typeface="Calibri" panose="020F0502020204030204" pitchFamily="34" charset="0"/>
-            </a:endParaRPr>
-          </a:p>
-          <a:p>
-            <a:pPr marL="0" indent="0">
-              <a:lnSpc>
-                <a:spcPct val="90000"/>
-              </a:lnSpc>
-              <a:buNone/>
-              <a:defRPr/>
-            </a:pPr>
-            <a:endParaRPr lang="en-US" altLang="ko-KR" sz="2000" dirty="0" smtClean="0">
-              <a:latin typeface="Calibri" panose="020F0502020204030204" pitchFamily="34" charset="0"/>
-              <a:cs typeface="Calibri" panose="020F0502020204030204" pitchFamily="34" charset="0"/>
-            </a:endParaRPr>
-          </a:p>
-        </p:txBody>
-      </p:sp>
-      <p:pic>
-        <p:nvPicPr>
-          <p:cNvPr id="6" name="그림 5"/>
-          <p:cNvPicPr>
-            <a:picLocks noChangeAspect="1"/>
-          </p:cNvPicPr>
-          <p:nvPr/>
-        </p:nvPicPr>
-        <p:blipFill>
-          <a:blip r:embed="rId3"/>
-          <a:stretch>
-            <a:fillRect/>
-          </a:stretch>
-        </p:blipFill>
-        <p:spPr>
-          <a:xfrm>
-            <a:off x="774233" y="2099914"/>
-            <a:ext cx="7612158" cy="2663279"/>
-          </a:xfrm>
-          <a:prstGeom prst="rect">
-            <a:avLst/>
-          </a:prstGeom>
-          <a:ln w="12700">
-            <a:solidFill>
-              <a:schemeClr val="accent1"/>
-            </a:solidFill>
-          </a:ln>
-        </p:spPr>
-      </p:pic>
-      <p:sp>
-        <p:nvSpPr>
-          <p:cNvPr id="3" name="모서리가 둥근 직사각형 2"/>
-          <p:cNvSpPr/>
-          <p:nvPr/>
-        </p:nvSpPr>
-        <p:spPr>
-          <a:xfrm>
-            <a:off x="2602288" y="3827926"/>
-            <a:ext cx="523298" cy="361688"/>
-          </a:xfrm>
-          <a:prstGeom prst="roundRect">
-            <a:avLst/>
-          </a:prstGeom>
-          <a:noFill/>
-          <a:ln w="25400">
-            <a:solidFill>
-              <a:srgbClr val="FF0000"/>
-            </a:solidFill>
-            <a:prstDash val="sysDash"/>
-          </a:ln>
-        </p:spPr>
-        <p:style>
-          <a:lnRef idx="2">
-            <a:schemeClr val="accent1">
-              <a:shade val="50000"/>
-            </a:schemeClr>
-          </a:lnRef>
-          <a:fillRef idx="1">
-            <a:schemeClr val="accent1"/>
-          </a:fillRef>
-          <a:effectRef idx="0">
-            <a:schemeClr val="accent1"/>
-          </a:effectRef>
-          <a:fontRef idx="minor">
-            <a:schemeClr val="lt1"/>
-          </a:fontRef>
-        </p:style>
-        <p:txBody>
-          <a:bodyPr rtlCol="0" anchor="ctr"/>
-          <a:lstStyle/>
-          <a:p>
-            <a:pPr algn="ctr"/>
-            <a:endParaRPr lang="ko-KR" altLang="en-US"/>
-          </a:p>
-        </p:txBody>
-      </p:sp>
-      <p:cxnSp>
-        <p:nvCxnSpPr>
-          <p:cNvPr id="7" name="직선 화살표 연결선 6"/>
-          <p:cNvCxnSpPr/>
-          <p:nvPr/>
-        </p:nvCxnSpPr>
-        <p:spPr>
-          <a:xfrm flipH="1">
-            <a:off x="3017520" y="1936865"/>
-            <a:ext cx="1928553" cy="1891061"/>
-          </a:xfrm>
-          <a:prstGeom prst="straightConnector1">
-            <a:avLst/>
-          </a:prstGeom>
-          <a:ln w="19050">
-            <a:solidFill>
-              <a:srgbClr val="FF0000"/>
-            </a:solidFill>
-            <a:tailEnd type="triangle"/>
-          </a:ln>
-        </p:spPr>
-        <p:style>
-          <a:lnRef idx="1">
-            <a:schemeClr val="accent1"/>
-          </a:lnRef>
-          <a:fillRef idx="0">
-            <a:schemeClr val="accent1"/>
-          </a:fillRef>
-          <a:effectRef idx="0">
-            <a:schemeClr val="accent1"/>
-          </a:effectRef>
-          <a:fontRef idx="minor">
-            <a:schemeClr val="tx1"/>
-          </a:fontRef>
-        </p:style>
-      </p:cxnSp>
-    </p:spTree>
-    <p:extLst>
-      <p:ext uri="{BB962C8B-B14F-4D97-AF65-F5344CB8AC3E}">
-        <p14:creationId xmlns:p14="http://schemas.microsoft.com/office/powerpoint/2010/main" val="2617607682"/>
+        <p14:creationId xmlns:p14="http://schemas.microsoft.com/office/powerpoint/2010/main" val="3842888729"/>
       </p:ext>
     </p:extLst>
   </p:cSld>
